--- a/static/activities/activity-4.pptx
+++ b/static/activities/activity-4.pptx
@@ -110,7 +110,7 @@
   </p:defaultTextStyle>
   <p:extLst>
     <p:ext uri="{EFAFB233-063F-42B5-8137-9DF3F51BA10A}">
-      <p15:sldGuideLst xmlns:p15="http://schemas.microsoft.com/office/powerpoint/2012/main">
+      <p15:sldGuideLst xmlns:p15="http://schemas.microsoft.com/office/powerpoint/2012/main" xmlns="">
         <p15:guide id="1" orient="horz" pos="2160" userDrawn="1">
           <p15:clr>
             <a:srgbClr val="A4A3A4"/>
@@ -149,7 +149,7 @@
           <p:cNvPr id="2" name="Title 1">
             <a:extLst>
               <a:ext uri="{FF2B5EF4-FFF2-40B4-BE49-F238E27FC236}">
-                <a16:creationId xmlns:a16="http://schemas.microsoft.com/office/drawing/2014/main" id="{97846CF2-E367-4C5B-B8B4-188BA0A639B9}"/>
+                <a16:creationId xmlns:a16="http://schemas.microsoft.com/office/drawing/2014/main" xmlns="" id="{97846CF2-E367-4C5B-B8B4-188BA0A639B9}"/>
               </a:ext>
             </a:extLst>
           </p:cNvPr>
@@ -186,7 +186,7 @@
           <p:cNvPr id="3" name="Subtitle 2">
             <a:extLst>
               <a:ext uri="{FF2B5EF4-FFF2-40B4-BE49-F238E27FC236}">
-                <a16:creationId xmlns:a16="http://schemas.microsoft.com/office/drawing/2014/main" id="{ED9458CC-4DAF-413C-BAB2-A691828B3960}"/>
+                <a16:creationId xmlns:a16="http://schemas.microsoft.com/office/drawing/2014/main" xmlns="" id="{ED9458CC-4DAF-413C-BAB2-A691828B3960}"/>
               </a:ext>
             </a:extLst>
           </p:cNvPr>
@@ -256,7 +256,7 @@
           <p:cNvPr id="4" name="Date Placeholder 3">
             <a:extLst>
               <a:ext uri="{FF2B5EF4-FFF2-40B4-BE49-F238E27FC236}">
-                <a16:creationId xmlns:a16="http://schemas.microsoft.com/office/drawing/2014/main" id="{376479D7-1822-4D67-877B-539605137CE2}"/>
+                <a16:creationId xmlns:a16="http://schemas.microsoft.com/office/drawing/2014/main" xmlns="" id="{376479D7-1822-4D67-877B-539605137CE2}"/>
               </a:ext>
             </a:extLst>
           </p:cNvPr>
@@ -274,7 +274,7 @@
           <a:p>
             <a:fld id="{F657B805-F065-4DDD-821B-D6FAE50E53FB}" type="datetimeFigureOut">
               <a:rPr lang="en-US" smtClean="0"/>
-              <a:t>10/24/2018</a:t>
+              <a:t>12/10/2018</a:t>
             </a:fld>
             <a:endParaRPr lang="en-US"/>
           </a:p>
@@ -285,7 +285,7 @@
           <p:cNvPr id="5" name="Footer Placeholder 4">
             <a:extLst>
               <a:ext uri="{FF2B5EF4-FFF2-40B4-BE49-F238E27FC236}">
-                <a16:creationId xmlns:a16="http://schemas.microsoft.com/office/drawing/2014/main" id="{88C7617A-08B7-49AD-9AB2-8EE730F829FC}"/>
+                <a16:creationId xmlns:a16="http://schemas.microsoft.com/office/drawing/2014/main" xmlns="" id="{88C7617A-08B7-49AD-9AB2-8EE730F829FC}"/>
               </a:ext>
             </a:extLst>
           </p:cNvPr>
@@ -310,7 +310,7 @@
           <p:cNvPr id="6" name="Slide Number Placeholder 5">
             <a:extLst>
               <a:ext uri="{FF2B5EF4-FFF2-40B4-BE49-F238E27FC236}">
-                <a16:creationId xmlns:a16="http://schemas.microsoft.com/office/drawing/2014/main" id="{F33D2E6E-0D60-4BEC-9051-BB6B1929C7DF}"/>
+                <a16:creationId xmlns:a16="http://schemas.microsoft.com/office/drawing/2014/main" xmlns="" id="{F33D2E6E-0D60-4BEC-9051-BB6B1929C7DF}"/>
               </a:ext>
             </a:extLst>
           </p:cNvPr>
@@ -369,7 +369,7 @@
           <p:cNvPr id="2" name="Title 1">
             <a:extLst>
               <a:ext uri="{FF2B5EF4-FFF2-40B4-BE49-F238E27FC236}">
-                <a16:creationId xmlns:a16="http://schemas.microsoft.com/office/drawing/2014/main" id="{D5218418-A987-4281-8F76-5A8B5A4F4771}"/>
+                <a16:creationId xmlns:a16="http://schemas.microsoft.com/office/drawing/2014/main" xmlns="" id="{D5218418-A987-4281-8F76-5A8B5A4F4771}"/>
               </a:ext>
             </a:extLst>
           </p:cNvPr>
@@ -397,7 +397,7 @@
           <p:cNvPr id="3" name="Vertical Text Placeholder 2">
             <a:extLst>
               <a:ext uri="{FF2B5EF4-FFF2-40B4-BE49-F238E27FC236}">
-                <a16:creationId xmlns:a16="http://schemas.microsoft.com/office/drawing/2014/main" id="{DE7FE3C8-6F2E-4357-81DA-2C983395CFE8}"/>
+                <a16:creationId xmlns:a16="http://schemas.microsoft.com/office/drawing/2014/main" xmlns="" id="{DE7FE3C8-6F2E-4357-81DA-2C983395CFE8}"/>
               </a:ext>
             </a:extLst>
           </p:cNvPr>
@@ -454,7 +454,7 @@
           <p:cNvPr id="4" name="Date Placeholder 3">
             <a:extLst>
               <a:ext uri="{FF2B5EF4-FFF2-40B4-BE49-F238E27FC236}">
-                <a16:creationId xmlns:a16="http://schemas.microsoft.com/office/drawing/2014/main" id="{D1B54246-DD69-4627-884F-EA3D5BACCCDF}"/>
+                <a16:creationId xmlns:a16="http://schemas.microsoft.com/office/drawing/2014/main" xmlns="" id="{D1B54246-DD69-4627-884F-EA3D5BACCCDF}"/>
               </a:ext>
             </a:extLst>
           </p:cNvPr>
@@ -472,7 +472,7 @@
           <a:p>
             <a:fld id="{F657B805-F065-4DDD-821B-D6FAE50E53FB}" type="datetimeFigureOut">
               <a:rPr lang="en-US" smtClean="0"/>
-              <a:t>10/24/2018</a:t>
+              <a:t>12/10/2018</a:t>
             </a:fld>
             <a:endParaRPr lang="en-US"/>
           </a:p>
@@ -483,7 +483,7 @@
           <p:cNvPr id="5" name="Footer Placeholder 4">
             <a:extLst>
               <a:ext uri="{FF2B5EF4-FFF2-40B4-BE49-F238E27FC236}">
-                <a16:creationId xmlns:a16="http://schemas.microsoft.com/office/drawing/2014/main" id="{0FF761FF-74D9-4C05-8BED-337CFEF67324}"/>
+                <a16:creationId xmlns:a16="http://schemas.microsoft.com/office/drawing/2014/main" xmlns="" id="{0FF761FF-74D9-4C05-8BED-337CFEF67324}"/>
               </a:ext>
             </a:extLst>
           </p:cNvPr>
@@ -508,7 +508,7 @@
           <p:cNvPr id="6" name="Slide Number Placeholder 5">
             <a:extLst>
               <a:ext uri="{FF2B5EF4-FFF2-40B4-BE49-F238E27FC236}">
-                <a16:creationId xmlns:a16="http://schemas.microsoft.com/office/drawing/2014/main" id="{428A2AA7-07B6-4CB2-BE01-93FCA01D1FDB}"/>
+                <a16:creationId xmlns:a16="http://schemas.microsoft.com/office/drawing/2014/main" xmlns="" id="{428A2AA7-07B6-4CB2-BE01-93FCA01D1FDB}"/>
               </a:ext>
             </a:extLst>
           </p:cNvPr>
@@ -567,7 +567,7 @@
           <p:cNvPr id="2" name="Vertical Title 1">
             <a:extLst>
               <a:ext uri="{FF2B5EF4-FFF2-40B4-BE49-F238E27FC236}">
-                <a16:creationId xmlns:a16="http://schemas.microsoft.com/office/drawing/2014/main" id="{5927367A-4B12-4AE1-AE43-7187541592AA}"/>
+                <a16:creationId xmlns:a16="http://schemas.microsoft.com/office/drawing/2014/main" xmlns="" id="{5927367A-4B12-4AE1-AE43-7187541592AA}"/>
               </a:ext>
             </a:extLst>
           </p:cNvPr>
@@ -600,7 +600,7 @@
           <p:cNvPr id="3" name="Vertical Text Placeholder 2">
             <a:extLst>
               <a:ext uri="{FF2B5EF4-FFF2-40B4-BE49-F238E27FC236}">
-                <a16:creationId xmlns:a16="http://schemas.microsoft.com/office/drawing/2014/main" id="{11A61400-D644-4877-86C5-85E2181CE877}"/>
+                <a16:creationId xmlns:a16="http://schemas.microsoft.com/office/drawing/2014/main" xmlns="" id="{11A61400-D644-4877-86C5-85E2181CE877}"/>
               </a:ext>
             </a:extLst>
           </p:cNvPr>
@@ -662,7 +662,7 @@
           <p:cNvPr id="4" name="Date Placeholder 3">
             <a:extLst>
               <a:ext uri="{FF2B5EF4-FFF2-40B4-BE49-F238E27FC236}">
-                <a16:creationId xmlns:a16="http://schemas.microsoft.com/office/drawing/2014/main" id="{222004C0-1D24-4572-88FF-D660A5E0F753}"/>
+                <a16:creationId xmlns:a16="http://schemas.microsoft.com/office/drawing/2014/main" xmlns="" id="{222004C0-1D24-4572-88FF-D660A5E0F753}"/>
               </a:ext>
             </a:extLst>
           </p:cNvPr>
@@ -680,7 +680,7 @@
           <a:p>
             <a:fld id="{F657B805-F065-4DDD-821B-D6FAE50E53FB}" type="datetimeFigureOut">
               <a:rPr lang="en-US" smtClean="0"/>
-              <a:t>10/24/2018</a:t>
+              <a:t>12/10/2018</a:t>
             </a:fld>
             <a:endParaRPr lang="en-US"/>
           </a:p>
@@ -691,7 +691,7 @@
           <p:cNvPr id="5" name="Footer Placeholder 4">
             <a:extLst>
               <a:ext uri="{FF2B5EF4-FFF2-40B4-BE49-F238E27FC236}">
-                <a16:creationId xmlns:a16="http://schemas.microsoft.com/office/drawing/2014/main" id="{E7BB0C94-5397-4BC1-9B1B-803DCCFD1F83}"/>
+                <a16:creationId xmlns:a16="http://schemas.microsoft.com/office/drawing/2014/main" xmlns="" id="{E7BB0C94-5397-4BC1-9B1B-803DCCFD1F83}"/>
               </a:ext>
             </a:extLst>
           </p:cNvPr>
@@ -716,7 +716,7 @@
           <p:cNvPr id="6" name="Slide Number Placeholder 5">
             <a:extLst>
               <a:ext uri="{FF2B5EF4-FFF2-40B4-BE49-F238E27FC236}">
-                <a16:creationId xmlns:a16="http://schemas.microsoft.com/office/drawing/2014/main" id="{4A494D0C-9B89-48BD-AEC1-E78253E89069}"/>
+                <a16:creationId xmlns:a16="http://schemas.microsoft.com/office/drawing/2014/main" xmlns="" id="{4A494D0C-9B89-48BD-AEC1-E78253E89069}"/>
               </a:ext>
             </a:extLst>
           </p:cNvPr>
@@ -775,7 +775,7 @@
           <p:cNvPr id="2" name="Title 1">
             <a:extLst>
               <a:ext uri="{FF2B5EF4-FFF2-40B4-BE49-F238E27FC236}">
-                <a16:creationId xmlns:a16="http://schemas.microsoft.com/office/drawing/2014/main" id="{AC50B28F-0AF9-4674-914C-53BD75F1B57C}"/>
+                <a16:creationId xmlns:a16="http://schemas.microsoft.com/office/drawing/2014/main" xmlns="" id="{AC50B28F-0AF9-4674-914C-53BD75F1B57C}"/>
               </a:ext>
             </a:extLst>
           </p:cNvPr>
@@ -803,7 +803,7 @@
           <p:cNvPr id="3" name="Content Placeholder 2">
             <a:extLst>
               <a:ext uri="{FF2B5EF4-FFF2-40B4-BE49-F238E27FC236}">
-                <a16:creationId xmlns:a16="http://schemas.microsoft.com/office/drawing/2014/main" id="{524AC969-CB1B-44FB-80F5-74B4F34D0284}"/>
+                <a16:creationId xmlns:a16="http://schemas.microsoft.com/office/drawing/2014/main" xmlns="" id="{524AC969-CB1B-44FB-80F5-74B4F34D0284}"/>
               </a:ext>
             </a:extLst>
           </p:cNvPr>
@@ -860,7 +860,7 @@
           <p:cNvPr id="4" name="Date Placeholder 3">
             <a:extLst>
               <a:ext uri="{FF2B5EF4-FFF2-40B4-BE49-F238E27FC236}">
-                <a16:creationId xmlns:a16="http://schemas.microsoft.com/office/drawing/2014/main" id="{97D7FA56-380F-42D3-A877-ADCA21141966}"/>
+                <a16:creationId xmlns:a16="http://schemas.microsoft.com/office/drawing/2014/main" xmlns="" id="{97D7FA56-380F-42D3-A877-ADCA21141966}"/>
               </a:ext>
             </a:extLst>
           </p:cNvPr>
@@ -878,7 +878,7 @@
           <a:p>
             <a:fld id="{F657B805-F065-4DDD-821B-D6FAE50E53FB}" type="datetimeFigureOut">
               <a:rPr lang="en-US" smtClean="0"/>
-              <a:t>10/24/2018</a:t>
+              <a:t>12/10/2018</a:t>
             </a:fld>
             <a:endParaRPr lang="en-US"/>
           </a:p>
@@ -889,7 +889,7 @@
           <p:cNvPr id="5" name="Footer Placeholder 4">
             <a:extLst>
               <a:ext uri="{FF2B5EF4-FFF2-40B4-BE49-F238E27FC236}">
-                <a16:creationId xmlns:a16="http://schemas.microsoft.com/office/drawing/2014/main" id="{2E52DDCD-A1B3-4623-BAE9-0FFE78E9F0A9}"/>
+                <a16:creationId xmlns:a16="http://schemas.microsoft.com/office/drawing/2014/main" xmlns="" id="{2E52DDCD-A1B3-4623-BAE9-0FFE78E9F0A9}"/>
               </a:ext>
             </a:extLst>
           </p:cNvPr>
@@ -914,7 +914,7 @@
           <p:cNvPr id="6" name="Slide Number Placeholder 5">
             <a:extLst>
               <a:ext uri="{FF2B5EF4-FFF2-40B4-BE49-F238E27FC236}">
-                <a16:creationId xmlns:a16="http://schemas.microsoft.com/office/drawing/2014/main" id="{495C99A6-DA6B-42A6-91B0-DAB38920D75C}"/>
+                <a16:creationId xmlns:a16="http://schemas.microsoft.com/office/drawing/2014/main" xmlns="" id="{495C99A6-DA6B-42A6-91B0-DAB38920D75C}"/>
               </a:ext>
             </a:extLst>
           </p:cNvPr>
@@ -973,7 +973,7 @@
           <p:cNvPr id="2" name="Title 1">
             <a:extLst>
               <a:ext uri="{FF2B5EF4-FFF2-40B4-BE49-F238E27FC236}">
-                <a16:creationId xmlns:a16="http://schemas.microsoft.com/office/drawing/2014/main" id="{3ECB881C-23CD-471D-A94B-AD43EEEC87EA}"/>
+                <a16:creationId xmlns:a16="http://schemas.microsoft.com/office/drawing/2014/main" xmlns="" id="{3ECB881C-23CD-471D-A94B-AD43EEEC87EA}"/>
               </a:ext>
             </a:extLst>
           </p:cNvPr>
@@ -1010,7 +1010,7 @@
           <p:cNvPr id="3" name="Text Placeholder 2">
             <a:extLst>
               <a:ext uri="{FF2B5EF4-FFF2-40B4-BE49-F238E27FC236}">
-                <a16:creationId xmlns:a16="http://schemas.microsoft.com/office/drawing/2014/main" id="{4AA58EF9-CD86-48CE-8FE0-80E27C641A53}"/>
+                <a16:creationId xmlns:a16="http://schemas.microsoft.com/office/drawing/2014/main" xmlns="" id="{4AA58EF9-CD86-48CE-8FE0-80E27C641A53}"/>
               </a:ext>
             </a:extLst>
           </p:cNvPr>
@@ -1135,7 +1135,7 @@
           <p:cNvPr id="4" name="Date Placeholder 3">
             <a:extLst>
               <a:ext uri="{FF2B5EF4-FFF2-40B4-BE49-F238E27FC236}">
-                <a16:creationId xmlns:a16="http://schemas.microsoft.com/office/drawing/2014/main" id="{074E67B7-8409-44C9-9020-928035D8DAF5}"/>
+                <a16:creationId xmlns:a16="http://schemas.microsoft.com/office/drawing/2014/main" xmlns="" id="{074E67B7-8409-44C9-9020-928035D8DAF5}"/>
               </a:ext>
             </a:extLst>
           </p:cNvPr>
@@ -1153,7 +1153,7 @@
           <a:p>
             <a:fld id="{F657B805-F065-4DDD-821B-D6FAE50E53FB}" type="datetimeFigureOut">
               <a:rPr lang="en-US" smtClean="0"/>
-              <a:t>10/24/2018</a:t>
+              <a:t>12/10/2018</a:t>
             </a:fld>
             <a:endParaRPr lang="en-US"/>
           </a:p>
@@ -1164,7 +1164,7 @@
           <p:cNvPr id="5" name="Footer Placeholder 4">
             <a:extLst>
               <a:ext uri="{FF2B5EF4-FFF2-40B4-BE49-F238E27FC236}">
-                <a16:creationId xmlns:a16="http://schemas.microsoft.com/office/drawing/2014/main" id="{3ABE416E-7C05-43D1-B159-A56C6A98F86F}"/>
+                <a16:creationId xmlns:a16="http://schemas.microsoft.com/office/drawing/2014/main" xmlns="" id="{3ABE416E-7C05-43D1-B159-A56C6A98F86F}"/>
               </a:ext>
             </a:extLst>
           </p:cNvPr>
@@ -1189,7 +1189,7 @@
           <p:cNvPr id="6" name="Slide Number Placeholder 5">
             <a:extLst>
               <a:ext uri="{FF2B5EF4-FFF2-40B4-BE49-F238E27FC236}">
-                <a16:creationId xmlns:a16="http://schemas.microsoft.com/office/drawing/2014/main" id="{D323835E-C7D8-4947-9459-EDA8B8DD7102}"/>
+                <a16:creationId xmlns:a16="http://schemas.microsoft.com/office/drawing/2014/main" xmlns="" id="{D323835E-C7D8-4947-9459-EDA8B8DD7102}"/>
               </a:ext>
             </a:extLst>
           </p:cNvPr>
@@ -1248,7 +1248,7 @@
           <p:cNvPr id="2" name="Title 1">
             <a:extLst>
               <a:ext uri="{FF2B5EF4-FFF2-40B4-BE49-F238E27FC236}">
-                <a16:creationId xmlns:a16="http://schemas.microsoft.com/office/drawing/2014/main" id="{055D6F42-A92F-4490-8E14-9C788F83768E}"/>
+                <a16:creationId xmlns:a16="http://schemas.microsoft.com/office/drawing/2014/main" xmlns="" id="{055D6F42-A92F-4490-8E14-9C788F83768E}"/>
               </a:ext>
             </a:extLst>
           </p:cNvPr>
@@ -1276,7 +1276,7 @@
           <p:cNvPr id="3" name="Content Placeholder 2">
             <a:extLst>
               <a:ext uri="{FF2B5EF4-FFF2-40B4-BE49-F238E27FC236}">
-                <a16:creationId xmlns:a16="http://schemas.microsoft.com/office/drawing/2014/main" id="{64E141FF-E3DF-400D-9EE1-56879FA03E39}"/>
+                <a16:creationId xmlns:a16="http://schemas.microsoft.com/office/drawing/2014/main" xmlns="" id="{64E141FF-E3DF-400D-9EE1-56879FA03E39}"/>
               </a:ext>
             </a:extLst>
           </p:cNvPr>
@@ -1338,7 +1338,7 @@
           <p:cNvPr id="4" name="Content Placeholder 3">
             <a:extLst>
               <a:ext uri="{FF2B5EF4-FFF2-40B4-BE49-F238E27FC236}">
-                <a16:creationId xmlns:a16="http://schemas.microsoft.com/office/drawing/2014/main" id="{6FDE5CDE-39B4-44FE-88EE-753AEFC0E474}"/>
+                <a16:creationId xmlns:a16="http://schemas.microsoft.com/office/drawing/2014/main" xmlns="" id="{6FDE5CDE-39B4-44FE-88EE-753AEFC0E474}"/>
               </a:ext>
             </a:extLst>
           </p:cNvPr>
@@ -1400,7 +1400,7 @@
           <p:cNvPr id="5" name="Date Placeholder 4">
             <a:extLst>
               <a:ext uri="{FF2B5EF4-FFF2-40B4-BE49-F238E27FC236}">
-                <a16:creationId xmlns:a16="http://schemas.microsoft.com/office/drawing/2014/main" id="{9E86661B-8C5E-4837-9F89-056712B01887}"/>
+                <a16:creationId xmlns:a16="http://schemas.microsoft.com/office/drawing/2014/main" xmlns="" id="{9E86661B-8C5E-4837-9F89-056712B01887}"/>
               </a:ext>
             </a:extLst>
           </p:cNvPr>
@@ -1418,7 +1418,7 @@
           <a:p>
             <a:fld id="{F657B805-F065-4DDD-821B-D6FAE50E53FB}" type="datetimeFigureOut">
               <a:rPr lang="en-US" smtClean="0"/>
-              <a:t>10/24/2018</a:t>
+              <a:t>12/10/2018</a:t>
             </a:fld>
             <a:endParaRPr lang="en-US"/>
           </a:p>
@@ -1429,7 +1429,7 @@
           <p:cNvPr id="6" name="Footer Placeholder 5">
             <a:extLst>
               <a:ext uri="{FF2B5EF4-FFF2-40B4-BE49-F238E27FC236}">
-                <a16:creationId xmlns:a16="http://schemas.microsoft.com/office/drawing/2014/main" id="{2848A767-7D69-4CF2-A3B6-92627D9BF376}"/>
+                <a16:creationId xmlns:a16="http://schemas.microsoft.com/office/drawing/2014/main" xmlns="" id="{2848A767-7D69-4CF2-A3B6-92627D9BF376}"/>
               </a:ext>
             </a:extLst>
           </p:cNvPr>
@@ -1454,7 +1454,7 @@
           <p:cNvPr id="7" name="Slide Number Placeholder 6">
             <a:extLst>
               <a:ext uri="{FF2B5EF4-FFF2-40B4-BE49-F238E27FC236}">
-                <a16:creationId xmlns:a16="http://schemas.microsoft.com/office/drawing/2014/main" id="{0788E9D7-2E6C-4407-9BBE-4A89805E800D}"/>
+                <a16:creationId xmlns:a16="http://schemas.microsoft.com/office/drawing/2014/main" xmlns="" id="{0788E9D7-2E6C-4407-9BBE-4A89805E800D}"/>
               </a:ext>
             </a:extLst>
           </p:cNvPr>
@@ -1513,7 +1513,7 @@
           <p:cNvPr id="2" name="Title 1">
             <a:extLst>
               <a:ext uri="{FF2B5EF4-FFF2-40B4-BE49-F238E27FC236}">
-                <a16:creationId xmlns:a16="http://schemas.microsoft.com/office/drawing/2014/main" id="{06B0421D-9221-48EE-B1E7-71DFC7E827F5}"/>
+                <a16:creationId xmlns:a16="http://schemas.microsoft.com/office/drawing/2014/main" xmlns="" id="{06B0421D-9221-48EE-B1E7-71DFC7E827F5}"/>
               </a:ext>
             </a:extLst>
           </p:cNvPr>
@@ -1546,7 +1546,7 @@
           <p:cNvPr id="3" name="Text Placeholder 2">
             <a:extLst>
               <a:ext uri="{FF2B5EF4-FFF2-40B4-BE49-F238E27FC236}">
-                <a16:creationId xmlns:a16="http://schemas.microsoft.com/office/drawing/2014/main" id="{AFDA9614-A301-45F1-9DDB-3B2B3E1F7351}"/>
+                <a16:creationId xmlns:a16="http://schemas.microsoft.com/office/drawing/2014/main" xmlns="" id="{AFDA9614-A301-45F1-9DDB-3B2B3E1F7351}"/>
               </a:ext>
             </a:extLst>
           </p:cNvPr>
@@ -1617,7 +1617,7 @@
           <p:cNvPr id="4" name="Content Placeholder 3">
             <a:extLst>
               <a:ext uri="{FF2B5EF4-FFF2-40B4-BE49-F238E27FC236}">
-                <a16:creationId xmlns:a16="http://schemas.microsoft.com/office/drawing/2014/main" id="{BD499D8E-BA0E-450F-8A91-5746EC45B935}"/>
+                <a16:creationId xmlns:a16="http://schemas.microsoft.com/office/drawing/2014/main" xmlns="" id="{BD499D8E-BA0E-450F-8A91-5746EC45B935}"/>
               </a:ext>
             </a:extLst>
           </p:cNvPr>
@@ -1679,7 +1679,7 @@
           <p:cNvPr id="5" name="Text Placeholder 4">
             <a:extLst>
               <a:ext uri="{FF2B5EF4-FFF2-40B4-BE49-F238E27FC236}">
-                <a16:creationId xmlns:a16="http://schemas.microsoft.com/office/drawing/2014/main" id="{7A0A1EF3-05E7-4EB5-99C3-2986FE7B0EF8}"/>
+                <a16:creationId xmlns:a16="http://schemas.microsoft.com/office/drawing/2014/main" xmlns="" id="{7A0A1EF3-05E7-4EB5-99C3-2986FE7B0EF8}"/>
               </a:ext>
             </a:extLst>
           </p:cNvPr>
@@ -1750,7 +1750,7 @@
           <p:cNvPr id="6" name="Content Placeholder 5">
             <a:extLst>
               <a:ext uri="{FF2B5EF4-FFF2-40B4-BE49-F238E27FC236}">
-                <a16:creationId xmlns:a16="http://schemas.microsoft.com/office/drawing/2014/main" id="{11C491E0-E6F0-457B-892E-7D203D036899}"/>
+                <a16:creationId xmlns:a16="http://schemas.microsoft.com/office/drawing/2014/main" xmlns="" id="{11C491E0-E6F0-457B-892E-7D203D036899}"/>
               </a:ext>
             </a:extLst>
           </p:cNvPr>
@@ -1812,7 +1812,7 @@
           <p:cNvPr id="7" name="Date Placeholder 6">
             <a:extLst>
               <a:ext uri="{FF2B5EF4-FFF2-40B4-BE49-F238E27FC236}">
-                <a16:creationId xmlns:a16="http://schemas.microsoft.com/office/drawing/2014/main" id="{A7175E98-7708-4D24-8906-7C9406213202}"/>
+                <a16:creationId xmlns:a16="http://schemas.microsoft.com/office/drawing/2014/main" xmlns="" id="{A7175E98-7708-4D24-8906-7C9406213202}"/>
               </a:ext>
             </a:extLst>
           </p:cNvPr>
@@ -1830,7 +1830,7 @@
           <a:p>
             <a:fld id="{F657B805-F065-4DDD-821B-D6FAE50E53FB}" type="datetimeFigureOut">
               <a:rPr lang="en-US" smtClean="0"/>
-              <a:t>10/24/2018</a:t>
+              <a:t>12/10/2018</a:t>
             </a:fld>
             <a:endParaRPr lang="en-US"/>
           </a:p>
@@ -1841,7 +1841,7 @@
           <p:cNvPr id="8" name="Footer Placeholder 7">
             <a:extLst>
               <a:ext uri="{FF2B5EF4-FFF2-40B4-BE49-F238E27FC236}">
-                <a16:creationId xmlns:a16="http://schemas.microsoft.com/office/drawing/2014/main" id="{827E26C2-4BF9-4302-ADBC-43EBA58177CE}"/>
+                <a16:creationId xmlns:a16="http://schemas.microsoft.com/office/drawing/2014/main" xmlns="" id="{827E26C2-4BF9-4302-ADBC-43EBA58177CE}"/>
               </a:ext>
             </a:extLst>
           </p:cNvPr>
@@ -1866,7 +1866,7 @@
           <p:cNvPr id="9" name="Slide Number Placeholder 8">
             <a:extLst>
               <a:ext uri="{FF2B5EF4-FFF2-40B4-BE49-F238E27FC236}">
-                <a16:creationId xmlns:a16="http://schemas.microsoft.com/office/drawing/2014/main" id="{C88E9472-04C6-4B80-B135-A45B80976250}"/>
+                <a16:creationId xmlns:a16="http://schemas.microsoft.com/office/drawing/2014/main" xmlns="" id="{C88E9472-04C6-4B80-B135-A45B80976250}"/>
               </a:ext>
             </a:extLst>
           </p:cNvPr>
@@ -1925,7 +1925,7 @@
           <p:cNvPr id="2" name="Title 1">
             <a:extLst>
               <a:ext uri="{FF2B5EF4-FFF2-40B4-BE49-F238E27FC236}">
-                <a16:creationId xmlns:a16="http://schemas.microsoft.com/office/drawing/2014/main" id="{904C576B-6373-4787-A3E3-4953AFC7B5E2}"/>
+                <a16:creationId xmlns:a16="http://schemas.microsoft.com/office/drawing/2014/main" xmlns="" id="{904C576B-6373-4787-A3E3-4953AFC7B5E2}"/>
               </a:ext>
             </a:extLst>
           </p:cNvPr>
@@ -1953,7 +1953,7 @@
           <p:cNvPr id="3" name="Date Placeholder 2">
             <a:extLst>
               <a:ext uri="{FF2B5EF4-FFF2-40B4-BE49-F238E27FC236}">
-                <a16:creationId xmlns:a16="http://schemas.microsoft.com/office/drawing/2014/main" id="{DED44607-E696-4975-8302-84439E0DCF0E}"/>
+                <a16:creationId xmlns:a16="http://schemas.microsoft.com/office/drawing/2014/main" xmlns="" id="{DED44607-E696-4975-8302-84439E0DCF0E}"/>
               </a:ext>
             </a:extLst>
           </p:cNvPr>
@@ -1971,7 +1971,7 @@
           <a:p>
             <a:fld id="{F657B805-F065-4DDD-821B-D6FAE50E53FB}" type="datetimeFigureOut">
               <a:rPr lang="en-US" smtClean="0"/>
-              <a:t>10/24/2018</a:t>
+              <a:t>12/10/2018</a:t>
             </a:fld>
             <a:endParaRPr lang="en-US"/>
           </a:p>
@@ -1982,7 +1982,7 @@
           <p:cNvPr id="4" name="Footer Placeholder 3">
             <a:extLst>
               <a:ext uri="{FF2B5EF4-FFF2-40B4-BE49-F238E27FC236}">
-                <a16:creationId xmlns:a16="http://schemas.microsoft.com/office/drawing/2014/main" id="{DD7A471B-88D2-4E0B-B1E4-6C259AAC16CC}"/>
+                <a16:creationId xmlns:a16="http://schemas.microsoft.com/office/drawing/2014/main" xmlns="" id="{DD7A471B-88D2-4E0B-B1E4-6C259AAC16CC}"/>
               </a:ext>
             </a:extLst>
           </p:cNvPr>
@@ -2007,7 +2007,7 @@
           <p:cNvPr id="5" name="Slide Number Placeholder 4">
             <a:extLst>
               <a:ext uri="{FF2B5EF4-FFF2-40B4-BE49-F238E27FC236}">
-                <a16:creationId xmlns:a16="http://schemas.microsoft.com/office/drawing/2014/main" id="{7C8E80B3-3D3C-4982-AC1D-66E534D6C3F6}"/>
+                <a16:creationId xmlns:a16="http://schemas.microsoft.com/office/drawing/2014/main" xmlns="" id="{7C8E80B3-3D3C-4982-AC1D-66E534D6C3F6}"/>
               </a:ext>
             </a:extLst>
           </p:cNvPr>
@@ -2066,7 +2066,7 @@
           <p:cNvPr id="2" name="Date Placeholder 1">
             <a:extLst>
               <a:ext uri="{FF2B5EF4-FFF2-40B4-BE49-F238E27FC236}">
-                <a16:creationId xmlns:a16="http://schemas.microsoft.com/office/drawing/2014/main" id="{8491DB32-BAE3-49A2-B494-47A0F38F1C2E}"/>
+                <a16:creationId xmlns:a16="http://schemas.microsoft.com/office/drawing/2014/main" xmlns="" id="{8491DB32-BAE3-49A2-B494-47A0F38F1C2E}"/>
               </a:ext>
             </a:extLst>
           </p:cNvPr>
@@ -2084,7 +2084,7 @@
           <a:p>
             <a:fld id="{F657B805-F065-4DDD-821B-D6FAE50E53FB}" type="datetimeFigureOut">
               <a:rPr lang="en-US" smtClean="0"/>
-              <a:t>10/24/2018</a:t>
+              <a:t>12/10/2018</a:t>
             </a:fld>
             <a:endParaRPr lang="en-US"/>
           </a:p>
@@ -2095,7 +2095,7 @@
           <p:cNvPr id="3" name="Footer Placeholder 2">
             <a:extLst>
               <a:ext uri="{FF2B5EF4-FFF2-40B4-BE49-F238E27FC236}">
-                <a16:creationId xmlns:a16="http://schemas.microsoft.com/office/drawing/2014/main" id="{76B98B1C-345A-43F8-B2D1-5765D0AC6182}"/>
+                <a16:creationId xmlns:a16="http://schemas.microsoft.com/office/drawing/2014/main" xmlns="" id="{76B98B1C-345A-43F8-B2D1-5765D0AC6182}"/>
               </a:ext>
             </a:extLst>
           </p:cNvPr>
@@ -2120,7 +2120,7 @@
           <p:cNvPr id="4" name="Slide Number Placeholder 3">
             <a:extLst>
               <a:ext uri="{FF2B5EF4-FFF2-40B4-BE49-F238E27FC236}">
-                <a16:creationId xmlns:a16="http://schemas.microsoft.com/office/drawing/2014/main" id="{2577130B-83B1-4B9B-8043-11E3D6DEAE0E}"/>
+                <a16:creationId xmlns:a16="http://schemas.microsoft.com/office/drawing/2014/main" xmlns="" id="{2577130B-83B1-4B9B-8043-11E3D6DEAE0E}"/>
               </a:ext>
             </a:extLst>
           </p:cNvPr>
@@ -2179,7 +2179,7 @@
           <p:cNvPr id="2" name="Title 1">
             <a:extLst>
               <a:ext uri="{FF2B5EF4-FFF2-40B4-BE49-F238E27FC236}">
-                <a16:creationId xmlns:a16="http://schemas.microsoft.com/office/drawing/2014/main" id="{FB4C293E-6DD6-4958-AAC9-9C20BB5165CB}"/>
+                <a16:creationId xmlns:a16="http://schemas.microsoft.com/office/drawing/2014/main" xmlns="" id="{FB4C293E-6DD6-4958-AAC9-9C20BB5165CB}"/>
               </a:ext>
             </a:extLst>
           </p:cNvPr>
@@ -2216,7 +2216,7 @@
           <p:cNvPr id="3" name="Content Placeholder 2">
             <a:extLst>
               <a:ext uri="{FF2B5EF4-FFF2-40B4-BE49-F238E27FC236}">
-                <a16:creationId xmlns:a16="http://schemas.microsoft.com/office/drawing/2014/main" id="{E08F65BD-3418-4F1F-BE4C-A31C7A154580}"/>
+                <a16:creationId xmlns:a16="http://schemas.microsoft.com/office/drawing/2014/main" xmlns="" id="{E08F65BD-3418-4F1F-BE4C-A31C7A154580}"/>
               </a:ext>
             </a:extLst>
           </p:cNvPr>
@@ -2306,7 +2306,7 @@
           <p:cNvPr id="4" name="Text Placeholder 3">
             <a:extLst>
               <a:ext uri="{FF2B5EF4-FFF2-40B4-BE49-F238E27FC236}">
-                <a16:creationId xmlns:a16="http://schemas.microsoft.com/office/drawing/2014/main" id="{20CE6A96-134C-437F-9FA7-3BFA461A1765}"/>
+                <a16:creationId xmlns:a16="http://schemas.microsoft.com/office/drawing/2014/main" xmlns="" id="{20CE6A96-134C-437F-9FA7-3BFA461A1765}"/>
               </a:ext>
             </a:extLst>
           </p:cNvPr>
@@ -2377,7 +2377,7 @@
           <p:cNvPr id="5" name="Date Placeholder 4">
             <a:extLst>
               <a:ext uri="{FF2B5EF4-FFF2-40B4-BE49-F238E27FC236}">
-                <a16:creationId xmlns:a16="http://schemas.microsoft.com/office/drawing/2014/main" id="{7EC771A4-0C1D-4EB5-8DFB-63592AA6AB61}"/>
+                <a16:creationId xmlns:a16="http://schemas.microsoft.com/office/drawing/2014/main" xmlns="" id="{7EC771A4-0C1D-4EB5-8DFB-63592AA6AB61}"/>
               </a:ext>
             </a:extLst>
           </p:cNvPr>
@@ -2395,7 +2395,7 @@
           <a:p>
             <a:fld id="{F657B805-F065-4DDD-821B-D6FAE50E53FB}" type="datetimeFigureOut">
               <a:rPr lang="en-US" smtClean="0"/>
-              <a:t>10/24/2018</a:t>
+              <a:t>12/10/2018</a:t>
             </a:fld>
             <a:endParaRPr lang="en-US"/>
           </a:p>
@@ -2406,7 +2406,7 @@
           <p:cNvPr id="6" name="Footer Placeholder 5">
             <a:extLst>
               <a:ext uri="{FF2B5EF4-FFF2-40B4-BE49-F238E27FC236}">
-                <a16:creationId xmlns:a16="http://schemas.microsoft.com/office/drawing/2014/main" id="{F16E1B3B-2BFF-4703-8CEB-AC367B0BA684}"/>
+                <a16:creationId xmlns:a16="http://schemas.microsoft.com/office/drawing/2014/main" xmlns="" id="{F16E1B3B-2BFF-4703-8CEB-AC367B0BA684}"/>
               </a:ext>
             </a:extLst>
           </p:cNvPr>
@@ -2431,7 +2431,7 @@
           <p:cNvPr id="7" name="Slide Number Placeholder 6">
             <a:extLst>
               <a:ext uri="{FF2B5EF4-FFF2-40B4-BE49-F238E27FC236}">
-                <a16:creationId xmlns:a16="http://schemas.microsoft.com/office/drawing/2014/main" id="{099627F3-DDE6-4759-89D9-D47040E9AEB6}"/>
+                <a16:creationId xmlns:a16="http://schemas.microsoft.com/office/drawing/2014/main" xmlns="" id="{099627F3-DDE6-4759-89D9-D47040E9AEB6}"/>
               </a:ext>
             </a:extLst>
           </p:cNvPr>
@@ -2490,7 +2490,7 @@
           <p:cNvPr id="2" name="Title 1">
             <a:extLst>
               <a:ext uri="{FF2B5EF4-FFF2-40B4-BE49-F238E27FC236}">
-                <a16:creationId xmlns:a16="http://schemas.microsoft.com/office/drawing/2014/main" id="{45100DBF-84B1-41BC-B77F-85F02EBE3771}"/>
+                <a16:creationId xmlns:a16="http://schemas.microsoft.com/office/drawing/2014/main" xmlns="" id="{45100DBF-84B1-41BC-B77F-85F02EBE3771}"/>
               </a:ext>
             </a:extLst>
           </p:cNvPr>
@@ -2527,7 +2527,7 @@
           <p:cNvPr id="3" name="Picture Placeholder 2">
             <a:extLst>
               <a:ext uri="{FF2B5EF4-FFF2-40B4-BE49-F238E27FC236}">
-                <a16:creationId xmlns:a16="http://schemas.microsoft.com/office/drawing/2014/main" id="{364A2B32-5917-4B65-B5D2-0F02F869FEFF}"/>
+                <a16:creationId xmlns:a16="http://schemas.microsoft.com/office/drawing/2014/main" xmlns="" id="{364A2B32-5917-4B65-B5D2-0F02F869FEFF}"/>
               </a:ext>
             </a:extLst>
           </p:cNvPr>
@@ -2594,7 +2594,7 @@
           <p:cNvPr id="4" name="Text Placeholder 3">
             <a:extLst>
               <a:ext uri="{FF2B5EF4-FFF2-40B4-BE49-F238E27FC236}">
-                <a16:creationId xmlns:a16="http://schemas.microsoft.com/office/drawing/2014/main" id="{16E6CC60-64D0-4562-91B3-A4831E5D7C37}"/>
+                <a16:creationId xmlns:a16="http://schemas.microsoft.com/office/drawing/2014/main" xmlns="" id="{16E6CC60-64D0-4562-91B3-A4831E5D7C37}"/>
               </a:ext>
             </a:extLst>
           </p:cNvPr>
@@ -2665,7 +2665,7 @@
           <p:cNvPr id="5" name="Date Placeholder 4">
             <a:extLst>
               <a:ext uri="{FF2B5EF4-FFF2-40B4-BE49-F238E27FC236}">
-                <a16:creationId xmlns:a16="http://schemas.microsoft.com/office/drawing/2014/main" id="{1B0F63C8-9E45-488D-8B98-4B6E8BCC5D3E}"/>
+                <a16:creationId xmlns:a16="http://schemas.microsoft.com/office/drawing/2014/main" xmlns="" id="{1B0F63C8-9E45-488D-8B98-4B6E8BCC5D3E}"/>
               </a:ext>
             </a:extLst>
           </p:cNvPr>
@@ -2683,7 +2683,7 @@
           <a:p>
             <a:fld id="{F657B805-F065-4DDD-821B-D6FAE50E53FB}" type="datetimeFigureOut">
               <a:rPr lang="en-US" smtClean="0"/>
-              <a:t>10/24/2018</a:t>
+              <a:t>12/10/2018</a:t>
             </a:fld>
             <a:endParaRPr lang="en-US"/>
           </a:p>
@@ -2694,7 +2694,7 @@
           <p:cNvPr id="6" name="Footer Placeholder 5">
             <a:extLst>
               <a:ext uri="{FF2B5EF4-FFF2-40B4-BE49-F238E27FC236}">
-                <a16:creationId xmlns:a16="http://schemas.microsoft.com/office/drawing/2014/main" id="{557AFFD9-28EE-4424-89C3-01CC0CBE4DBC}"/>
+                <a16:creationId xmlns:a16="http://schemas.microsoft.com/office/drawing/2014/main" xmlns="" id="{557AFFD9-28EE-4424-89C3-01CC0CBE4DBC}"/>
               </a:ext>
             </a:extLst>
           </p:cNvPr>
@@ -2719,7 +2719,7 @@
           <p:cNvPr id="7" name="Slide Number Placeholder 6">
             <a:extLst>
               <a:ext uri="{FF2B5EF4-FFF2-40B4-BE49-F238E27FC236}">
-                <a16:creationId xmlns:a16="http://schemas.microsoft.com/office/drawing/2014/main" id="{3F6E2095-629D-4899-886C-006DAEF1D2C5}"/>
+                <a16:creationId xmlns:a16="http://schemas.microsoft.com/office/drawing/2014/main" xmlns="" id="{3F6E2095-629D-4899-886C-006DAEF1D2C5}"/>
               </a:ext>
             </a:extLst>
           </p:cNvPr>
@@ -2783,7 +2783,7 @@
           <p:cNvPr id="2" name="Title Placeholder 1">
             <a:extLst>
               <a:ext uri="{FF2B5EF4-FFF2-40B4-BE49-F238E27FC236}">
-                <a16:creationId xmlns:a16="http://schemas.microsoft.com/office/drawing/2014/main" id="{262FBD02-0580-4EE3-923C-97CF5171C918}"/>
+                <a16:creationId xmlns:a16="http://schemas.microsoft.com/office/drawing/2014/main" xmlns="" id="{262FBD02-0580-4EE3-923C-97CF5171C918}"/>
               </a:ext>
             </a:extLst>
           </p:cNvPr>
@@ -2821,7 +2821,7 @@
           <p:cNvPr id="3" name="Text Placeholder 2">
             <a:extLst>
               <a:ext uri="{FF2B5EF4-FFF2-40B4-BE49-F238E27FC236}">
-                <a16:creationId xmlns:a16="http://schemas.microsoft.com/office/drawing/2014/main" id="{1FE85E9B-26E0-44D9-9368-9141ED301BB7}"/>
+                <a16:creationId xmlns:a16="http://schemas.microsoft.com/office/drawing/2014/main" xmlns="" id="{1FE85E9B-26E0-44D9-9368-9141ED301BB7}"/>
               </a:ext>
             </a:extLst>
           </p:cNvPr>
@@ -2888,7 +2888,7 @@
           <p:cNvPr id="4" name="Date Placeholder 3">
             <a:extLst>
               <a:ext uri="{FF2B5EF4-FFF2-40B4-BE49-F238E27FC236}">
-                <a16:creationId xmlns:a16="http://schemas.microsoft.com/office/drawing/2014/main" id="{8D9318C7-F492-4023-95E5-979C0CA1AB1E}"/>
+                <a16:creationId xmlns:a16="http://schemas.microsoft.com/office/drawing/2014/main" xmlns="" id="{8D9318C7-F492-4023-95E5-979C0CA1AB1E}"/>
               </a:ext>
             </a:extLst>
           </p:cNvPr>
@@ -2924,7 +2924,7 @@
           <a:p>
             <a:fld id="{F657B805-F065-4DDD-821B-D6FAE50E53FB}" type="datetimeFigureOut">
               <a:rPr lang="en-US" smtClean="0"/>
-              <a:t>10/24/2018</a:t>
+              <a:t>12/10/2018</a:t>
             </a:fld>
             <a:endParaRPr lang="en-US"/>
           </a:p>
@@ -2935,7 +2935,7 @@
           <p:cNvPr id="5" name="Footer Placeholder 4">
             <a:extLst>
               <a:ext uri="{FF2B5EF4-FFF2-40B4-BE49-F238E27FC236}">
-                <a16:creationId xmlns:a16="http://schemas.microsoft.com/office/drawing/2014/main" id="{393F5CB2-04BB-4AE1-8CF1-0A3D3EDEFB8F}"/>
+                <a16:creationId xmlns:a16="http://schemas.microsoft.com/office/drawing/2014/main" xmlns="" id="{393F5CB2-04BB-4AE1-8CF1-0A3D3EDEFB8F}"/>
               </a:ext>
             </a:extLst>
           </p:cNvPr>
@@ -2978,7 +2978,7 @@
           <p:cNvPr id="6" name="Slide Number Placeholder 5">
             <a:extLst>
               <a:ext uri="{FF2B5EF4-FFF2-40B4-BE49-F238E27FC236}">
-                <a16:creationId xmlns:a16="http://schemas.microsoft.com/office/drawing/2014/main" id="{B9E4E83D-9772-4FED-83CC-3791BAE26A66}"/>
+                <a16:creationId xmlns:a16="http://schemas.microsoft.com/office/drawing/2014/main" xmlns="" id="{B9E4E83D-9772-4FED-83CC-3791BAE26A66}"/>
               </a:ext>
             </a:extLst>
           </p:cNvPr>
@@ -3346,7 +3346,7 @@
           <p:cNvPr id="5" name="Picture 4">
             <a:extLst>
               <a:ext uri="{FF2B5EF4-FFF2-40B4-BE49-F238E27FC236}">
-                <a16:creationId xmlns:a16="http://schemas.microsoft.com/office/drawing/2014/main" id="{90E55C04-3A8F-4822-A7F6-22C5EAD6C424}"/>
+                <a16:creationId xmlns:a16="http://schemas.microsoft.com/office/drawing/2014/main" xmlns="" id="{90E55C04-3A8F-4822-A7F6-22C5EAD6C424}"/>
               </a:ext>
             </a:extLst>
           </p:cNvPr>
@@ -3381,7 +3381,7 @@
           <p:cNvPr id="6" name="TextBox 5">
             <a:extLst>
               <a:ext uri="{FF2B5EF4-FFF2-40B4-BE49-F238E27FC236}">
-                <a16:creationId xmlns:a16="http://schemas.microsoft.com/office/drawing/2014/main" id="{809B2065-C51E-4357-BDFD-76FEDBD5FA9C}"/>
+                <a16:creationId xmlns:a16="http://schemas.microsoft.com/office/drawing/2014/main" xmlns="" id="{809B2065-C51E-4357-BDFD-76FEDBD5FA9C}"/>
               </a:ext>
             </a:extLst>
           </p:cNvPr>
@@ -3391,7 +3391,7 @@
         <p:spPr>
           <a:xfrm>
             <a:off x="480291" y="281745"/>
-            <a:ext cx="4722253" cy="584775"/>
+            <a:ext cx="10483456" cy="584775"/>
           </a:xfrm>
           <a:prstGeom prst="rect">
             <a:avLst/>
@@ -3405,9 +3405,10 @@
           <a:lstStyle/>
           <a:p>
             <a:r>
-              <a:rPr lang="en-US" sz="3200" dirty="0"/>
-              <a:t>Turquoise skipper</a:t>
-            </a:r>
+              <a:rPr lang="en-US" sz="3200" dirty="0" smtClean="0"/>
+              <a:t>Developing a Data Analysis Plan for the Turquoise Skipper</a:t>
+            </a:r>
+            <a:endParaRPr lang="en-US" sz="3200" dirty="0"/>
           </a:p>
         </p:txBody>
       </p:sp>
@@ -3446,7 +3447,7 @@
           <p:cNvPr id="2" name="Title 1">
             <a:extLst>
               <a:ext uri="{FF2B5EF4-FFF2-40B4-BE49-F238E27FC236}">
-                <a16:creationId xmlns:a16="http://schemas.microsoft.com/office/drawing/2014/main" id="{E08D4001-62D4-466D-98C5-619A28C9AC25}"/>
+                <a16:creationId xmlns:a16="http://schemas.microsoft.com/office/drawing/2014/main" xmlns="" id="{E08D4001-62D4-466D-98C5-619A28C9AC25}"/>
               </a:ext>
             </a:extLst>
           </p:cNvPr>
@@ -3471,7 +3472,7 @@
           <p:cNvPr id="3" name="Content Placeholder 2">
             <a:extLst>
               <a:ext uri="{FF2B5EF4-FFF2-40B4-BE49-F238E27FC236}">
-                <a16:creationId xmlns:a16="http://schemas.microsoft.com/office/drawing/2014/main" id="{A2E31C53-C998-4470-8929-4840E614DD25}"/>
+                <a16:creationId xmlns:a16="http://schemas.microsoft.com/office/drawing/2014/main" xmlns="" id="{A2E31C53-C998-4470-8929-4840E614DD25}"/>
               </a:ext>
             </a:extLst>
           </p:cNvPr>
@@ -3496,7 +3497,7 @@
           <p:cNvPr id="5" name="Picture 4">
             <a:extLst>
               <a:ext uri="{FF2B5EF4-FFF2-40B4-BE49-F238E27FC236}">
-                <a16:creationId xmlns:a16="http://schemas.microsoft.com/office/drawing/2014/main" id="{53342802-9C2A-4E6C-94A4-3BD3BE3D3D57}"/>
+                <a16:creationId xmlns:a16="http://schemas.microsoft.com/office/drawing/2014/main" xmlns="" id="{53342802-9C2A-4E6C-94A4-3BD3BE3D3D57}"/>
               </a:ext>
             </a:extLst>
           </p:cNvPr>
@@ -3560,7 +3561,7 @@
           <p:cNvPr id="2" name="Title 1">
             <a:extLst>
               <a:ext uri="{FF2B5EF4-FFF2-40B4-BE49-F238E27FC236}">
-                <a16:creationId xmlns:a16="http://schemas.microsoft.com/office/drawing/2014/main" id="{77C10F0C-44DE-4F84-B1FE-24CBC5AFC8B0}"/>
+                <a16:creationId xmlns:a16="http://schemas.microsoft.com/office/drawing/2014/main" xmlns="" id="{77C10F0C-44DE-4F84-B1FE-24CBC5AFC8B0}"/>
               </a:ext>
             </a:extLst>
           </p:cNvPr>
@@ -3588,7 +3589,7 @@
           <p:cNvPr id="3" name="Content Placeholder 2">
             <a:extLst>
               <a:ext uri="{FF2B5EF4-FFF2-40B4-BE49-F238E27FC236}">
-                <a16:creationId xmlns:a16="http://schemas.microsoft.com/office/drawing/2014/main" id="{82B14B3E-7AEE-48B5-9ADD-41A083B7C070}"/>
+                <a16:creationId xmlns:a16="http://schemas.microsoft.com/office/drawing/2014/main" xmlns="" id="{82B14B3E-7AEE-48B5-9ADD-41A083B7C070}"/>
               </a:ext>
             </a:extLst>
           </p:cNvPr>
@@ -3599,46 +3600,249 @@
             <p:ph idx="1"/>
           </p:nvPr>
         </p:nvSpPr>
-        <p:spPr/>
-        <p:txBody>
-          <a:bodyPr/>
-          <a:lstStyle/>
-          <a:p>
-            <a:r>
-              <a:rPr lang="en-US" dirty="0"/>
+        <p:spPr>
+          <a:xfrm>
+            <a:off x="838200" y="1472540"/>
+            <a:ext cx="10515600" cy="4351338"/>
+          </a:xfrm>
+        </p:spPr>
+        <p:txBody>
+          <a:bodyPr>
+            <a:normAutofit/>
+          </a:bodyPr>
+          <a:lstStyle/>
+          <a:p>
+            <a:r>
+              <a:rPr lang="en-US" sz="2400" dirty="0"/>
               <a:t>single generation per year</a:t>
             </a:r>
           </a:p>
           <a:p>
             <a:r>
-              <a:rPr lang="en-US" dirty="0"/>
+              <a:rPr lang="en-US" sz="2400" dirty="0"/>
               <a:t>survive the winter as dormant eggs</a:t>
             </a:r>
           </a:p>
           <a:p>
             <a:pPr lvl="1"/>
             <a:r>
-              <a:rPr lang="en-US" dirty="0"/>
+              <a:rPr lang="en-US" sz="2000" dirty="0"/>
               <a:t>overwinter survival of eggs is quite high (&gt;90%) in the absence of early spring fires</a:t>
             </a:r>
           </a:p>
           <a:p>
             <a:r>
-              <a:rPr lang="en-US" dirty="0"/>
+              <a:rPr lang="en-US" sz="2400" dirty="0"/>
               <a:t>females can lay up to 200 eggs in a single season</a:t>
             </a:r>
           </a:p>
           <a:p>
             <a:r>
-              <a:rPr lang="en-US" dirty="0"/>
+              <a:rPr lang="en-US" sz="2400" dirty="0"/>
               <a:t>many caterpillars (&gt;80%) die before pupating into adults</a:t>
             </a:r>
           </a:p>
           <a:p>
-            <a:endParaRPr lang="en-US" dirty="0"/>
-          </a:p>
-        </p:txBody>
-      </p:sp>
+            <a:endParaRPr lang="en-US" sz="2400" dirty="0"/>
+          </a:p>
+        </p:txBody>
+      </p:sp>
+      <p:sp>
+        <p:nvSpPr>
+          <p:cNvPr id="4" name="Oval 3"/>
+          <p:cNvSpPr/>
+          <p:nvPr/>
+        </p:nvSpPr>
+        <p:spPr>
+          <a:xfrm>
+            <a:off x="2879002" y="4739489"/>
+            <a:ext cx="1557196" cy="1330859"/>
+          </a:xfrm>
+          <a:prstGeom prst="ellipse">
+            <a:avLst/>
+          </a:prstGeom>
+          <a:noFill/>
+          <a:ln w="38100">
+            <a:solidFill>
+              <a:schemeClr val="tx1"/>
+            </a:solidFill>
+          </a:ln>
+        </p:spPr>
+        <p:style>
+          <a:lnRef idx="2">
+            <a:schemeClr val="accent1">
+              <a:shade val="50000"/>
+            </a:schemeClr>
+          </a:lnRef>
+          <a:fillRef idx="1">
+            <a:schemeClr val="accent1"/>
+          </a:fillRef>
+          <a:effectRef idx="0">
+            <a:schemeClr val="accent1"/>
+          </a:effectRef>
+          <a:fontRef idx="minor">
+            <a:schemeClr val="lt1"/>
+          </a:fontRef>
+        </p:style>
+        <p:txBody>
+          <a:bodyPr rtlCol="0" anchor="ctr"/>
+          <a:lstStyle/>
+          <a:p>
+            <a:pPr algn="ctr"/>
+            <a:r>
+              <a:rPr lang="en-US" sz="2400" dirty="0" smtClean="0">
+                <a:solidFill>
+                  <a:schemeClr val="tx1"/>
+                </a:solidFill>
+              </a:rPr>
+              <a:t>Eggs</a:t>
+            </a:r>
+            <a:endParaRPr lang="en-US" sz="2400" dirty="0">
+              <a:solidFill>
+                <a:schemeClr val="tx1"/>
+              </a:solidFill>
+            </a:endParaRPr>
+          </a:p>
+        </p:txBody>
+      </p:sp>
+      <p:sp>
+        <p:nvSpPr>
+          <p:cNvPr id="6" name="Oval 5"/>
+          <p:cNvSpPr/>
+          <p:nvPr/>
+        </p:nvSpPr>
+        <p:spPr>
+          <a:xfrm>
+            <a:off x="6689001" y="4739489"/>
+            <a:ext cx="1557196" cy="1330859"/>
+          </a:xfrm>
+          <a:prstGeom prst="ellipse">
+            <a:avLst/>
+          </a:prstGeom>
+          <a:noFill/>
+          <a:ln w="38100">
+            <a:solidFill>
+              <a:schemeClr val="tx1"/>
+            </a:solidFill>
+          </a:ln>
+        </p:spPr>
+        <p:style>
+          <a:lnRef idx="2">
+            <a:schemeClr val="accent1">
+              <a:shade val="50000"/>
+            </a:schemeClr>
+          </a:lnRef>
+          <a:fillRef idx="1">
+            <a:schemeClr val="accent1"/>
+          </a:fillRef>
+          <a:effectRef idx="0">
+            <a:schemeClr val="accent1"/>
+          </a:effectRef>
+          <a:fontRef idx="minor">
+            <a:schemeClr val="lt1"/>
+          </a:fontRef>
+        </p:style>
+        <p:txBody>
+          <a:bodyPr rtlCol="0" anchor="ctr"/>
+          <a:lstStyle/>
+          <a:p>
+            <a:pPr algn="ctr"/>
+            <a:r>
+              <a:rPr lang="en-US" sz="2400" dirty="0" smtClean="0">
+                <a:solidFill>
+                  <a:schemeClr val="tx1"/>
+                </a:solidFill>
+              </a:rPr>
+              <a:t>Adults</a:t>
+            </a:r>
+            <a:endParaRPr lang="en-US" sz="2400" dirty="0">
+              <a:solidFill>
+                <a:schemeClr val="tx1"/>
+              </a:solidFill>
+            </a:endParaRPr>
+          </a:p>
+        </p:txBody>
+      </p:sp>
+      <p:cxnSp>
+        <p:nvCxnSpPr>
+          <p:cNvPr id="8" name="Straight Arrow Connector 7"/>
+          <p:cNvCxnSpPr>
+            <a:stCxn id="4" idx="6"/>
+            <a:endCxn id="6" idx="2"/>
+          </p:cNvCxnSpPr>
+          <p:nvPr/>
+        </p:nvCxnSpPr>
+        <p:spPr>
+          <a:xfrm>
+            <a:off x="4436198" y="5404919"/>
+            <a:ext cx="2252803" cy="0"/>
+          </a:xfrm>
+          <a:prstGeom prst="straightConnector1">
+            <a:avLst/>
+          </a:prstGeom>
+          <a:ln w="38100">
+            <a:solidFill>
+              <a:schemeClr val="tx1"/>
+            </a:solidFill>
+            <a:tailEnd type="arrow"/>
+          </a:ln>
+        </p:spPr>
+        <p:style>
+          <a:lnRef idx="1">
+            <a:schemeClr val="accent1"/>
+          </a:lnRef>
+          <a:fillRef idx="0">
+            <a:schemeClr val="accent1"/>
+          </a:fillRef>
+          <a:effectRef idx="0">
+            <a:schemeClr val="accent1"/>
+          </a:effectRef>
+          <a:fontRef idx="minor">
+            <a:schemeClr val="tx1"/>
+          </a:fontRef>
+        </p:style>
+      </p:cxnSp>
+      <p:cxnSp>
+        <p:nvCxnSpPr>
+          <p:cNvPr id="11" name="Elbow Connector 10"/>
+          <p:cNvCxnSpPr>
+            <a:stCxn id="6" idx="0"/>
+            <a:endCxn id="4" idx="0"/>
+          </p:cNvCxnSpPr>
+          <p:nvPr/>
+        </p:nvCxnSpPr>
+        <p:spPr>
+          <a:xfrm rot="16200000" flipV="1">
+            <a:off x="5562600" y="2834489"/>
+            <a:ext cx="12700" cy="3809999"/>
+          </a:xfrm>
+          <a:prstGeom prst="bentConnector3">
+            <a:avLst>
+              <a:gd name="adj1" fmla="val 3083150"/>
+            </a:avLst>
+          </a:prstGeom>
+          <a:ln w="38100">
+            <a:solidFill>
+              <a:schemeClr val="tx1"/>
+            </a:solidFill>
+            <a:tailEnd type="arrow"/>
+          </a:ln>
+        </p:spPr>
+        <p:style>
+          <a:lnRef idx="1">
+            <a:schemeClr val="accent1"/>
+          </a:lnRef>
+          <a:fillRef idx="0">
+            <a:schemeClr val="accent1"/>
+          </a:fillRef>
+          <a:effectRef idx="0">
+            <a:schemeClr val="accent1"/>
+          </a:effectRef>
+          <a:fontRef idx="minor">
+            <a:schemeClr val="tx1"/>
+          </a:fontRef>
+        </p:style>
+      </p:cxnSp>
     </p:spTree>
     <p:extLst>
       <p:ext uri="{BB962C8B-B14F-4D97-AF65-F5344CB8AC3E}">
@@ -3674,7 +3878,7 @@
           <p:cNvPr id="2" name="Title 1">
             <a:extLst>
               <a:ext uri="{FF2B5EF4-FFF2-40B4-BE49-F238E27FC236}">
-                <a16:creationId xmlns:a16="http://schemas.microsoft.com/office/drawing/2014/main" id="{D7697F9D-B854-4021-BE81-28136F9A0364}"/>
+                <a16:creationId xmlns:a16="http://schemas.microsoft.com/office/drawing/2014/main" xmlns="" id="{D7697F9D-B854-4021-BE81-28136F9A0364}"/>
               </a:ext>
             </a:extLst>
           </p:cNvPr>
@@ -3702,7 +3906,7 @@
           <p:cNvPr id="3" name="Content Placeholder 2">
             <a:extLst>
               <a:ext uri="{FF2B5EF4-FFF2-40B4-BE49-F238E27FC236}">
-                <a16:creationId xmlns:a16="http://schemas.microsoft.com/office/drawing/2014/main" id="{7A3F0B35-3134-48DA-B616-6DDD2FC690A0}"/>
+                <a16:creationId xmlns:a16="http://schemas.microsoft.com/office/drawing/2014/main" xmlns="" id="{7A3F0B35-3134-48DA-B616-6DDD2FC690A0}"/>
               </a:ext>
             </a:extLst>
           </p:cNvPr>
@@ -3738,41 +3942,97 @@
             <a:pPr lvl="1"/>
             <a:r>
               <a:rPr lang="en-US" dirty="0"/>
-              <a:t>presence/absence data at a number sites over 6 years</a:t>
+              <a:t>presence/absence data at </a:t>
+            </a:r>
+            <a:r>
+              <a:rPr lang="en-US" dirty="0" smtClean="0"/>
+              <a:t>several sites </a:t>
+            </a:r>
+            <a:r>
+              <a:rPr lang="en-US" dirty="0"/>
+              <a:t>over 6 years</a:t>
             </a:r>
           </a:p>
           <a:p>
             <a:pPr lvl="1"/>
             <a:r>
+              <a:rPr lang="en-US" dirty="0" smtClean="0"/>
+              <a:t>some </a:t>
+            </a:r>
+            <a:r>
               <a:rPr lang="en-US" dirty="0"/>
-              <a:t>recorded some information on habitat features and weather at the time of surveys</a:t>
-            </a:r>
+              <a:t>information on habitat features and </a:t>
+            </a:r>
+            <a:r>
+              <a:rPr lang="en-US" dirty="0" smtClean="0"/>
+              <a:t>weather</a:t>
+            </a:r>
+            <a:endParaRPr lang="en-US" dirty="0"/>
           </a:p>
           <a:p>
             <a:r>
               <a:rPr lang="en-US" dirty="0"/>
               <a:t>Nature Conservancy </a:t>
             </a:r>
+            <a:endParaRPr lang="en-US" dirty="0" smtClean="0"/>
           </a:p>
           <a:p>
             <a:pPr lvl="1"/>
             <a:r>
+              <a:rPr lang="en-US" dirty="0" smtClean="0"/>
+              <a:t>Transect surveys 3x per season from 1999-2009</a:t>
+            </a:r>
+          </a:p>
+          <a:p>
+            <a:pPr lvl="1"/>
+            <a:r>
+              <a:rPr lang="en-US" dirty="0" smtClean="0"/>
+              <a:t>No </a:t>
+            </a:r>
+            <a:r>
               <a:rPr lang="en-US" dirty="0"/>
-              <a:t>three times per season, counted individuals observed on several transects at three different properties from 1999 until 2009</a:t>
-            </a:r>
-          </a:p>
-          <a:p>
-            <a:pPr lvl="1"/>
+              <a:t>information about the habitat or other covariates </a:t>
+            </a:r>
+            <a:endParaRPr lang="en-US" dirty="0" smtClean="0"/>
+          </a:p>
+          <a:p>
+            <a:pPr lvl="2"/>
+            <a:r>
+              <a:rPr lang="en-US" dirty="0" smtClean="0"/>
+              <a:t>may </a:t>
+            </a:r>
             <a:r>
               <a:rPr lang="en-US" dirty="0"/>
-              <a:t>No information about the habitat or other covariates (may be available from National Land Cover Data Base or NOAA weather data archives)</a:t>
-            </a:r>
+              <a:t>be available from National Land Cover Data Base or NOAA weather data </a:t>
+            </a:r>
+            <a:r>
+              <a:rPr lang="en-US" dirty="0" smtClean="0"/>
+              <a:t>archives</a:t>
+            </a:r>
+            <a:endParaRPr lang="en-US" dirty="0"/>
           </a:p>
           <a:p>
             <a:r>
               <a:rPr lang="en-US" dirty="0"/>
               <a:t>BLM </a:t>
             </a:r>
+            <a:endParaRPr lang="en-US" dirty="0" smtClean="0"/>
+          </a:p>
+          <a:p>
+            <a:pPr lvl="1"/>
+            <a:r>
+              <a:rPr lang="en-US" dirty="0" smtClean="0"/>
+              <a:t>Gathered old field notebooks and </a:t>
+            </a:r>
+            <a:r>
+              <a:rPr lang="en-US" dirty="0" err="1" smtClean="0"/>
+              <a:t>iNaturalist</a:t>
+            </a:r>
+            <a:r>
+              <a:rPr lang="en-US" dirty="0" smtClean="0"/>
+              <a:t> records</a:t>
+            </a:r>
+            <a:endParaRPr lang="en-US" dirty="0"/>
           </a:p>
           <a:p>
             <a:pPr lvl="1"/>
@@ -3792,15 +4052,13 @@
             <a:pPr lvl="1"/>
             <a:r>
               <a:rPr lang="en-US" dirty="0"/>
-              <a:t>Various observers recorded the place, time, date and description of the number of butterflies</a:t>
-            </a:r>
-          </a:p>
-          <a:p>
-            <a:pPr lvl="1"/>
-            <a:r>
-              <a:rPr lang="en-US" dirty="0"/>
-              <a:t>No other covariate information was provided</a:t>
-            </a:r>
+              <a:t>Various observers recorded the place, time, date and description of the number of </a:t>
+            </a:r>
+            <a:r>
+              <a:rPr lang="en-US" dirty="0" smtClean="0"/>
+              <a:t>butterflies</a:t>
+            </a:r>
+            <a:endParaRPr lang="en-US" dirty="0"/>
           </a:p>
         </p:txBody>
       </p:sp>
@@ -3839,7 +4097,7 @@
           <p:cNvPr id="2" name="Title 1">
             <a:extLst>
               <a:ext uri="{FF2B5EF4-FFF2-40B4-BE49-F238E27FC236}">
-                <a16:creationId xmlns:a16="http://schemas.microsoft.com/office/drawing/2014/main" id="{83BECB6F-54BC-4FEF-9415-6368FCFC7449}"/>
+                <a16:creationId xmlns:a16="http://schemas.microsoft.com/office/drawing/2014/main" xmlns="" id="{83BECB6F-54BC-4FEF-9415-6368FCFC7449}"/>
               </a:ext>
             </a:extLst>
           </p:cNvPr>
@@ -3864,7 +4122,7 @@
           <p:cNvPr id="3" name="Content Placeholder 2">
             <a:extLst>
               <a:ext uri="{FF2B5EF4-FFF2-40B4-BE49-F238E27FC236}">
-                <a16:creationId xmlns:a16="http://schemas.microsoft.com/office/drawing/2014/main" id="{F324AA3C-69F8-4688-A15B-B67A6DFAC0EA}"/>
+                <a16:creationId xmlns:a16="http://schemas.microsoft.com/office/drawing/2014/main" xmlns="" id="{F324AA3C-69F8-4688-A15B-B67A6DFAC0EA}"/>
               </a:ext>
             </a:extLst>
           </p:cNvPr>
@@ -3889,7 +4147,7 @@
           <p:cNvPr id="5" name="Picture 4">
             <a:extLst>
               <a:ext uri="{FF2B5EF4-FFF2-40B4-BE49-F238E27FC236}">
-                <a16:creationId xmlns:a16="http://schemas.microsoft.com/office/drawing/2014/main" id="{A4654D8D-E2E4-4C5E-A148-40C1C3F9D916}"/>
+                <a16:creationId xmlns:a16="http://schemas.microsoft.com/office/drawing/2014/main" xmlns="" id="{A4654D8D-E2E4-4C5E-A148-40C1C3F9D916}"/>
               </a:ext>
             </a:extLst>
           </p:cNvPr>
@@ -4215,7 +4473,7 @@
   <a:extraClrSchemeLst/>
   <a:extLst>
     <a:ext uri="{05A4C25C-085E-4340-85A3-A5531E510DB2}">
-      <thm15:themeFamily xmlns:thm15="http://schemas.microsoft.com/office/thememl/2012/main" name="Office Theme" id="{62F939B6-93AF-4DB8-9C6B-D6C7DFDC589F}" vid="{4A3C46E8-61CC-4603-A589-7422A47A8E4A}"/>
+      <thm15:themeFamily xmlns:thm15="http://schemas.microsoft.com/office/thememl/2012/main" xmlns="" name="Office Theme" id="{62F939B6-93AF-4DB8-9C6B-D6C7DFDC589F}" vid="{4A3C46E8-61CC-4603-A589-7422A47A8E4A}"/>
     </a:ext>
   </a:extLst>
 </a:theme>

--- a/static/activities/activity-4.pptx
+++ b/static/activities/activity-4.pptx
@@ -2,14 +2,16 @@
 <file path=ppt/presentation.xml><?xml version="1.0" encoding="utf-8"?>
 <p:presentation xmlns:a="http://schemas.openxmlformats.org/drawingml/2006/main" xmlns:r="http://schemas.openxmlformats.org/officeDocument/2006/relationships" xmlns:p="http://schemas.openxmlformats.org/presentationml/2006/main" saveSubsetFonts="1">
   <p:sldMasterIdLst>
-    <p:sldMasterId id="2147483648" r:id="rId1"/>
+    <p:sldMasterId id="2147483660" r:id="rId1"/>
+    <p:sldMasterId id="2147483672" r:id="rId2"/>
   </p:sldMasterIdLst>
   <p:sldIdLst>
-    <p:sldId id="256" r:id="rId2"/>
-    <p:sldId id="257" r:id="rId3"/>
-    <p:sldId id="259" r:id="rId4"/>
-    <p:sldId id="258" r:id="rId5"/>
-    <p:sldId id="260" r:id="rId6"/>
+    <p:sldId id="261" r:id="rId3"/>
+    <p:sldId id="256" r:id="rId4"/>
+    <p:sldId id="257" r:id="rId5"/>
+    <p:sldId id="259" r:id="rId6"/>
+    <p:sldId id="258" r:id="rId7"/>
+    <p:sldId id="260" r:id="rId8"/>
   </p:sldIdLst>
   <p:sldSz cx="12192000" cy="6858000"/>
   <p:notesSz cx="6858000" cy="9144000"/>
@@ -110,7 +112,7 @@
   </p:defaultTextStyle>
   <p:extLst>
     <p:ext uri="{EFAFB233-063F-42B5-8137-9DF3F51BA10A}">
-      <p15:sldGuideLst xmlns:p15="http://schemas.microsoft.com/office/powerpoint/2012/main" xmlns="">
+      <p15:sldGuideLst xmlns:p15="http://schemas.microsoft.com/office/powerpoint/2012/main">
         <p15:guide id="1" orient="horz" pos="2160" userDrawn="1">
           <p15:clr>
             <a:srgbClr val="A4A3A4"/>
@@ -149,7 +151,7 @@
           <p:cNvPr id="2" name="Title 1">
             <a:extLst>
               <a:ext uri="{FF2B5EF4-FFF2-40B4-BE49-F238E27FC236}">
-                <a16:creationId xmlns:a16="http://schemas.microsoft.com/office/drawing/2014/main" xmlns="" id="{97846CF2-E367-4C5B-B8B4-188BA0A639B9}"/>
+                <a16:creationId xmlns:a16="http://schemas.microsoft.com/office/drawing/2014/main" id="{F6BEE4D0-2948-4D8B-A6B0-A27F98C5260C}"/>
               </a:ext>
             </a:extLst>
           </p:cNvPr>
@@ -178,6 +180,7 @@
               <a:rPr lang="en-US"/>
               <a:t>Click to edit Master title style</a:t>
             </a:r>
+            <a:endParaRPr lang="en-US" dirty="0"/>
           </a:p>
         </p:txBody>
       </p:sp>
@@ -186,7 +189,7 @@
           <p:cNvPr id="3" name="Subtitle 2">
             <a:extLst>
               <a:ext uri="{FF2B5EF4-FFF2-40B4-BE49-F238E27FC236}">
-                <a16:creationId xmlns:a16="http://schemas.microsoft.com/office/drawing/2014/main" xmlns="" id="{ED9458CC-4DAF-413C-BAB2-A691828B3960}"/>
+                <a16:creationId xmlns:a16="http://schemas.microsoft.com/office/drawing/2014/main" id="{7F1F3275-E82E-484B-AF27-5650288E8ED2}"/>
               </a:ext>
             </a:extLst>
           </p:cNvPr>
@@ -204,11 +207,13 @@
           </a:xfrm>
         </p:spPr>
         <p:txBody>
-          <a:bodyPr/>
+          <a:bodyPr>
+            <a:normAutofit/>
+          </a:bodyPr>
           <a:lstStyle>
             <a:lvl1pPr marL="0" indent="0" algn="ctr">
               <a:buNone/>
-              <a:defRPr sz="2400"/>
+              <a:defRPr sz="2800" b="1"/>
             </a:lvl1pPr>
             <a:lvl2pPr marL="457200" indent="0" algn="ctr">
               <a:buNone/>
@@ -248,96 +253,107 @@
               <a:rPr lang="en-US"/>
               <a:t>Click to edit Master subtitle style</a:t>
             </a:r>
-          </a:p>
-        </p:txBody>
-      </p:sp>
-      <p:sp>
-        <p:nvSpPr>
-          <p:cNvPr id="4" name="Date Placeholder 3">
+            <a:endParaRPr lang="en-US" dirty="0"/>
+          </a:p>
+        </p:txBody>
+      </p:sp>
+      <p:grpSp>
+        <p:nvGrpSpPr>
+          <p:cNvPr id="9" name="Group 8">
             <a:extLst>
               <a:ext uri="{FF2B5EF4-FFF2-40B4-BE49-F238E27FC236}">
-                <a16:creationId xmlns:a16="http://schemas.microsoft.com/office/drawing/2014/main" xmlns="" id="{376479D7-1822-4D67-877B-539605137CE2}"/>
+                <a16:creationId xmlns:a16="http://schemas.microsoft.com/office/drawing/2014/main" id="{D86187BD-A9A7-4B3D-8F2C-B91567B9C326}"/>
               </a:ext>
             </a:extLst>
           </p:cNvPr>
-          <p:cNvSpPr>
-            <a:spLocks noGrp="1"/>
-          </p:cNvSpPr>
-          <p:nvPr>
-            <p:ph type="dt" sz="half" idx="10"/>
-          </p:nvPr>
-        </p:nvSpPr>
-        <p:spPr/>
-        <p:txBody>
-          <a:bodyPr/>
-          <a:lstStyle/>
-          <a:p>
-            <a:fld id="{F657B805-F065-4DDD-821B-D6FAE50E53FB}" type="datetimeFigureOut">
-              <a:rPr lang="en-US" smtClean="0"/>
-              <a:t>12/10/2018</a:t>
-            </a:fld>
-            <a:endParaRPr lang="en-US"/>
-          </a:p>
-        </p:txBody>
-      </p:sp>
-      <p:sp>
-        <p:nvSpPr>
-          <p:cNvPr id="5" name="Footer Placeholder 4">
-            <a:extLst>
-              <a:ext uri="{FF2B5EF4-FFF2-40B4-BE49-F238E27FC236}">
-                <a16:creationId xmlns:a16="http://schemas.microsoft.com/office/drawing/2014/main" xmlns="" id="{88C7617A-08B7-49AD-9AB2-8EE730F829FC}"/>
-              </a:ext>
-            </a:extLst>
-          </p:cNvPr>
-          <p:cNvSpPr>
-            <a:spLocks noGrp="1"/>
-          </p:cNvSpPr>
-          <p:nvPr>
-            <p:ph type="ftr" sz="quarter" idx="11"/>
-          </p:nvPr>
-        </p:nvSpPr>
-        <p:spPr/>
-        <p:txBody>
-          <a:bodyPr/>
-          <a:lstStyle/>
-          <a:p>
-            <a:endParaRPr lang="en-US"/>
-          </a:p>
-        </p:txBody>
-      </p:sp>
-      <p:sp>
-        <p:nvSpPr>
-          <p:cNvPr id="6" name="Slide Number Placeholder 5">
-            <a:extLst>
-              <a:ext uri="{FF2B5EF4-FFF2-40B4-BE49-F238E27FC236}">
-                <a16:creationId xmlns:a16="http://schemas.microsoft.com/office/drawing/2014/main" xmlns="" id="{F33D2E6E-0D60-4BEC-9051-BB6B1929C7DF}"/>
-              </a:ext>
-            </a:extLst>
-          </p:cNvPr>
-          <p:cNvSpPr>
-            <a:spLocks noGrp="1"/>
-          </p:cNvSpPr>
-          <p:nvPr>
-            <p:ph type="sldNum" sz="quarter" idx="12"/>
-          </p:nvPr>
-        </p:nvSpPr>
-        <p:spPr/>
-        <p:txBody>
-          <a:bodyPr/>
-          <a:lstStyle/>
-          <a:p>
-            <a:fld id="{8E408288-2A05-4C1E-8BB7-913485736462}" type="slidenum">
-              <a:rPr lang="en-US" smtClean="0"/>
-              <a:t>‹#›</a:t>
-            </a:fld>
-            <a:endParaRPr lang="en-US"/>
-          </a:p>
-        </p:txBody>
-      </p:sp>
+          <p:cNvGrpSpPr/>
+          <p:nvPr/>
+        </p:nvGrpSpPr>
+        <p:grpSpPr>
+          <a:xfrm>
+            <a:off x="9460175" y="5892139"/>
+            <a:ext cx="2606722" cy="928422"/>
+            <a:chOff x="0" y="4684383"/>
+            <a:chExt cx="1175626" cy="447549"/>
+          </a:xfrm>
+        </p:grpSpPr>
+        <p:pic>
+          <p:nvPicPr>
+            <p:cNvPr id="7" name="Picture 6">
+              <a:extLst>
+                <a:ext uri="{FF2B5EF4-FFF2-40B4-BE49-F238E27FC236}">
+                  <a16:creationId xmlns:a16="http://schemas.microsoft.com/office/drawing/2014/main" id="{0A3E5B43-8C12-4719-87CA-7E757457C225}"/>
+                </a:ext>
+              </a:extLst>
+            </p:cNvPr>
+            <p:cNvPicPr>
+              <a:picLocks noChangeAspect="1"/>
+            </p:cNvPicPr>
+            <p:nvPr userDrawn="1"/>
+          </p:nvPicPr>
+          <p:blipFill>
+            <a:blip r:embed="rId2" cstate="print">
+              <a:extLst>
+                <a:ext uri="{28A0092B-C50C-407E-A947-70E740481C1C}">
+                  <a14:useLocalDpi xmlns:a14="http://schemas.microsoft.com/office/drawing/2010/main" val="0"/>
+                </a:ext>
+              </a:extLst>
+            </a:blip>
+            <a:stretch>
+              <a:fillRect/>
+            </a:stretch>
+          </p:blipFill>
+          <p:spPr>
+            <a:xfrm>
+              <a:off x="0" y="4705350"/>
+              <a:ext cx="775817" cy="426582"/>
+            </a:xfrm>
+            <a:prstGeom prst="rect">
+              <a:avLst/>
+            </a:prstGeom>
+          </p:spPr>
+        </p:pic>
+        <p:pic>
+          <p:nvPicPr>
+            <p:cNvPr id="8" name="Picture 7">
+              <a:extLst>
+                <a:ext uri="{FF2B5EF4-FFF2-40B4-BE49-F238E27FC236}">
+                  <a16:creationId xmlns:a16="http://schemas.microsoft.com/office/drawing/2014/main" id="{D1FEADCA-1EA9-45D5-8DD0-F4B44D8E1151}"/>
+                </a:ext>
+              </a:extLst>
+            </p:cNvPr>
+            <p:cNvPicPr>
+              <a:picLocks noChangeAspect="1"/>
+            </p:cNvPicPr>
+            <p:nvPr userDrawn="1"/>
+          </p:nvPicPr>
+          <p:blipFill>
+            <a:blip r:embed="rId3" cstate="print">
+              <a:extLst>
+                <a:ext uri="{28A0092B-C50C-407E-A947-70E740481C1C}">
+                  <a14:useLocalDpi xmlns:a14="http://schemas.microsoft.com/office/drawing/2010/main" val="0"/>
+                </a:ext>
+              </a:extLst>
+            </a:blip>
+            <a:stretch>
+              <a:fillRect/>
+            </a:stretch>
+          </p:blipFill>
+          <p:spPr>
+            <a:xfrm>
+              <a:off x="799685" y="4684383"/>
+              <a:ext cx="375941" cy="447549"/>
+            </a:xfrm>
+            <a:prstGeom prst="rect">
+              <a:avLst/>
+            </a:prstGeom>
+          </p:spPr>
+        </p:pic>
+      </p:grpSp>
     </p:spTree>
     <p:extLst>
       <p:ext uri="{BB962C8B-B14F-4D97-AF65-F5344CB8AC3E}">
-        <p14:creationId xmlns:p14="http://schemas.microsoft.com/office/powerpoint/2010/main" val="610750663"/>
+        <p14:creationId xmlns:p14="http://schemas.microsoft.com/office/powerpoint/2010/main" val="3566588951"/>
       </p:ext>
     </p:extLst>
   </p:cSld>
@@ -369,7 +385,7 @@
           <p:cNvPr id="2" name="Title 1">
             <a:extLst>
               <a:ext uri="{FF2B5EF4-FFF2-40B4-BE49-F238E27FC236}">
-                <a16:creationId xmlns:a16="http://schemas.microsoft.com/office/drawing/2014/main" xmlns="" id="{D5218418-A987-4281-8F76-5A8B5A4F4771}"/>
+                <a16:creationId xmlns:a16="http://schemas.microsoft.com/office/drawing/2014/main" id="{494522C5-0666-4DB7-83CE-5B6CB4D1CF9A}"/>
               </a:ext>
             </a:extLst>
           </p:cNvPr>
@@ -397,7 +413,7 @@
           <p:cNvPr id="3" name="Vertical Text Placeholder 2">
             <a:extLst>
               <a:ext uri="{FF2B5EF4-FFF2-40B4-BE49-F238E27FC236}">
-                <a16:creationId xmlns:a16="http://schemas.microsoft.com/office/drawing/2014/main" xmlns="" id="{DE7FE3C8-6F2E-4357-81DA-2C983395CFE8}"/>
+                <a16:creationId xmlns:a16="http://schemas.microsoft.com/office/drawing/2014/main" id="{2C129D95-7B38-4744-A706-F3D434E89EF7}"/>
               </a:ext>
             </a:extLst>
           </p:cNvPr>
@@ -454,7 +470,7 @@
           <p:cNvPr id="4" name="Date Placeholder 3">
             <a:extLst>
               <a:ext uri="{FF2B5EF4-FFF2-40B4-BE49-F238E27FC236}">
-                <a16:creationId xmlns:a16="http://schemas.microsoft.com/office/drawing/2014/main" xmlns="" id="{D1B54246-DD69-4627-884F-EA3D5BACCCDF}"/>
+                <a16:creationId xmlns:a16="http://schemas.microsoft.com/office/drawing/2014/main" id="{ADC97E7D-72AD-48B7-ABA5-B20ABBFBD7C7}"/>
               </a:ext>
             </a:extLst>
           </p:cNvPr>
@@ -465,14 +481,22 @@
             <p:ph type="dt" sz="half" idx="10"/>
           </p:nvPr>
         </p:nvSpPr>
-        <p:spPr/>
+        <p:spPr>
+          <a:xfrm>
+            <a:off x="838200" y="6356350"/>
+            <a:ext cx="2743200" cy="365125"/>
+          </a:xfrm>
+          <a:prstGeom prst="rect">
+            <a:avLst/>
+          </a:prstGeom>
+        </p:spPr>
         <p:txBody>
           <a:bodyPr/>
           <a:lstStyle/>
           <a:p>
             <a:fld id="{F657B805-F065-4DDD-821B-D6FAE50E53FB}" type="datetimeFigureOut">
               <a:rPr lang="en-US" smtClean="0"/>
-              <a:t>12/10/2018</a:t>
+              <a:t>12/11/2018</a:t>
             </a:fld>
             <a:endParaRPr lang="en-US"/>
           </a:p>
@@ -483,7 +507,7 @@
           <p:cNvPr id="5" name="Footer Placeholder 4">
             <a:extLst>
               <a:ext uri="{FF2B5EF4-FFF2-40B4-BE49-F238E27FC236}">
-                <a16:creationId xmlns:a16="http://schemas.microsoft.com/office/drawing/2014/main" xmlns="" id="{0FF761FF-74D9-4C05-8BED-337CFEF67324}"/>
+                <a16:creationId xmlns:a16="http://schemas.microsoft.com/office/drawing/2014/main" id="{796783C9-D241-4646-AA69-5AFF6519F7EB}"/>
               </a:ext>
             </a:extLst>
           </p:cNvPr>
@@ -508,7 +532,7 @@
           <p:cNvPr id="6" name="Slide Number Placeholder 5">
             <a:extLst>
               <a:ext uri="{FF2B5EF4-FFF2-40B4-BE49-F238E27FC236}">
-                <a16:creationId xmlns:a16="http://schemas.microsoft.com/office/drawing/2014/main" xmlns="" id="{428A2AA7-07B6-4CB2-BE01-93FCA01D1FDB}"/>
+                <a16:creationId xmlns:a16="http://schemas.microsoft.com/office/drawing/2014/main" id="{0ABA8567-0C73-4EE1-85D6-11E997D3CA11}"/>
               </a:ext>
             </a:extLst>
           </p:cNvPr>
@@ -519,7 +543,15 @@
             <p:ph type="sldNum" sz="quarter" idx="12"/>
           </p:nvPr>
         </p:nvSpPr>
-        <p:spPr/>
+        <p:spPr>
+          <a:xfrm>
+            <a:off x="8610600" y="6356350"/>
+            <a:ext cx="2743200" cy="365125"/>
+          </a:xfrm>
+          <a:prstGeom prst="rect">
+            <a:avLst/>
+          </a:prstGeom>
+        </p:spPr>
         <p:txBody>
           <a:bodyPr/>
           <a:lstStyle/>
@@ -535,7 +567,7 @@
     </p:spTree>
     <p:extLst>
       <p:ext uri="{BB962C8B-B14F-4D97-AF65-F5344CB8AC3E}">
-        <p14:creationId xmlns:p14="http://schemas.microsoft.com/office/powerpoint/2010/main" val="2467278562"/>
+        <p14:creationId xmlns:p14="http://schemas.microsoft.com/office/powerpoint/2010/main" val="3752558769"/>
       </p:ext>
     </p:extLst>
   </p:cSld>
@@ -567,7 +599,7 @@
           <p:cNvPr id="2" name="Vertical Title 1">
             <a:extLst>
               <a:ext uri="{FF2B5EF4-FFF2-40B4-BE49-F238E27FC236}">
-                <a16:creationId xmlns:a16="http://schemas.microsoft.com/office/drawing/2014/main" xmlns="" id="{5927367A-4B12-4AE1-AE43-7187541592AA}"/>
+                <a16:creationId xmlns:a16="http://schemas.microsoft.com/office/drawing/2014/main" id="{C034C754-EBB8-4F31-83B1-76F65241CF42}"/>
               </a:ext>
             </a:extLst>
           </p:cNvPr>
@@ -600,7 +632,7 @@
           <p:cNvPr id="3" name="Vertical Text Placeholder 2">
             <a:extLst>
               <a:ext uri="{FF2B5EF4-FFF2-40B4-BE49-F238E27FC236}">
-                <a16:creationId xmlns:a16="http://schemas.microsoft.com/office/drawing/2014/main" xmlns="" id="{11A61400-D644-4877-86C5-85E2181CE877}"/>
+                <a16:creationId xmlns:a16="http://schemas.microsoft.com/office/drawing/2014/main" id="{F0C526F1-1446-4F44-BC5F-884564219E21}"/>
               </a:ext>
             </a:extLst>
           </p:cNvPr>
@@ -662,7 +694,7 @@
           <p:cNvPr id="4" name="Date Placeholder 3">
             <a:extLst>
               <a:ext uri="{FF2B5EF4-FFF2-40B4-BE49-F238E27FC236}">
-                <a16:creationId xmlns:a16="http://schemas.microsoft.com/office/drawing/2014/main" xmlns="" id="{222004C0-1D24-4572-88FF-D660A5E0F753}"/>
+                <a16:creationId xmlns:a16="http://schemas.microsoft.com/office/drawing/2014/main" id="{1DAB0D6A-501E-4400-90AE-40AD173EACB5}"/>
               </a:ext>
             </a:extLst>
           </p:cNvPr>
@@ -673,14 +705,22 @@
             <p:ph type="dt" sz="half" idx="10"/>
           </p:nvPr>
         </p:nvSpPr>
-        <p:spPr/>
+        <p:spPr>
+          <a:xfrm>
+            <a:off x="838200" y="6356350"/>
+            <a:ext cx="2743200" cy="365125"/>
+          </a:xfrm>
+          <a:prstGeom prst="rect">
+            <a:avLst/>
+          </a:prstGeom>
+        </p:spPr>
         <p:txBody>
           <a:bodyPr/>
           <a:lstStyle/>
           <a:p>
             <a:fld id="{F657B805-F065-4DDD-821B-D6FAE50E53FB}" type="datetimeFigureOut">
               <a:rPr lang="en-US" smtClean="0"/>
-              <a:t>12/10/2018</a:t>
+              <a:t>12/11/2018</a:t>
             </a:fld>
             <a:endParaRPr lang="en-US"/>
           </a:p>
@@ -691,7 +731,7 @@
           <p:cNvPr id="5" name="Footer Placeholder 4">
             <a:extLst>
               <a:ext uri="{FF2B5EF4-FFF2-40B4-BE49-F238E27FC236}">
-                <a16:creationId xmlns:a16="http://schemas.microsoft.com/office/drawing/2014/main" xmlns="" id="{E7BB0C94-5397-4BC1-9B1B-803DCCFD1F83}"/>
+                <a16:creationId xmlns:a16="http://schemas.microsoft.com/office/drawing/2014/main" id="{76F1E445-1BC8-4794-9C96-36BEAF0741B6}"/>
               </a:ext>
             </a:extLst>
           </p:cNvPr>
@@ -716,7 +756,7 @@
           <p:cNvPr id="6" name="Slide Number Placeholder 5">
             <a:extLst>
               <a:ext uri="{FF2B5EF4-FFF2-40B4-BE49-F238E27FC236}">
-                <a16:creationId xmlns:a16="http://schemas.microsoft.com/office/drawing/2014/main" xmlns="" id="{4A494D0C-9B89-48BD-AEC1-E78253E89069}"/>
+                <a16:creationId xmlns:a16="http://schemas.microsoft.com/office/drawing/2014/main" id="{D28A5DE7-2691-4958-B071-BAF6637CA8BE}"/>
               </a:ext>
             </a:extLst>
           </p:cNvPr>
@@ -727,7 +767,15 @@
             <p:ph type="sldNum" sz="quarter" idx="12"/>
           </p:nvPr>
         </p:nvSpPr>
-        <p:spPr/>
+        <p:spPr>
+          <a:xfrm>
+            <a:off x="8610600" y="6356350"/>
+            <a:ext cx="2743200" cy="365125"/>
+          </a:xfrm>
+          <a:prstGeom prst="rect">
+            <a:avLst/>
+          </a:prstGeom>
+        </p:spPr>
         <p:txBody>
           <a:bodyPr/>
           <a:lstStyle/>
@@ -743,7 +791,7 @@
     </p:spTree>
     <p:extLst>
       <p:ext uri="{BB962C8B-B14F-4D97-AF65-F5344CB8AC3E}">
-        <p14:creationId xmlns:p14="http://schemas.microsoft.com/office/powerpoint/2010/main" val="2577144740"/>
+        <p14:creationId xmlns:p14="http://schemas.microsoft.com/office/powerpoint/2010/main" val="2414839263"/>
       </p:ext>
     </p:extLst>
   </p:cSld>
@@ -753,7 +801,247 @@
 </p:sldLayout>
 </file>
 
-<file path=ppt/slideLayouts/slideLayout2.xml><?xml version="1.0" encoding="utf-8"?>
+<file path=ppt/slideLayouts/slideLayout12.xml><?xml version="1.0" encoding="utf-8"?>
+<p:sldLayout xmlns:a="http://schemas.openxmlformats.org/drawingml/2006/main" xmlns:r="http://schemas.openxmlformats.org/officeDocument/2006/relationships" xmlns:p="http://schemas.openxmlformats.org/presentationml/2006/main" type="title" preserve="1">
+  <p:cSld name="Title Slide">
+    <p:spTree>
+      <p:nvGrpSpPr>
+        <p:cNvPr id="1" name=""/>
+        <p:cNvGrpSpPr/>
+        <p:nvPr/>
+      </p:nvGrpSpPr>
+      <p:grpSpPr>
+        <a:xfrm>
+          <a:off x="0" y="0"/>
+          <a:ext cx="0" cy="0"/>
+          <a:chOff x="0" y="0"/>
+          <a:chExt cx="0" cy="0"/>
+        </a:xfrm>
+      </p:grpSpPr>
+      <p:sp>
+        <p:nvSpPr>
+          <p:cNvPr id="2" name="Title 1"/>
+          <p:cNvSpPr>
+            <a:spLocks noGrp="1"/>
+          </p:cNvSpPr>
+          <p:nvPr>
+            <p:ph type="ctrTitle"/>
+          </p:nvPr>
+        </p:nvSpPr>
+        <p:spPr>
+          <a:xfrm>
+            <a:off x="914400" y="2130426"/>
+            <a:ext cx="10363200" cy="1470025"/>
+          </a:xfrm>
+        </p:spPr>
+        <p:txBody>
+          <a:bodyPr/>
+          <a:lstStyle/>
+          <a:p>
+            <a:r>
+              <a:rPr lang="en-US"/>
+              <a:t>Click to edit Master title style</a:t>
+            </a:r>
+          </a:p>
+        </p:txBody>
+      </p:sp>
+      <p:sp>
+        <p:nvSpPr>
+          <p:cNvPr id="3" name="Subtitle 2"/>
+          <p:cNvSpPr>
+            <a:spLocks noGrp="1"/>
+          </p:cNvSpPr>
+          <p:nvPr>
+            <p:ph type="subTitle" idx="1"/>
+          </p:nvPr>
+        </p:nvSpPr>
+        <p:spPr>
+          <a:xfrm>
+            <a:off x="1828800" y="3886200"/>
+            <a:ext cx="8534400" cy="1752600"/>
+          </a:xfrm>
+        </p:spPr>
+        <p:txBody>
+          <a:bodyPr/>
+          <a:lstStyle>
+            <a:lvl1pPr marL="0" indent="0" algn="ctr">
+              <a:buNone/>
+              <a:defRPr>
+                <a:solidFill>
+                  <a:schemeClr val="tx1">
+                    <a:tint val="75000"/>
+                  </a:schemeClr>
+                </a:solidFill>
+              </a:defRPr>
+            </a:lvl1pPr>
+            <a:lvl2pPr marL="457200" indent="0" algn="ctr">
+              <a:buNone/>
+              <a:defRPr>
+                <a:solidFill>
+                  <a:schemeClr val="tx1">
+                    <a:tint val="75000"/>
+                  </a:schemeClr>
+                </a:solidFill>
+              </a:defRPr>
+            </a:lvl2pPr>
+            <a:lvl3pPr marL="914400" indent="0" algn="ctr">
+              <a:buNone/>
+              <a:defRPr>
+                <a:solidFill>
+                  <a:schemeClr val="tx1">
+                    <a:tint val="75000"/>
+                  </a:schemeClr>
+                </a:solidFill>
+              </a:defRPr>
+            </a:lvl3pPr>
+            <a:lvl4pPr marL="1371600" indent="0" algn="ctr">
+              <a:buNone/>
+              <a:defRPr>
+                <a:solidFill>
+                  <a:schemeClr val="tx1">
+                    <a:tint val="75000"/>
+                  </a:schemeClr>
+                </a:solidFill>
+              </a:defRPr>
+            </a:lvl4pPr>
+            <a:lvl5pPr marL="1828800" indent="0" algn="ctr">
+              <a:buNone/>
+              <a:defRPr>
+                <a:solidFill>
+                  <a:schemeClr val="tx1">
+                    <a:tint val="75000"/>
+                  </a:schemeClr>
+                </a:solidFill>
+              </a:defRPr>
+            </a:lvl5pPr>
+            <a:lvl6pPr marL="2286000" indent="0" algn="ctr">
+              <a:buNone/>
+              <a:defRPr>
+                <a:solidFill>
+                  <a:schemeClr val="tx1">
+                    <a:tint val="75000"/>
+                  </a:schemeClr>
+                </a:solidFill>
+              </a:defRPr>
+            </a:lvl6pPr>
+            <a:lvl7pPr marL="2743200" indent="0" algn="ctr">
+              <a:buNone/>
+              <a:defRPr>
+                <a:solidFill>
+                  <a:schemeClr val="tx1">
+                    <a:tint val="75000"/>
+                  </a:schemeClr>
+                </a:solidFill>
+              </a:defRPr>
+            </a:lvl7pPr>
+            <a:lvl8pPr marL="3200400" indent="0" algn="ctr">
+              <a:buNone/>
+              <a:defRPr>
+                <a:solidFill>
+                  <a:schemeClr val="tx1">
+                    <a:tint val="75000"/>
+                  </a:schemeClr>
+                </a:solidFill>
+              </a:defRPr>
+            </a:lvl8pPr>
+            <a:lvl9pPr marL="3657600" indent="0" algn="ctr">
+              <a:buNone/>
+              <a:defRPr>
+                <a:solidFill>
+                  <a:schemeClr val="tx1">
+                    <a:tint val="75000"/>
+                  </a:schemeClr>
+                </a:solidFill>
+              </a:defRPr>
+            </a:lvl9pPr>
+          </a:lstStyle>
+          <a:p>
+            <a:r>
+              <a:rPr lang="en-US"/>
+              <a:t>Click to edit Master subtitle style</a:t>
+            </a:r>
+          </a:p>
+        </p:txBody>
+      </p:sp>
+      <p:sp>
+        <p:nvSpPr>
+          <p:cNvPr id="4" name="Date Placeholder 3"/>
+          <p:cNvSpPr>
+            <a:spLocks noGrp="1"/>
+          </p:cNvSpPr>
+          <p:nvPr>
+            <p:ph type="dt" sz="half" idx="10"/>
+          </p:nvPr>
+        </p:nvSpPr>
+        <p:spPr/>
+        <p:txBody>
+          <a:bodyPr/>
+          <a:lstStyle/>
+          <a:p>
+            <a:fld id="{589E5873-CF7F-45F3-B283-E59B1D6F242C}" type="datetimeFigureOut">
+              <a:rPr lang="en-US" smtClean="0"/>
+              <a:t>12/11/2018</a:t>
+            </a:fld>
+            <a:endParaRPr lang="en-US"/>
+          </a:p>
+        </p:txBody>
+      </p:sp>
+      <p:sp>
+        <p:nvSpPr>
+          <p:cNvPr id="5" name="Footer Placeholder 4"/>
+          <p:cNvSpPr>
+            <a:spLocks noGrp="1"/>
+          </p:cNvSpPr>
+          <p:nvPr>
+            <p:ph type="ftr" sz="quarter" idx="11"/>
+          </p:nvPr>
+        </p:nvSpPr>
+        <p:spPr/>
+        <p:txBody>
+          <a:bodyPr/>
+          <a:lstStyle/>
+          <a:p>
+            <a:endParaRPr lang="en-US"/>
+          </a:p>
+        </p:txBody>
+      </p:sp>
+      <p:sp>
+        <p:nvSpPr>
+          <p:cNvPr id="6" name="Slide Number Placeholder 5"/>
+          <p:cNvSpPr>
+            <a:spLocks noGrp="1"/>
+          </p:cNvSpPr>
+          <p:nvPr>
+            <p:ph type="sldNum" sz="quarter" idx="12"/>
+          </p:nvPr>
+        </p:nvSpPr>
+        <p:spPr/>
+        <p:txBody>
+          <a:bodyPr/>
+          <a:lstStyle/>
+          <a:p>
+            <a:fld id="{4EC170A7-7868-4A85-B1AF-80DAB1CAA9AE}" type="slidenum">
+              <a:rPr lang="en-US" smtClean="0"/>
+              <a:t>‹#›</a:t>
+            </a:fld>
+            <a:endParaRPr lang="en-US"/>
+          </a:p>
+        </p:txBody>
+      </p:sp>
+    </p:spTree>
+    <p:extLst>
+      <p:ext uri="{BB962C8B-B14F-4D97-AF65-F5344CB8AC3E}">
+        <p14:creationId xmlns:p14="http://schemas.microsoft.com/office/powerpoint/2010/main" val="400812682"/>
+      </p:ext>
+    </p:extLst>
+  </p:cSld>
+  <p:clrMapOvr>
+    <a:masterClrMapping/>
+  </p:clrMapOvr>
+</p:sldLayout>
+</file>
+
+<file path=ppt/slideLayouts/slideLayout13.xml><?xml version="1.0" encoding="utf-8"?>
 <p:sldLayout xmlns:a="http://schemas.openxmlformats.org/drawingml/2006/main" xmlns:r="http://schemas.openxmlformats.org/officeDocument/2006/relationships" xmlns:p="http://schemas.openxmlformats.org/presentationml/2006/main" type="obj" preserve="1">
   <p:cSld name="Title and Content">
     <p:spTree>
@@ -772,13 +1060,7 @@
       </p:grpSpPr>
       <p:sp>
         <p:nvSpPr>
-          <p:cNvPr id="2" name="Title 1">
-            <a:extLst>
-              <a:ext uri="{FF2B5EF4-FFF2-40B4-BE49-F238E27FC236}">
-                <a16:creationId xmlns:a16="http://schemas.microsoft.com/office/drawing/2014/main" xmlns="" id="{AC50B28F-0AF9-4674-914C-53BD75F1B57C}"/>
-              </a:ext>
-            </a:extLst>
-          </p:cNvPr>
+          <p:cNvPr id="2" name="Title 1"/>
           <p:cNvSpPr>
             <a:spLocks noGrp="1"/>
           </p:cNvSpPr>
@@ -800,13 +1082,7 @@
       </p:sp>
       <p:sp>
         <p:nvSpPr>
-          <p:cNvPr id="3" name="Content Placeholder 2">
-            <a:extLst>
-              <a:ext uri="{FF2B5EF4-FFF2-40B4-BE49-F238E27FC236}">
-                <a16:creationId xmlns:a16="http://schemas.microsoft.com/office/drawing/2014/main" xmlns="" id="{524AC969-CB1B-44FB-80F5-74B4F34D0284}"/>
-              </a:ext>
-            </a:extLst>
-          </p:cNvPr>
+          <p:cNvPr id="3" name="Content Placeholder 2"/>
           <p:cNvSpPr>
             <a:spLocks noGrp="1"/>
           </p:cNvSpPr>
@@ -857,13 +1133,7 @@
       </p:sp>
       <p:sp>
         <p:nvSpPr>
-          <p:cNvPr id="4" name="Date Placeholder 3">
-            <a:extLst>
-              <a:ext uri="{FF2B5EF4-FFF2-40B4-BE49-F238E27FC236}">
-                <a16:creationId xmlns:a16="http://schemas.microsoft.com/office/drawing/2014/main" xmlns="" id="{97D7FA56-380F-42D3-A877-ADCA21141966}"/>
-              </a:ext>
-            </a:extLst>
-          </p:cNvPr>
+          <p:cNvPr id="4" name="Date Placeholder 3"/>
           <p:cNvSpPr>
             <a:spLocks noGrp="1"/>
           </p:cNvSpPr>
@@ -876,9 +1146,9 @@
           <a:bodyPr/>
           <a:lstStyle/>
           <a:p>
-            <a:fld id="{F657B805-F065-4DDD-821B-D6FAE50E53FB}" type="datetimeFigureOut">
+            <a:fld id="{589E5873-CF7F-45F3-B283-E59B1D6F242C}" type="datetimeFigureOut">
               <a:rPr lang="en-US" smtClean="0"/>
-              <a:t>12/10/2018</a:t>
+              <a:t>12/11/2018</a:t>
             </a:fld>
             <a:endParaRPr lang="en-US"/>
           </a:p>
@@ -886,13 +1156,7 @@
       </p:sp>
       <p:sp>
         <p:nvSpPr>
-          <p:cNvPr id="5" name="Footer Placeholder 4">
-            <a:extLst>
-              <a:ext uri="{FF2B5EF4-FFF2-40B4-BE49-F238E27FC236}">
-                <a16:creationId xmlns:a16="http://schemas.microsoft.com/office/drawing/2014/main" xmlns="" id="{2E52DDCD-A1B3-4623-BAE9-0FFE78E9F0A9}"/>
-              </a:ext>
-            </a:extLst>
-          </p:cNvPr>
+          <p:cNvPr id="5" name="Footer Placeholder 4"/>
           <p:cNvSpPr>
             <a:spLocks noGrp="1"/>
           </p:cNvSpPr>
@@ -911,13 +1175,7 @@
       </p:sp>
       <p:sp>
         <p:nvSpPr>
-          <p:cNvPr id="6" name="Slide Number Placeholder 5">
-            <a:extLst>
-              <a:ext uri="{FF2B5EF4-FFF2-40B4-BE49-F238E27FC236}">
-                <a16:creationId xmlns:a16="http://schemas.microsoft.com/office/drawing/2014/main" xmlns="" id="{495C99A6-DA6B-42A6-91B0-DAB38920D75C}"/>
-              </a:ext>
-            </a:extLst>
-          </p:cNvPr>
+          <p:cNvPr id="6" name="Slide Number Placeholder 5"/>
           <p:cNvSpPr>
             <a:spLocks noGrp="1"/>
           </p:cNvSpPr>
@@ -930,7 +1188,7 @@
           <a:bodyPr/>
           <a:lstStyle/>
           <a:p>
-            <a:fld id="{8E408288-2A05-4C1E-8BB7-913485736462}" type="slidenum">
+            <a:fld id="{4EC170A7-7868-4A85-B1AF-80DAB1CAA9AE}" type="slidenum">
               <a:rPr lang="en-US" smtClean="0"/>
               <a:t>‹#›</a:t>
             </a:fld>
@@ -941,7 +1199,7 @@
     </p:spTree>
     <p:extLst>
       <p:ext uri="{BB962C8B-B14F-4D97-AF65-F5344CB8AC3E}">
-        <p14:creationId xmlns:p14="http://schemas.microsoft.com/office/powerpoint/2010/main" val="325690036"/>
+        <p14:creationId xmlns:p14="http://schemas.microsoft.com/office/powerpoint/2010/main" val="1896387670"/>
       </p:ext>
     </p:extLst>
   </p:cSld>
@@ -951,7 +1209,7 @@
 </p:sldLayout>
 </file>
 
-<file path=ppt/slideLayouts/slideLayout3.xml><?xml version="1.0" encoding="utf-8"?>
+<file path=ppt/slideLayouts/slideLayout14.xml><?xml version="1.0" encoding="utf-8"?>
 <p:sldLayout xmlns:a="http://schemas.openxmlformats.org/drawingml/2006/main" xmlns:r="http://schemas.openxmlformats.org/officeDocument/2006/relationships" xmlns:p="http://schemas.openxmlformats.org/presentationml/2006/main" type="secHead" preserve="1">
   <p:cSld name="Section Header">
     <p:spTree>
@@ -970,13 +1228,7 @@
       </p:grpSpPr>
       <p:sp>
         <p:nvSpPr>
-          <p:cNvPr id="2" name="Title 1">
-            <a:extLst>
-              <a:ext uri="{FF2B5EF4-FFF2-40B4-BE49-F238E27FC236}">
-                <a16:creationId xmlns:a16="http://schemas.microsoft.com/office/drawing/2014/main" xmlns="" id="{3ECB881C-23CD-471D-A94B-AD43EEEC87EA}"/>
-              </a:ext>
-            </a:extLst>
-          </p:cNvPr>
+          <p:cNvPr id="2" name="Title 1"/>
           <p:cNvSpPr>
             <a:spLocks noGrp="1"/>
           </p:cNvSpPr>
@@ -986,53 +1238,47 @@
         </p:nvSpPr>
         <p:spPr>
           <a:xfrm>
-            <a:off x="831850" y="1709738"/>
-            <a:ext cx="10515600" cy="2852737"/>
+            <a:off x="963084" y="4406901"/>
+            <a:ext cx="10363200" cy="1362075"/>
           </a:xfrm>
         </p:spPr>
         <p:txBody>
+          <a:bodyPr anchor="t"/>
+          <a:lstStyle>
+            <a:lvl1pPr algn="l">
+              <a:defRPr sz="4000" b="1" cap="all"/>
+            </a:lvl1pPr>
+          </a:lstStyle>
+          <a:p>
+            <a:r>
+              <a:rPr lang="en-US"/>
+              <a:t>Click to edit Master title style</a:t>
+            </a:r>
+          </a:p>
+        </p:txBody>
+      </p:sp>
+      <p:sp>
+        <p:nvSpPr>
+          <p:cNvPr id="3" name="Text Placeholder 2"/>
+          <p:cNvSpPr>
+            <a:spLocks noGrp="1"/>
+          </p:cNvSpPr>
+          <p:nvPr>
+            <p:ph type="body" idx="1"/>
+          </p:nvPr>
+        </p:nvSpPr>
+        <p:spPr>
+          <a:xfrm>
+            <a:off x="963084" y="2906713"/>
+            <a:ext cx="10363200" cy="1500187"/>
+          </a:xfrm>
+        </p:spPr>
+        <p:txBody>
           <a:bodyPr anchor="b"/>
           <a:lstStyle>
-            <a:lvl1pPr>
-              <a:defRPr sz="6000"/>
-            </a:lvl1pPr>
-          </a:lstStyle>
-          <a:p>
-            <a:r>
-              <a:rPr lang="en-US"/>
-              <a:t>Click to edit Master title style</a:t>
-            </a:r>
-          </a:p>
-        </p:txBody>
-      </p:sp>
-      <p:sp>
-        <p:nvSpPr>
-          <p:cNvPr id="3" name="Text Placeholder 2">
-            <a:extLst>
-              <a:ext uri="{FF2B5EF4-FFF2-40B4-BE49-F238E27FC236}">
-                <a16:creationId xmlns:a16="http://schemas.microsoft.com/office/drawing/2014/main" xmlns="" id="{4AA58EF9-CD86-48CE-8FE0-80E27C641A53}"/>
-              </a:ext>
-            </a:extLst>
-          </p:cNvPr>
-          <p:cNvSpPr>
-            <a:spLocks noGrp="1"/>
-          </p:cNvSpPr>
-          <p:nvPr>
-            <p:ph type="body" idx="1"/>
-          </p:nvPr>
-        </p:nvSpPr>
-        <p:spPr>
-          <a:xfrm>
-            <a:off x="831850" y="4589463"/>
-            <a:ext cx="10515600" cy="1500187"/>
-          </a:xfrm>
-        </p:spPr>
-        <p:txBody>
-          <a:bodyPr/>
-          <a:lstStyle>
             <a:lvl1pPr marL="0" indent="0">
               <a:buNone/>
-              <a:defRPr sz="2400">
+              <a:defRPr sz="2000">
                 <a:solidFill>
                   <a:schemeClr val="tx1">
                     <a:tint val="75000"/>
@@ -1042,7 +1288,7 @@
             </a:lvl1pPr>
             <a:lvl2pPr marL="457200" indent="0">
               <a:buNone/>
-              <a:defRPr sz="2000">
+              <a:defRPr sz="1800">
                 <a:solidFill>
                   <a:schemeClr val="tx1">
                     <a:tint val="75000"/>
@@ -1052,7 +1298,7 @@
             </a:lvl2pPr>
             <a:lvl3pPr marL="914400" indent="0">
               <a:buNone/>
-              <a:defRPr sz="1800">
+              <a:defRPr sz="1600">
                 <a:solidFill>
                   <a:schemeClr val="tx1">
                     <a:tint val="75000"/>
@@ -1062,7 +1308,7 @@
             </a:lvl3pPr>
             <a:lvl4pPr marL="1371600" indent="0">
               <a:buNone/>
-              <a:defRPr sz="1600">
+              <a:defRPr sz="1400">
                 <a:solidFill>
                   <a:schemeClr val="tx1">
                     <a:tint val="75000"/>
@@ -1072,7 +1318,7 @@
             </a:lvl4pPr>
             <a:lvl5pPr marL="1828800" indent="0">
               <a:buNone/>
-              <a:defRPr sz="1600">
+              <a:defRPr sz="1400">
                 <a:solidFill>
                   <a:schemeClr val="tx1">
                     <a:tint val="75000"/>
@@ -1082,7 +1328,7 @@
             </a:lvl5pPr>
             <a:lvl6pPr marL="2286000" indent="0">
               <a:buNone/>
-              <a:defRPr sz="1600">
+              <a:defRPr sz="1400">
                 <a:solidFill>
                   <a:schemeClr val="tx1">
                     <a:tint val="75000"/>
@@ -1092,7 +1338,7 @@
             </a:lvl6pPr>
             <a:lvl7pPr marL="2743200" indent="0">
               <a:buNone/>
-              <a:defRPr sz="1600">
+              <a:defRPr sz="1400">
                 <a:solidFill>
                   <a:schemeClr val="tx1">
                     <a:tint val="75000"/>
@@ -1102,7 +1348,7 @@
             </a:lvl7pPr>
             <a:lvl8pPr marL="3200400" indent="0">
               <a:buNone/>
-              <a:defRPr sz="1600">
+              <a:defRPr sz="1400">
                 <a:solidFill>
                   <a:schemeClr val="tx1">
                     <a:tint val="75000"/>
@@ -1112,7 +1358,7 @@
             </a:lvl8pPr>
             <a:lvl9pPr marL="3657600" indent="0">
               <a:buNone/>
-              <a:defRPr sz="1600">
+              <a:defRPr sz="1400">
                 <a:solidFill>
                   <a:schemeClr val="tx1">
                     <a:tint val="75000"/>
@@ -1132,13 +1378,7 @@
       </p:sp>
       <p:sp>
         <p:nvSpPr>
-          <p:cNvPr id="4" name="Date Placeholder 3">
-            <a:extLst>
-              <a:ext uri="{FF2B5EF4-FFF2-40B4-BE49-F238E27FC236}">
-                <a16:creationId xmlns:a16="http://schemas.microsoft.com/office/drawing/2014/main" xmlns="" id="{074E67B7-8409-44C9-9020-928035D8DAF5}"/>
-              </a:ext>
-            </a:extLst>
-          </p:cNvPr>
+          <p:cNvPr id="4" name="Date Placeholder 3"/>
           <p:cNvSpPr>
             <a:spLocks noGrp="1"/>
           </p:cNvSpPr>
@@ -1151,9 +1391,9 @@
           <a:bodyPr/>
           <a:lstStyle/>
           <a:p>
-            <a:fld id="{F657B805-F065-4DDD-821B-D6FAE50E53FB}" type="datetimeFigureOut">
+            <a:fld id="{589E5873-CF7F-45F3-B283-E59B1D6F242C}" type="datetimeFigureOut">
               <a:rPr lang="en-US" smtClean="0"/>
-              <a:t>12/10/2018</a:t>
+              <a:t>12/11/2018</a:t>
             </a:fld>
             <a:endParaRPr lang="en-US"/>
           </a:p>
@@ -1161,13 +1401,7 @@
       </p:sp>
       <p:sp>
         <p:nvSpPr>
-          <p:cNvPr id="5" name="Footer Placeholder 4">
-            <a:extLst>
-              <a:ext uri="{FF2B5EF4-FFF2-40B4-BE49-F238E27FC236}">
-                <a16:creationId xmlns:a16="http://schemas.microsoft.com/office/drawing/2014/main" xmlns="" id="{3ABE416E-7C05-43D1-B159-A56C6A98F86F}"/>
-              </a:ext>
-            </a:extLst>
-          </p:cNvPr>
+          <p:cNvPr id="5" name="Footer Placeholder 4"/>
           <p:cNvSpPr>
             <a:spLocks noGrp="1"/>
           </p:cNvSpPr>
@@ -1186,13 +1420,7 @@
       </p:sp>
       <p:sp>
         <p:nvSpPr>
-          <p:cNvPr id="6" name="Slide Number Placeholder 5">
-            <a:extLst>
-              <a:ext uri="{FF2B5EF4-FFF2-40B4-BE49-F238E27FC236}">
-                <a16:creationId xmlns:a16="http://schemas.microsoft.com/office/drawing/2014/main" xmlns="" id="{D323835E-C7D8-4947-9459-EDA8B8DD7102}"/>
-              </a:ext>
-            </a:extLst>
-          </p:cNvPr>
+          <p:cNvPr id="6" name="Slide Number Placeholder 5"/>
           <p:cNvSpPr>
             <a:spLocks noGrp="1"/>
           </p:cNvSpPr>
@@ -1205,7 +1433,7 @@
           <a:bodyPr/>
           <a:lstStyle/>
           <a:p>
-            <a:fld id="{8E408288-2A05-4C1E-8BB7-913485736462}" type="slidenum">
+            <a:fld id="{4EC170A7-7868-4A85-B1AF-80DAB1CAA9AE}" type="slidenum">
               <a:rPr lang="en-US" smtClean="0"/>
               <a:t>‹#›</a:t>
             </a:fld>
@@ -1216,7 +1444,7 @@
     </p:spTree>
     <p:extLst>
       <p:ext uri="{BB962C8B-B14F-4D97-AF65-F5344CB8AC3E}">
-        <p14:creationId xmlns:p14="http://schemas.microsoft.com/office/powerpoint/2010/main" val="1678299116"/>
+        <p14:creationId xmlns:p14="http://schemas.microsoft.com/office/powerpoint/2010/main" val="4286365454"/>
       </p:ext>
     </p:extLst>
   </p:cSld>
@@ -1226,7 +1454,7 @@
 </p:sldLayout>
 </file>
 
-<file path=ppt/slideLayouts/slideLayout4.xml><?xml version="1.0" encoding="utf-8"?>
+<file path=ppt/slideLayouts/slideLayout15.xml><?xml version="1.0" encoding="utf-8"?>
 <p:sldLayout xmlns:a="http://schemas.openxmlformats.org/drawingml/2006/main" xmlns:r="http://schemas.openxmlformats.org/officeDocument/2006/relationships" xmlns:p="http://schemas.openxmlformats.org/presentationml/2006/main" type="twoObj" preserve="1">
   <p:cSld name="Two Content">
     <p:spTree>
@@ -1245,13 +1473,7 @@
       </p:grpSpPr>
       <p:sp>
         <p:nvSpPr>
-          <p:cNvPr id="2" name="Title 1">
-            <a:extLst>
-              <a:ext uri="{FF2B5EF4-FFF2-40B4-BE49-F238E27FC236}">
-                <a16:creationId xmlns:a16="http://schemas.microsoft.com/office/drawing/2014/main" xmlns="" id="{055D6F42-A92F-4490-8E14-9C788F83768E}"/>
-              </a:ext>
-            </a:extLst>
-          </p:cNvPr>
+          <p:cNvPr id="2" name="Title 1"/>
           <p:cNvSpPr>
             <a:spLocks noGrp="1"/>
           </p:cNvSpPr>
@@ -1273,13 +1495,7 @@
       </p:sp>
       <p:sp>
         <p:nvSpPr>
-          <p:cNvPr id="3" name="Content Placeholder 2">
-            <a:extLst>
-              <a:ext uri="{FF2B5EF4-FFF2-40B4-BE49-F238E27FC236}">
-                <a16:creationId xmlns:a16="http://schemas.microsoft.com/office/drawing/2014/main" xmlns="" id="{64E141FF-E3DF-400D-9EE1-56879FA03E39}"/>
-              </a:ext>
-            </a:extLst>
-          </p:cNvPr>
+          <p:cNvPr id="3" name="Content Placeholder 2"/>
           <p:cNvSpPr>
             <a:spLocks noGrp="1"/>
           </p:cNvSpPr>
@@ -1289,13 +1505,41 @@
         </p:nvSpPr>
         <p:spPr>
           <a:xfrm>
-            <a:off x="838200" y="1825625"/>
-            <a:ext cx="5181600" cy="4351338"/>
+            <a:off x="609600" y="1600201"/>
+            <a:ext cx="5384800" cy="4525963"/>
           </a:xfrm>
         </p:spPr>
         <p:txBody>
           <a:bodyPr/>
-          <a:lstStyle/>
+          <a:lstStyle>
+            <a:lvl1pPr>
+              <a:defRPr sz="2800"/>
+            </a:lvl1pPr>
+            <a:lvl2pPr>
+              <a:defRPr sz="2400"/>
+            </a:lvl2pPr>
+            <a:lvl3pPr>
+              <a:defRPr sz="2000"/>
+            </a:lvl3pPr>
+            <a:lvl4pPr>
+              <a:defRPr sz="1800"/>
+            </a:lvl4pPr>
+            <a:lvl5pPr>
+              <a:defRPr sz="1800"/>
+            </a:lvl5pPr>
+            <a:lvl6pPr>
+              <a:defRPr sz="1800"/>
+            </a:lvl6pPr>
+            <a:lvl7pPr>
+              <a:defRPr sz="1800"/>
+            </a:lvl7pPr>
+            <a:lvl8pPr>
+              <a:defRPr sz="1800"/>
+            </a:lvl8pPr>
+            <a:lvl9pPr>
+              <a:defRPr sz="1800"/>
+            </a:lvl9pPr>
+          </a:lstStyle>
           <a:p>
             <a:pPr lvl="0"/>
             <a:r>
@@ -1335,13 +1579,7 @@
       </p:sp>
       <p:sp>
         <p:nvSpPr>
-          <p:cNvPr id="4" name="Content Placeholder 3">
-            <a:extLst>
-              <a:ext uri="{FF2B5EF4-FFF2-40B4-BE49-F238E27FC236}">
-                <a16:creationId xmlns:a16="http://schemas.microsoft.com/office/drawing/2014/main" xmlns="" id="{6FDE5CDE-39B4-44FE-88EE-753AEFC0E474}"/>
-              </a:ext>
-            </a:extLst>
-          </p:cNvPr>
+          <p:cNvPr id="4" name="Content Placeholder 3"/>
           <p:cNvSpPr>
             <a:spLocks noGrp="1"/>
           </p:cNvSpPr>
@@ -1351,13 +1589,41 @@
         </p:nvSpPr>
         <p:spPr>
           <a:xfrm>
-            <a:off x="6172200" y="1825625"/>
-            <a:ext cx="5181600" cy="4351338"/>
+            <a:off x="6197600" y="1600201"/>
+            <a:ext cx="5384800" cy="4525963"/>
           </a:xfrm>
         </p:spPr>
         <p:txBody>
           <a:bodyPr/>
-          <a:lstStyle/>
+          <a:lstStyle>
+            <a:lvl1pPr>
+              <a:defRPr sz="2800"/>
+            </a:lvl1pPr>
+            <a:lvl2pPr>
+              <a:defRPr sz="2400"/>
+            </a:lvl2pPr>
+            <a:lvl3pPr>
+              <a:defRPr sz="2000"/>
+            </a:lvl3pPr>
+            <a:lvl4pPr>
+              <a:defRPr sz="1800"/>
+            </a:lvl4pPr>
+            <a:lvl5pPr>
+              <a:defRPr sz="1800"/>
+            </a:lvl5pPr>
+            <a:lvl6pPr>
+              <a:defRPr sz="1800"/>
+            </a:lvl6pPr>
+            <a:lvl7pPr>
+              <a:defRPr sz="1800"/>
+            </a:lvl7pPr>
+            <a:lvl8pPr>
+              <a:defRPr sz="1800"/>
+            </a:lvl8pPr>
+            <a:lvl9pPr>
+              <a:defRPr sz="1800"/>
+            </a:lvl9pPr>
+          </a:lstStyle>
           <a:p>
             <a:pPr lvl="0"/>
             <a:r>
@@ -1397,13 +1663,7 @@
       </p:sp>
       <p:sp>
         <p:nvSpPr>
-          <p:cNvPr id="5" name="Date Placeholder 4">
-            <a:extLst>
-              <a:ext uri="{FF2B5EF4-FFF2-40B4-BE49-F238E27FC236}">
-                <a16:creationId xmlns:a16="http://schemas.microsoft.com/office/drawing/2014/main" xmlns="" id="{9E86661B-8C5E-4837-9F89-056712B01887}"/>
-              </a:ext>
-            </a:extLst>
-          </p:cNvPr>
+          <p:cNvPr id="5" name="Date Placeholder 4"/>
           <p:cNvSpPr>
             <a:spLocks noGrp="1"/>
           </p:cNvSpPr>
@@ -1416,9 +1676,9 @@
           <a:bodyPr/>
           <a:lstStyle/>
           <a:p>
-            <a:fld id="{F657B805-F065-4DDD-821B-D6FAE50E53FB}" type="datetimeFigureOut">
+            <a:fld id="{589E5873-CF7F-45F3-B283-E59B1D6F242C}" type="datetimeFigureOut">
               <a:rPr lang="en-US" smtClean="0"/>
-              <a:t>12/10/2018</a:t>
+              <a:t>12/11/2018</a:t>
             </a:fld>
             <a:endParaRPr lang="en-US"/>
           </a:p>
@@ -1426,13 +1686,7 @@
       </p:sp>
       <p:sp>
         <p:nvSpPr>
-          <p:cNvPr id="6" name="Footer Placeholder 5">
-            <a:extLst>
-              <a:ext uri="{FF2B5EF4-FFF2-40B4-BE49-F238E27FC236}">
-                <a16:creationId xmlns:a16="http://schemas.microsoft.com/office/drawing/2014/main" xmlns="" id="{2848A767-7D69-4CF2-A3B6-92627D9BF376}"/>
-              </a:ext>
-            </a:extLst>
-          </p:cNvPr>
+          <p:cNvPr id="6" name="Footer Placeholder 5"/>
           <p:cNvSpPr>
             <a:spLocks noGrp="1"/>
           </p:cNvSpPr>
@@ -1451,13 +1705,7 @@
       </p:sp>
       <p:sp>
         <p:nvSpPr>
-          <p:cNvPr id="7" name="Slide Number Placeholder 6">
-            <a:extLst>
-              <a:ext uri="{FF2B5EF4-FFF2-40B4-BE49-F238E27FC236}">
-                <a16:creationId xmlns:a16="http://schemas.microsoft.com/office/drawing/2014/main" xmlns="" id="{0788E9D7-2E6C-4407-9BBE-4A89805E800D}"/>
-              </a:ext>
-            </a:extLst>
-          </p:cNvPr>
+          <p:cNvPr id="7" name="Slide Number Placeholder 6"/>
           <p:cNvSpPr>
             <a:spLocks noGrp="1"/>
           </p:cNvSpPr>
@@ -1470,7 +1718,7 @@
           <a:bodyPr/>
           <a:lstStyle/>
           <a:p>
-            <a:fld id="{8E408288-2A05-4C1E-8BB7-913485736462}" type="slidenum">
+            <a:fld id="{4EC170A7-7868-4A85-B1AF-80DAB1CAA9AE}" type="slidenum">
               <a:rPr lang="en-US" smtClean="0"/>
               <a:t>‹#›</a:t>
             </a:fld>
@@ -1481,7 +1729,7 @@
     </p:spTree>
     <p:extLst>
       <p:ext uri="{BB962C8B-B14F-4D97-AF65-F5344CB8AC3E}">
-        <p14:creationId xmlns:p14="http://schemas.microsoft.com/office/powerpoint/2010/main" val="2872537672"/>
+        <p14:creationId xmlns:p14="http://schemas.microsoft.com/office/powerpoint/2010/main" val="3736922888"/>
       </p:ext>
     </p:extLst>
   </p:cSld>
@@ -1491,7 +1739,7 @@
 </p:sldLayout>
 </file>
 
-<file path=ppt/slideLayouts/slideLayout5.xml><?xml version="1.0" encoding="utf-8"?>
+<file path=ppt/slideLayouts/slideLayout16.xml><?xml version="1.0" encoding="utf-8"?>
 <p:sldLayout xmlns:a="http://schemas.openxmlformats.org/drawingml/2006/main" xmlns:r="http://schemas.openxmlformats.org/officeDocument/2006/relationships" xmlns:p="http://schemas.openxmlformats.org/presentationml/2006/main" type="twoTxTwoObj" preserve="1">
   <p:cSld name="Comparison">
     <p:spTree>
@@ -1510,57 +1758,44 @@
       </p:grpSpPr>
       <p:sp>
         <p:nvSpPr>
-          <p:cNvPr id="2" name="Title 1">
-            <a:extLst>
-              <a:ext uri="{FF2B5EF4-FFF2-40B4-BE49-F238E27FC236}">
-                <a16:creationId xmlns:a16="http://schemas.microsoft.com/office/drawing/2014/main" xmlns="" id="{06B0421D-9221-48EE-B1E7-71DFC7E827F5}"/>
-              </a:ext>
-            </a:extLst>
-          </p:cNvPr>
+          <p:cNvPr id="2" name="Title 1"/>
           <p:cNvSpPr>
             <a:spLocks noGrp="1"/>
           </p:cNvSpPr>
           <p:nvPr>
             <p:ph type="title"/>
+          </p:nvPr>
+        </p:nvSpPr>
+        <p:spPr/>
+        <p:txBody>
+          <a:bodyPr/>
+          <a:lstStyle>
+            <a:lvl1pPr>
+              <a:defRPr/>
+            </a:lvl1pPr>
+          </a:lstStyle>
+          <a:p>
+            <a:r>
+              <a:rPr lang="en-US"/>
+              <a:t>Click to edit Master title style</a:t>
+            </a:r>
+          </a:p>
+        </p:txBody>
+      </p:sp>
+      <p:sp>
+        <p:nvSpPr>
+          <p:cNvPr id="3" name="Text Placeholder 2"/>
+          <p:cNvSpPr>
+            <a:spLocks noGrp="1"/>
+          </p:cNvSpPr>
+          <p:nvPr>
+            <p:ph type="body" idx="1"/>
           </p:nvPr>
         </p:nvSpPr>
         <p:spPr>
           <a:xfrm>
-            <a:off x="839788" y="365125"/>
-            <a:ext cx="10515600" cy="1325563"/>
-          </a:xfrm>
-        </p:spPr>
-        <p:txBody>
-          <a:bodyPr/>
-          <a:lstStyle/>
-          <a:p>
-            <a:r>
-              <a:rPr lang="en-US"/>
-              <a:t>Click to edit Master title style</a:t>
-            </a:r>
-          </a:p>
-        </p:txBody>
-      </p:sp>
-      <p:sp>
-        <p:nvSpPr>
-          <p:cNvPr id="3" name="Text Placeholder 2">
-            <a:extLst>
-              <a:ext uri="{FF2B5EF4-FFF2-40B4-BE49-F238E27FC236}">
-                <a16:creationId xmlns:a16="http://schemas.microsoft.com/office/drawing/2014/main" xmlns="" id="{AFDA9614-A301-45F1-9DDB-3B2B3E1F7351}"/>
-              </a:ext>
-            </a:extLst>
-          </p:cNvPr>
-          <p:cNvSpPr>
-            <a:spLocks noGrp="1"/>
-          </p:cNvSpPr>
-          <p:nvPr>
-            <p:ph type="body" idx="1"/>
-          </p:nvPr>
-        </p:nvSpPr>
-        <p:spPr>
-          <a:xfrm>
-            <a:off x="839788" y="1681163"/>
-            <a:ext cx="5157787" cy="823912"/>
+            <a:off x="609600" y="1535113"/>
+            <a:ext cx="5386917" cy="639762"/>
           </a:xfrm>
         </p:spPr>
         <p:txBody>
@@ -1614,13 +1849,7 @@
       </p:sp>
       <p:sp>
         <p:nvSpPr>
-          <p:cNvPr id="4" name="Content Placeholder 3">
-            <a:extLst>
-              <a:ext uri="{FF2B5EF4-FFF2-40B4-BE49-F238E27FC236}">
-                <a16:creationId xmlns:a16="http://schemas.microsoft.com/office/drawing/2014/main" xmlns="" id="{BD499D8E-BA0E-450F-8A91-5746EC45B935}"/>
-              </a:ext>
-            </a:extLst>
-          </p:cNvPr>
+          <p:cNvPr id="4" name="Content Placeholder 3"/>
           <p:cNvSpPr>
             <a:spLocks noGrp="1"/>
           </p:cNvSpPr>
@@ -1630,13 +1859,41 @@
         </p:nvSpPr>
         <p:spPr>
           <a:xfrm>
-            <a:off x="839788" y="2505075"/>
-            <a:ext cx="5157787" cy="3684588"/>
+            <a:off x="609600" y="2174875"/>
+            <a:ext cx="5386917" cy="3951288"/>
           </a:xfrm>
         </p:spPr>
         <p:txBody>
           <a:bodyPr/>
-          <a:lstStyle/>
+          <a:lstStyle>
+            <a:lvl1pPr>
+              <a:defRPr sz="2400"/>
+            </a:lvl1pPr>
+            <a:lvl2pPr>
+              <a:defRPr sz="2000"/>
+            </a:lvl2pPr>
+            <a:lvl3pPr>
+              <a:defRPr sz="1800"/>
+            </a:lvl3pPr>
+            <a:lvl4pPr>
+              <a:defRPr sz="1600"/>
+            </a:lvl4pPr>
+            <a:lvl5pPr>
+              <a:defRPr sz="1600"/>
+            </a:lvl5pPr>
+            <a:lvl6pPr>
+              <a:defRPr sz="1600"/>
+            </a:lvl6pPr>
+            <a:lvl7pPr>
+              <a:defRPr sz="1600"/>
+            </a:lvl7pPr>
+            <a:lvl8pPr>
+              <a:defRPr sz="1600"/>
+            </a:lvl8pPr>
+            <a:lvl9pPr>
+              <a:defRPr sz="1600"/>
+            </a:lvl9pPr>
+          </a:lstStyle>
           <a:p>
             <a:pPr lvl="0"/>
             <a:r>
@@ -1676,13 +1933,7 @@
       </p:sp>
       <p:sp>
         <p:nvSpPr>
-          <p:cNvPr id="5" name="Text Placeholder 4">
-            <a:extLst>
-              <a:ext uri="{FF2B5EF4-FFF2-40B4-BE49-F238E27FC236}">
-                <a16:creationId xmlns:a16="http://schemas.microsoft.com/office/drawing/2014/main" xmlns="" id="{7A0A1EF3-05E7-4EB5-99C3-2986FE7B0EF8}"/>
-              </a:ext>
-            </a:extLst>
-          </p:cNvPr>
+          <p:cNvPr id="5" name="Text Placeholder 4"/>
           <p:cNvSpPr>
             <a:spLocks noGrp="1"/>
           </p:cNvSpPr>
@@ -1692,8 +1943,8 @@
         </p:nvSpPr>
         <p:spPr>
           <a:xfrm>
-            <a:off x="6172200" y="1681163"/>
-            <a:ext cx="5183188" cy="823912"/>
+            <a:off x="6193368" y="1535113"/>
+            <a:ext cx="5389033" cy="639762"/>
           </a:xfrm>
         </p:spPr>
         <p:txBody>
@@ -1747,13 +1998,7 @@
       </p:sp>
       <p:sp>
         <p:nvSpPr>
-          <p:cNvPr id="6" name="Content Placeholder 5">
-            <a:extLst>
-              <a:ext uri="{FF2B5EF4-FFF2-40B4-BE49-F238E27FC236}">
-                <a16:creationId xmlns:a16="http://schemas.microsoft.com/office/drawing/2014/main" xmlns="" id="{11C491E0-E6F0-457B-892E-7D203D036899}"/>
-              </a:ext>
-            </a:extLst>
-          </p:cNvPr>
+          <p:cNvPr id="6" name="Content Placeholder 5"/>
           <p:cNvSpPr>
             <a:spLocks noGrp="1"/>
           </p:cNvSpPr>
@@ -1763,13 +2008,41 @@
         </p:nvSpPr>
         <p:spPr>
           <a:xfrm>
-            <a:off x="6172200" y="2505075"/>
-            <a:ext cx="5183188" cy="3684588"/>
+            <a:off x="6193368" y="2174875"/>
+            <a:ext cx="5389033" cy="3951288"/>
           </a:xfrm>
         </p:spPr>
         <p:txBody>
           <a:bodyPr/>
-          <a:lstStyle/>
+          <a:lstStyle>
+            <a:lvl1pPr>
+              <a:defRPr sz="2400"/>
+            </a:lvl1pPr>
+            <a:lvl2pPr>
+              <a:defRPr sz="2000"/>
+            </a:lvl2pPr>
+            <a:lvl3pPr>
+              <a:defRPr sz="1800"/>
+            </a:lvl3pPr>
+            <a:lvl4pPr>
+              <a:defRPr sz="1600"/>
+            </a:lvl4pPr>
+            <a:lvl5pPr>
+              <a:defRPr sz="1600"/>
+            </a:lvl5pPr>
+            <a:lvl6pPr>
+              <a:defRPr sz="1600"/>
+            </a:lvl6pPr>
+            <a:lvl7pPr>
+              <a:defRPr sz="1600"/>
+            </a:lvl7pPr>
+            <a:lvl8pPr>
+              <a:defRPr sz="1600"/>
+            </a:lvl8pPr>
+            <a:lvl9pPr>
+              <a:defRPr sz="1600"/>
+            </a:lvl9pPr>
+          </a:lstStyle>
           <a:p>
             <a:pPr lvl="0"/>
             <a:r>
@@ -1809,13 +2082,7 @@
       </p:sp>
       <p:sp>
         <p:nvSpPr>
-          <p:cNvPr id="7" name="Date Placeholder 6">
-            <a:extLst>
-              <a:ext uri="{FF2B5EF4-FFF2-40B4-BE49-F238E27FC236}">
-                <a16:creationId xmlns:a16="http://schemas.microsoft.com/office/drawing/2014/main" xmlns="" id="{A7175E98-7708-4D24-8906-7C9406213202}"/>
-              </a:ext>
-            </a:extLst>
-          </p:cNvPr>
+          <p:cNvPr id="7" name="Date Placeholder 6"/>
           <p:cNvSpPr>
             <a:spLocks noGrp="1"/>
           </p:cNvSpPr>
@@ -1828,9 +2095,9 @@
           <a:bodyPr/>
           <a:lstStyle/>
           <a:p>
-            <a:fld id="{F657B805-F065-4DDD-821B-D6FAE50E53FB}" type="datetimeFigureOut">
+            <a:fld id="{589E5873-CF7F-45F3-B283-E59B1D6F242C}" type="datetimeFigureOut">
               <a:rPr lang="en-US" smtClean="0"/>
-              <a:t>12/10/2018</a:t>
+              <a:t>12/11/2018</a:t>
             </a:fld>
             <a:endParaRPr lang="en-US"/>
           </a:p>
@@ -1838,13 +2105,7 @@
       </p:sp>
       <p:sp>
         <p:nvSpPr>
-          <p:cNvPr id="8" name="Footer Placeholder 7">
-            <a:extLst>
-              <a:ext uri="{FF2B5EF4-FFF2-40B4-BE49-F238E27FC236}">
-                <a16:creationId xmlns:a16="http://schemas.microsoft.com/office/drawing/2014/main" xmlns="" id="{827E26C2-4BF9-4302-ADBC-43EBA58177CE}"/>
-              </a:ext>
-            </a:extLst>
-          </p:cNvPr>
+          <p:cNvPr id="8" name="Footer Placeholder 7"/>
           <p:cNvSpPr>
             <a:spLocks noGrp="1"/>
           </p:cNvSpPr>
@@ -1863,13 +2124,7 @@
       </p:sp>
       <p:sp>
         <p:nvSpPr>
-          <p:cNvPr id="9" name="Slide Number Placeholder 8">
-            <a:extLst>
-              <a:ext uri="{FF2B5EF4-FFF2-40B4-BE49-F238E27FC236}">
-                <a16:creationId xmlns:a16="http://schemas.microsoft.com/office/drawing/2014/main" xmlns="" id="{C88E9472-04C6-4B80-B135-A45B80976250}"/>
-              </a:ext>
-            </a:extLst>
-          </p:cNvPr>
+          <p:cNvPr id="9" name="Slide Number Placeholder 8"/>
           <p:cNvSpPr>
             <a:spLocks noGrp="1"/>
           </p:cNvSpPr>
@@ -1882,7 +2137,7 @@
           <a:bodyPr/>
           <a:lstStyle/>
           <a:p>
-            <a:fld id="{8E408288-2A05-4C1E-8BB7-913485736462}" type="slidenum">
+            <a:fld id="{4EC170A7-7868-4A85-B1AF-80DAB1CAA9AE}" type="slidenum">
               <a:rPr lang="en-US" smtClean="0"/>
               <a:t>‹#›</a:t>
             </a:fld>
@@ -1893,7 +2148,7 @@
     </p:spTree>
     <p:extLst>
       <p:ext uri="{BB962C8B-B14F-4D97-AF65-F5344CB8AC3E}">
-        <p14:creationId xmlns:p14="http://schemas.microsoft.com/office/powerpoint/2010/main" val="2386049754"/>
+        <p14:creationId xmlns:p14="http://schemas.microsoft.com/office/powerpoint/2010/main" val="2119357925"/>
       </p:ext>
     </p:extLst>
   </p:cSld>
@@ -1903,7 +2158,7 @@
 </p:sldLayout>
 </file>
 
-<file path=ppt/slideLayouts/slideLayout6.xml><?xml version="1.0" encoding="utf-8"?>
+<file path=ppt/slideLayouts/slideLayout17.xml><?xml version="1.0" encoding="utf-8"?>
 <p:sldLayout xmlns:a="http://schemas.openxmlformats.org/drawingml/2006/main" xmlns:r="http://schemas.openxmlformats.org/officeDocument/2006/relationships" xmlns:p="http://schemas.openxmlformats.org/presentationml/2006/main" type="titleOnly" preserve="1">
   <p:cSld name="Title Only">
     <p:spTree>
@@ -1922,13 +2177,7 @@
       </p:grpSpPr>
       <p:sp>
         <p:nvSpPr>
-          <p:cNvPr id="2" name="Title 1">
-            <a:extLst>
-              <a:ext uri="{FF2B5EF4-FFF2-40B4-BE49-F238E27FC236}">
-                <a16:creationId xmlns:a16="http://schemas.microsoft.com/office/drawing/2014/main" xmlns="" id="{904C576B-6373-4787-A3E3-4953AFC7B5E2}"/>
-              </a:ext>
-            </a:extLst>
-          </p:cNvPr>
+          <p:cNvPr id="2" name="Title 1"/>
           <p:cNvSpPr>
             <a:spLocks noGrp="1"/>
           </p:cNvSpPr>
@@ -1950,13 +2199,7 @@
       </p:sp>
       <p:sp>
         <p:nvSpPr>
-          <p:cNvPr id="3" name="Date Placeholder 2">
-            <a:extLst>
-              <a:ext uri="{FF2B5EF4-FFF2-40B4-BE49-F238E27FC236}">
-                <a16:creationId xmlns:a16="http://schemas.microsoft.com/office/drawing/2014/main" xmlns="" id="{DED44607-E696-4975-8302-84439E0DCF0E}"/>
-              </a:ext>
-            </a:extLst>
-          </p:cNvPr>
+          <p:cNvPr id="3" name="Date Placeholder 2"/>
           <p:cNvSpPr>
             <a:spLocks noGrp="1"/>
           </p:cNvSpPr>
@@ -1969,9 +2212,9 @@
           <a:bodyPr/>
           <a:lstStyle/>
           <a:p>
-            <a:fld id="{F657B805-F065-4DDD-821B-D6FAE50E53FB}" type="datetimeFigureOut">
+            <a:fld id="{589E5873-CF7F-45F3-B283-E59B1D6F242C}" type="datetimeFigureOut">
               <a:rPr lang="en-US" smtClean="0"/>
-              <a:t>12/10/2018</a:t>
+              <a:t>12/11/2018</a:t>
             </a:fld>
             <a:endParaRPr lang="en-US"/>
           </a:p>
@@ -1979,13 +2222,7 @@
       </p:sp>
       <p:sp>
         <p:nvSpPr>
-          <p:cNvPr id="4" name="Footer Placeholder 3">
-            <a:extLst>
-              <a:ext uri="{FF2B5EF4-FFF2-40B4-BE49-F238E27FC236}">
-                <a16:creationId xmlns:a16="http://schemas.microsoft.com/office/drawing/2014/main" xmlns="" id="{DD7A471B-88D2-4E0B-B1E4-6C259AAC16CC}"/>
-              </a:ext>
-            </a:extLst>
-          </p:cNvPr>
+          <p:cNvPr id="4" name="Footer Placeholder 3"/>
           <p:cNvSpPr>
             <a:spLocks noGrp="1"/>
           </p:cNvSpPr>
@@ -2004,13 +2241,7 @@
       </p:sp>
       <p:sp>
         <p:nvSpPr>
-          <p:cNvPr id="5" name="Slide Number Placeholder 4">
-            <a:extLst>
-              <a:ext uri="{FF2B5EF4-FFF2-40B4-BE49-F238E27FC236}">
-                <a16:creationId xmlns:a16="http://schemas.microsoft.com/office/drawing/2014/main" xmlns="" id="{7C8E80B3-3D3C-4982-AC1D-66E534D6C3F6}"/>
-              </a:ext>
-            </a:extLst>
-          </p:cNvPr>
+          <p:cNvPr id="5" name="Slide Number Placeholder 4"/>
           <p:cNvSpPr>
             <a:spLocks noGrp="1"/>
           </p:cNvSpPr>
@@ -2023,7 +2254,7 @@
           <a:bodyPr/>
           <a:lstStyle/>
           <a:p>
-            <a:fld id="{8E408288-2A05-4C1E-8BB7-913485736462}" type="slidenum">
+            <a:fld id="{4EC170A7-7868-4A85-B1AF-80DAB1CAA9AE}" type="slidenum">
               <a:rPr lang="en-US" smtClean="0"/>
               <a:t>‹#›</a:t>
             </a:fld>
@@ -2034,7 +2265,7 @@
     </p:spTree>
     <p:extLst>
       <p:ext uri="{BB962C8B-B14F-4D97-AF65-F5344CB8AC3E}">
-        <p14:creationId xmlns:p14="http://schemas.microsoft.com/office/powerpoint/2010/main" val="1946312223"/>
+        <p14:creationId xmlns:p14="http://schemas.microsoft.com/office/powerpoint/2010/main" val="3385004417"/>
       </p:ext>
     </p:extLst>
   </p:cSld>
@@ -2044,7 +2275,7 @@
 </p:sldLayout>
 </file>
 
-<file path=ppt/slideLayouts/slideLayout7.xml><?xml version="1.0" encoding="utf-8"?>
+<file path=ppt/slideLayouts/slideLayout18.xml><?xml version="1.0" encoding="utf-8"?>
 <p:sldLayout xmlns:a="http://schemas.openxmlformats.org/drawingml/2006/main" xmlns:r="http://schemas.openxmlformats.org/officeDocument/2006/relationships" xmlns:p="http://schemas.openxmlformats.org/presentationml/2006/main" type="blank" preserve="1">
   <p:cSld name="Blank">
     <p:spTree>
@@ -2063,13 +2294,7 @@
       </p:grpSpPr>
       <p:sp>
         <p:nvSpPr>
-          <p:cNvPr id="2" name="Date Placeholder 1">
-            <a:extLst>
-              <a:ext uri="{FF2B5EF4-FFF2-40B4-BE49-F238E27FC236}">
-                <a16:creationId xmlns:a16="http://schemas.microsoft.com/office/drawing/2014/main" xmlns="" id="{8491DB32-BAE3-49A2-B494-47A0F38F1C2E}"/>
-              </a:ext>
-            </a:extLst>
-          </p:cNvPr>
+          <p:cNvPr id="2" name="Date Placeholder 1"/>
           <p:cNvSpPr>
             <a:spLocks noGrp="1"/>
           </p:cNvSpPr>
@@ -2082,9 +2307,9 @@
           <a:bodyPr/>
           <a:lstStyle/>
           <a:p>
-            <a:fld id="{F657B805-F065-4DDD-821B-D6FAE50E53FB}" type="datetimeFigureOut">
+            <a:fld id="{589E5873-CF7F-45F3-B283-E59B1D6F242C}" type="datetimeFigureOut">
               <a:rPr lang="en-US" smtClean="0"/>
-              <a:t>12/10/2018</a:t>
+              <a:t>12/11/2018</a:t>
             </a:fld>
             <a:endParaRPr lang="en-US"/>
           </a:p>
@@ -2092,13 +2317,7 @@
       </p:sp>
       <p:sp>
         <p:nvSpPr>
-          <p:cNvPr id="3" name="Footer Placeholder 2">
-            <a:extLst>
-              <a:ext uri="{FF2B5EF4-FFF2-40B4-BE49-F238E27FC236}">
-                <a16:creationId xmlns:a16="http://schemas.microsoft.com/office/drawing/2014/main" xmlns="" id="{76B98B1C-345A-43F8-B2D1-5765D0AC6182}"/>
-              </a:ext>
-            </a:extLst>
-          </p:cNvPr>
+          <p:cNvPr id="3" name="Footer Placeholder 2"/>
           <p:cNvSpPr>
             <a:spLocks noGrp="1"/>
           </p:cNvSpPr>
@@ -2117,13 +2336,7 @@
       </p:sp>
       <p:sp>
         <p:nvSpPr>
-          <p:cNvPr id="4" name="Slide Number Placeholder 3">
-            <a:extLst>
-              <a:ext uri="{FF2B5EF4-FFF2-40B4-BE49-F238E27FC236}">
-                <a16:creationId xmlns:a16="http://schemas.microsoft.com/office/drawing/2014/main" xmlns="" id="{2577130B-83B1-4B9B-8043-11E3D6DEAE0E}"/>
-              </a:ext>
-            </a:extLst>
-          </p:cNvPr>
+          <p:cNvPr id="4" name="Slide Number Placeholder 3"/>
           <p:cNvSpPr>
             <a:spLocks noGrp="1"/>
           </p:cNvSpPr>
@@ -2136,7 +2349,7 @@
           <a:bodyPr/>
           <a:lstStyle/>
           <a:p>
-            <a:fld id="{8E408288-2A05-4C1E-8BB7-913485736462}" type="slidenum">
+            <a:fld id="{4EC170A7-7868-4A85-B1AF-80DAB1CAA9AE}" type="slidenum">
               <a:rPr lang="en-US" smtClean="0"/>
               <a:t>‹#›</a:t>
             </a:fld>
@@ -2147,7 +2360,7 @@
     </p:spTree>
     <p:extLst>
       <p:ext uri="{BB962C8B-B14F-4D97-AF65-F5344CB8AC3E}">
-        <p14:creationId xmlns:p14="http://schemas.microsoft.com/office/powerpoint/2010/main" val="3691103869"/>
+        <p14:creationId xmlns:p14="http://schemas.microsoft.com/office/powerpoint/2010/main" val="1382329489"/>
       </p:ext>
     </p:extLst>
   </p:cSld>
@@ -2157,7 +2370,7 @@
 </p:sldLayout>
 </file>
 
-<file path=ppt/slideLayouts/slideLayout8.xml><?xml version="1.0" encoding="utf-8"?>
+<file path=ppt/slideLayouts/slideLayout19.xml><?xml version="1.0" encoding="utf-8"?>
 <p:sldLayout xmlns:a="http://schemas.openxmlformats.org/drawingml/2006/main" xmlns:r="http://schemas.openxmlformats.org/officeDocument/2006/relationships" xmlns:p="http://schemas.openxmlformats.org/presentationml/2006/main" type="objTx" preserve="1">
   <p:cSld name="Content with Caption">
     <p:spTree>
@@ -2176,13 +2389,7 @@
       </p:grpSpPr>
       <p:sp>
         <p:nvSpPr>
-          <p:cNvPr id="2" name="Title 1">
-            <a:extLst>
-              <a:ext uri="{FF2B5EF4-FFF2-40B4-BE49-F238E27FC236}">
-                <a16:creationId xmlns:a16="http://schemas.microsoft.com/office/drawing/2014/main" xmlns="" id="{FB4C293E-6DD6-4958-AAC9-9C20BB5165CB}"/>
-              </a:ext>
-            </a:extLst>
-          </p:cNvPr>
+          <p:cNvPr id="2" name="Title 1"/>
           <p:cNvSpPr>
             <a:spLocks noGrp="1"/>
           </p:cNvSpPr>
@@ -2192,15 +2399,15 @@
         </p:nvSpPr>
         <p:spPr>
           <a:xfrm>
-            <a:off x="839788" y="457200"/>
-            <a:ext cx="3932237" cy="1600200"/>
+            <a:off x="609601" y="273050"/>
+            <a:ext cx="4011084" cy="1162050"/>
           </a:xfrm>
         </p:spPr>
         <p:txBody>
           <a:bodyPr anchor="b"/>
           <a:lstStyle>
-            <a:lvl1pPr>
-              <a:defRPr sz="3200"/>
+            <a:lvl1pPr algn="l">
+              <a:defRPr sz="2000" b="1"/>
             </a:lvl1pPr>
           </a:lstStyle>
           <a:p>
@@ -2213,13 +2420,7 @@
       </p:sp>
       <p:sp>
         <p:nvSpPr>
-          <p:cNvPr id="3" name="Content Placeholder 2">
-            <a:extLst>
-              <a:ext uri="{FF2B5EF4-FFF2-40B4-BE49-F238E27FC236}">
-                <a16:creationId xmlns:a16="http://schemas.microsoft.com/office/drawing/2014/main" xmlns="" id="{E08F65BD-3418-4F1F-BE4C-A31C7A154580}"/>
-              </a:ext>
-            </a:extLst>
-          </p:cNvPr>
+          <p:cNvPr id="3" name="Content Placeholder 2"/>
           <p:cNvSpPr>
             <a:spLocks noGrp="1"/>
           </p:cNvSpPr>
@@ -2229,8 +2430,8 @@
         </p:nvSpPr>
         <p:spPr>
           <a:xfrm>
-            <a:off x="5183188" y="987425"/>
-            <a:ext cx="6172200" cy="4873625"/>
+            <a:off x="4766733" y="273051"/>
+            <a:ext cx="6815667" cy="5853113"/>
           </a:xfrm>
         </p:spPr>
         <p:txBody>
@@ -2303,10 +2504,2430 @@
       </p:sp>
       <p:sp>
         <p:nvSpPr>
+          <p:cNvPr id="4" name="Text Placeholder 3"/>
+          <p:cNvSpPr>
+            <a:spLocks noGrp="1"/>
+          </p:cNvSpPr>
+          <p:nvPr>
+            <p:ph type="body" sz="half" idx="2"/>
+          </p:nvPr>
+        </p:nvSpPr>
+        <p:spPr>
+          <a:xfrm>
+            <a:off x="609601" y="1435101"/>
+            <a:ext cx="4011084" cy="4691063"/>
+          </a:xfrm>
+        </p:spPr>
+        <p:txBody>
+          <a:bodyPr/>
+          <a:lstStyle>
+            <a:lvl1pPr marL="0" indent="0">
+              <a:buNone/>
+              <a:defRPr sz="1400"/>
+            </a:lvl1pPr>
+            <a:lvl2pPr marL="457200" indent="0">
+              <a:buNone/>
+              <a:defRPr sz="1200"/>
+            </a:lvl2pPr>
+            <a:lvl3pPr marL="914400" indent="0">
+              <a:buNone/>
+              <a:defRPr sz="1000"/>
+            </a:lvl3pPr>
+            <a:lvl4pPr marL="1371600" indent="0">
+              <a:buNone/>
+              <a:defRPr sz="900"/>
+            </a:lvl4pPr>
+            <a:lvl5pPr marL="1828800" indent="0">
+              <a:buNone/>
+              <a:defRPr sz="900"/>
+            </a:lvl5pPr>
+            <a:lvl6pPr marL="2286000" indent="0">
+              <a:buNone/>
+              <a:defRPr sz="900"/>
+            </a:lvl6pPr>
+            <a:lvl7pPr marL="2743200" indent="0">
+              <a:buNone/>
+              <a:defRPr sz="900"/>
+            </a:lvl7pPr>
+            <a:lvl8pPr marL="3200400" indent="0">
+              <a:buNone/>
+              <a:defRPr sz="900"/>
+            </a:lvl8pPr>
+            <a:lvl9pPr marL="3657600" indent="0">
+              <a:buNone/>
+              <a:defRPr sz="900"/>
+            </a:lvl9pPr>
+          </a:lstStyle>
+          <a:p>
+            <a:pPr lvl="0"/>
+            <a:r>
+              <a:rPr lang="en-US"/>
+              <a:t>Edit Master text styles</a:t>
+            </a:r>
+          </a:p>
+        </p:txBody>
+      </p:sp>
+      <p:sp>
+        <p:nvSpPr>
+          <p:cNvPr id="5" name="Date Placeholder 4"/>
+          <p:cNvSpPr>
+            <a:spLocks noGrp="1"/>
+          </p:cNvSpPr>
+          <p:nvPr>
+            <p:ph type="dt" sz="half" idx="10"/>
+          </p:nvPr>
+        </p:nvSpPr>
+        <p:spPr/>
+        <p:txBody>
+          <a:bodyPr/>
+          <a:lstStyle/>
+          <a:p>
+            <a:fld id="{589E5873-CF7F-45F3-B283-E59B1D6F242C}" type="datetimeFigureOut">
+              <a:rPr lang="en-US" smtClean="0"/>
+              <a:t>12/11/2018</a:t>
+            </a:fld>
+            <a:endParaRPr lang="en-US"/>
+          </a:p>
+        </p:txBody>
+      </p:sp>
+      <p:sp>
+        <p:nvSpPr>
+          <p:cNvPr id="6" name="Footer Placeholder 5"/>
+          <p:cNvSpPr>
+            <a:spLocks noGrp="1"/>
+          </p:cNvSpPr>
+          <p:nvPr>
+            <p:ph type="ftr" sz="quarter" idx="11"/>
+          </p:nvPr>
+        </p:nvSpPr>
+        <p:spPr/>
+        <p:txBody>
+          <a:bodyPr/>
+          <a:lstStyle/>
+          <a:p>
+            <a:endParaRPr lang="en-US"/>
+          </a:p>
+        </p:txBody>
+      </p:sp>
+      <p:sp>
+        <p:nvSpPr>
+          <p:cNvPr id="7" name="Slide Number Placeholder 6"/>
+          <p:cNvSpPr>
+            <a:spLocks noGrp="1"/>
+          </p:cNvSpPr>
+          <p:nvPr>
+            <p:ph type="sldNum" sz="quarter" idx="12"/>
+          </p:nvPr>
+        </p:nvSpPr>
+        <p:spPr/>
+        <p:txBody>
+          <a:bodyPr/>
+          <a:lstStyle/>
+          <a:p>
+            <a:fld id="{4EC170A7-7868-4A85-B1AF-80DAB1CAA9AE}" type="slidenum">
+              <a:rPr lang="en-US" smtClean="0"/>
+              <a:t>‹#›</a:t>
+            </a:fld>
+            <a:endParaRPr lang="en-US"/>
+          </a:p>
+        </p:txBody>
+      </p:sp>
+    </p:spTree>
+    <p:extLst>
+      <p:ext uri="{BB962C8B-B14F-4D97-AF65-F5344CB8AC3E}">
+        <p14:creationId xmlns:p14="http://schemas.microsoft.com/office/powerpoint/2010/main" val="3100157785"/>
+      </p:ext>
+    </p:extLst>
+  </p:cSld>
+  <p:clrMapOvr>
+    <a:masterClrMapping/>
+  </p:clrMapOvr>
+</p:sldLayout>
+</file>
+
+<file path=ppt/slideLayouts/slideLayout2.xml><?xml version="1.0" encoding="utf-8"?>
+<p:sldLayout xmlns:a="http://schemas.openxmlformats.org/drawingml/2006/main" xmlns:r="http://schemas.openxmlformats.org/officeDocument/2006/relationships" xmlns:p="http://schemas.openxmlformats.org/presentationml/2006/main" type="obj" preserve="1">
+  <p:cSld name="Title and Content">
+    <p:spTree>
+      <p:nvGrpSpPr>
+        <p:cNvPr id="1" name=""/>
+        <p:cNvGrpSpPr/>
+        <p:nvPr/>
+      </p:nvGrpSpPr>
+      <p:grpSpPr>
+        <a:xfrm>
+          <a:off x="0" y="0"/>
+          <a:ext cx="0" cy="0"/>
+          <a:chOff x="0" y="0"/>
+          <a:chExt cx="0" cy="0"/>
+        </a:xfrm>
+      </p:grpSpPr>
+      <p:sp>
+        <p:nvSpPr>
+          <p:cNvPr id="2" name="Title 1">
+            <a:extLst>
+              <a:ext uri="{FF2B5EF4-FFF2-40B4-BE49-F238E27FC236}">
+                <a16:creationId xmlns:a16="http://schemas.microsoft.com/office/drawing/2014/main" id="{6C17425C-18D3-491A-B44C-33310DF00363}"/>
+              </a:ext>
+            </a:extLst>
+          </p:cNvPr>
+          <p:cNvSpPr>
+            <a:spLocks noGrp="1"/>
+          </p:cNvSpPr>
+          <p:nvPr>
+            <p:ph type="title"/>
+          </p:nvPr>
+        </p:nvSpPr>
+        <p:spPr/>
+        <p:txBody>
+          <a:bodyPr/>
+          <a:lstStyle/>
+          <a:p>
+            <a:r>
+              <a:rPr lang="en-US"/>
+              <a:t>Click to edit Master title style</a:t>
+            </a:r>
+            <a:endParaRPr lang="en-US" dirty="0"/>
+          </a:p>
+        </p:txBody>
+      </p:sp>
+      <p:sp>
+        <p:nvSpPr>
+          <p:cNvPr id="3" name="Content Placeholder 2">
+            <a:extLst>
+              <a:ext uri="{FF2B5EF4-FFF2-40B4-BE49-F238E27FC236}">
+                <a16:creationId xmlns:a16="http://schemas.microsoft.com/office/drawing/2014/main" id="{690EA820-1375-49CA-A199-58675EA20385}"/>
+              </a:ext>
+            </a:extLst>
+          </p:cNvPr>
+          <p:cNvSpPr>
+            <a:spLocks noGrp="1"/>
+          </p:cNvSpPr>
+          <p:nvPr>
+            <p:ph idx="1"/>
+          </p:nvPr>
+        </p:nvSpPr>
+        <p:spPr/>
+        <p:txBody>
+          <a:bodyPr/>
+          <a:lstStyle>
+            <a:lvl2pPr marL="685800" indent="-228600">
+              <a:buFont typeface="Courier New" panose="02070309020205020404" pitchFamily="49" charset="0"/>
+              <a:buChar char="o"/>
+              <a:defRPr/>
+            </a:lvl2pPr>
+            <a:lvl3pPr marL="1143000" indent="-228600">
+              <a:buFont typeface="Wingdings" panose="05000000000000000000" pitchFamily="2" charset="2"/>
+              <a:buChar char="§"/>
+              <a:defRPr/>
+            </a:lvl3pPr>
+          </a:lstStyle>
+          <a:p>
+            <a:pPr lvl="0"/>
+            <a:r>
+              <a:rPr lang="en-US"/>
+              <a:t>Edit Master text styles</a:t>
+            </a:r>
+          </a:p>
+          <a:p>
+            <a:pPr lvl="1"/>
+            <a:r>
+              <a:rPr lang="en-US"/>
+              <a:t>Second level</a:t>
+            </a:r>
+          </a:p>
+          <a:p>
+            <a:pPr lvl="2"/>
+            <a:r>
+              <a:rPr lang="en-US"/>
+              <a:t>Third level</a:t>
+            </a:r>
+          </a:p>
+          <a:p>
+            <a:pPr lvl="3"/>
+            <a:r>
+              <a:rPr lang="en-US"/>
+              <a:t>Fourth level</a:t>
+            </a:r>
+          </a:p>
+          <a:p>
+            <a:pPr lvl="4"/>
+            <a:r>
+              <a:rPr lang="en-US"/>
+              <a:t>Fifth level</a:t>
+            </a:r>
+            <a:endParaRPr lang="en-US" dirty="0"/>
+          </a:p>
+        </p:txBody>
+      </p:sp>
+      <p:sp>
+        <p:nvSpPr>
+          <p:cNvPr id="5" name="Footer Placeholder 4">
+            <a:extLst>
+              <a:ext uri="{FF2B5EF4-FFF2-40B4-BE49-F238E27FC236}">
+                <a16:creationId xmlns:a16="http://schemas.microsoft.com/office/drawing/2014/main" id="{2E02902E-6772-48E0-9C32-694AC3F38F05}"/>
+              </a:ext>
+            </a:extLst>
+          </p:cNvPr>
+          <p:cNvSpPr>
+            <a:spLocks noGrp="1"/>
+          </p:cNvSpPr>
+          <p:nvPr>
+            <p:ph type="ftr" sz="quarter" idx="11"/>
+          </p:nvPr>
+        </p:nvSpPr>
+        <p:spPr/>
+        <p:txBody>
+          <a:bodyPr/>
+          <a:lstStyle/>
+          <a:p>
+            <a:endParaRPr lang="en-US"/>
+          </a:p>
+        </p:txBody>
+      </p:sp>
+      <p:grpSp>
+        <p:nvGrpSpPr>
+          <p:cNvPr id="7" name="Group 6">
+            <a:extLst>
+              <a:ext uri="{FF2B5EF4-FFF2-40B4-BE49-F238E27FC236}">
+                <a16:creationId xmlns:a16="http://schemas.microsoft.com/office/drawing/2014/main" id="{298F834E-EBF3-46CA-A2EC-73D50440B60A}"/>
+              </a:ext>
+            </a:extLst>
+          </p:cNvPr>
+          <p:cNvGrpSpPr/>
+          <p:nvPr/>
+        </p:nvGrpSpPr>
+        <p:grpSpPr>
+          <a:xfrm>
+            <a:off x="9460175" y="5892139"/>
+            <a:ext cx="2606722" cy="928422"/>
+            <a:chOff x="0" y="4684383"/>
+            <a:chExt cx="1175626" cy="447549"/>
+          </a:xfrm>
+        </p:grpSpPr>
+        <p:pic>
+          <p:nvPicPr>
+            <p:cNvPr id="8" name="Picture 7">
+              <a:extLst>
+                <a:ext uri="{FF2B5EF4-FFF2-40B4-BE49-F238E27FC236}">
+                  <a16:creationId xmlns:a16="http://schemas.microsoft.com/office/drawing/2014/main" id="{EB3E9659-0155-4ABB-9E67-A5BD8C5D39FB}"/>
+                </a:ext>
+              </a:extLst>
+            </p:cNvPr>
+            <p:cNvPicPr>
+              <a:picLocks noChangeAspect="1"/>
+            </p:cNvPicPr>
+            <p:nvPr userDrawn="1"/>
+          </p:nvPicPr>
+          <p:blipFill>
+            <a:blip r:embed="rId2" cstate="print">
+              <a:extLst>
+                <a:ext uri="{28A0092B-C50C-407E-A947-70E740481C1C}">
+                  <a14:useLocalDpi xmlns:a14="http://schemas.microsoft.com/office/drawing/2010/main" val="0"/>
+                </a:ext>
+              </a:extLst>
+            </a:blip>
+            <a:stretch>
+              <a:fillRect/>
+            </a:stretch>
+          </p:blipFill>
+          <p:spPr>
+            <a:xfrm>
+              <a:off x="0" y="4705350"/>
+              <a:ext cx="775817" cy="426582"/>
+            </a:xfrm>
+            <a:prstGeom prst="rect">
+              <a:avLst/>
+            </a:prstGeom>
+          </p:spPr>
+        </p:pic>
+        <p:pic>
+          <p:nvPicPr>
+            <p:cNvPr id="9" name="Picture 8">
+              <a:extLst>
+                <a:ext uri="{FF2B5EF4-FFF2-40B4-BE49-F238E27FC236}">
+                  <a16:creationId xmlns:a16="http://schemas.microsoft.com/office/drawing/2014/main" id="{1798BE8B-8B5E-4738-8DF7-8EF166351FDC}"/>
+                </a:ext>
+              </a:extLst>
+            </p:cNvPr>
+            <p:cNvPicPr>
+              <a:picLocks noChangeAspect="1"/>
+            </p:cNvPicPr>
+            <p:nvPr userDrawn="1"/>
+          </p:nvPicPr>
+          <p:blipFill>
+            <a:blip r:embed="rId3" cstate="print">
+              <a:extLst>
+                <a:ext uri="{28A0092B-C50C-407E-A947-70E740481C1C}">
+                  <a14:useLocalDpi xmlns:a14="http://schemas.microsoft.com/office/drawing/2010/main" val="0"/>
+                </a:ext>
+              </a:extLst>
+            </a:blip>
+            <a:stretch>
+              <a:fillRect/>
+            </a:stretch>
+          </p:blipFill>
+          <p:spPr>
+            <a:xfrm>
+              <a:off x="799685" y="4684383"/>
+              <a:ext cx="375941" cy="447549"/>
+            </a:xfrm>
+            <a:prstGeom prst="rect">
+              <a:avLst/>
+            </a:prstGeom>
+          </p:spPr>
+        </p:pic>
+      </p:grpSp>
+    </p:spTree>
+    <p:extLst>
+      <p:ext uri="{BB962C8B-B14F-4D97-AF65-F5344CB8AC3E}">
+        <p14:creationId xmlns:p14="http://schemas.microsoft.com/office/powerpoint/2010/main" val="3141356693"/>
+      </p:ext>
+    </p:extLst>
+  </p:cSld>
+  <p:clrMapOvr>
+    <a:masterClrMapping/>
+  </p:clrMapOvr>
+</p:sldLayout>
+</file>
+
+<file path=ppt/slideLayouts/slideLayout20.xml><?xml version="1.0" encoding="utf-8"?>
+<p:sldLayout xmlns:a="http://schemas.openxmlformats.org/drawingml/2006/main" xmlns:r="http://schemas.openxmlformats.org/officeDocument/2006/relationships" xmlns:p="http://schemas.openxmlformats.org/presentationml/2006/main" type="picTx" preserve="1">
+  <p:cSld name="Picture with Caption">
+    <p:spTree>
+      <p:nvGrpSpPr>
+        <p:cNvPr id="1" name=""/>
+        <p:cNvGrpSpPr/>
+        <p:nvPr/>
+      </p:nvGrpSpPr>
+      <p:grpSpPr>
+        <a:xfrm>
+          <a:off x="0" y="0"/>
+          <a:ext cx="0" cy="0"/>
+          <a:chOff x="0" y="0"/>
+          <a:chExt cx="0" cy="0"/>
+        </a:xfrm>
+      </p:grpSpPr>
+      <p:sp>
+        <p:nvSpPr>
+          <p:cNvPr id="2" name="Title 1"/>
+          <p:cNvSpPr>
+            <a:spLocks noGrp="1"/>
+          </p:cNvSpPr>
+          <p:nvPr>
+            <p:ph type="title"/>
+          </p:nvPr>
+        </p:nvSpPr>
+        <p:spPr>
+          <a:xfrm>
+            <a:off x="2389717" y="4800600"/>
+            <a:ext cx="7315200" cy="566738"/>
+          </a:xfrm>
+        </p:spPr>
+        <p:txBody>
+          <a:bodyPr anchor="b"/>
+          <a:lstStyle>
+            <a:lvl1pPr algn="l">
+              <a:defRPr sz="2000" b="1"/>
+            </a:lvl1pPr>
+          </a:lstStyle>
+          <a:p>
+            <a:r>
+              <a:rPr lang="en-US"/>
+              <a:t>Click to edit Master title style</a:t>
+            </a:r>
+          </a:p>
+        </p:txBody>
+      </p:sp>
+      <p:sp>
+        <p:nvSpPr>
+          <p:cNvPr id="3" name="Picture Placeholder 2"/>
+          <p:cNvSpPr>
+            <a:spLocks noGrp="1"/>
+          </p:cNvSpPr>
+          <p:nvPr>
+            <p:ph type="pic" idx="1"/>
+          </p:nvPr>
+        </p:nvSpPr>
+        <p:spPr>
+          <a:xfrm>
+            <a:off x="2389717" y="612775"/>
+            <a:ext cx="7315200" cy="4114800"/>
+          </a:xfrm>
+        </p:spPr>
+        <p:txBody>
+          <a:bodyPr/>
+          <a:lstStyle>
+            <a:lvl1pPr marL="0" indent="0">
+              <a:buNone/>
+              <a:defRPr sz="3200"/>
+            </a:lvl1pPr>
+            <a:lvl2pPr marL="457200" indent="0">
+              <a:buNone/>
+              <a:defRPr sz="2800"/>
+            </a:lvl2pPr>
+            <a:lvl3pPr marL="914400" indent="0">
+              <a:buNone/>
+              <a:defRPr sz="2400"/>
+            </a:lvl3pPr>
+            <a:lvl4pPr marL="1371600" indent="0">
+              <a:buNone/>
+              <a:defRPr sz="2000"/>
+            </a:lvl4pPr>
+            <a:lvl5pPr marL="1828800" indent="0">
+              <a:buNone/>
+              <a:defRPr sz="2000"/>
+            </a:lvl5pPr>
+            <a:lvl6pPr marL="2286000" indent="0">
+              <a:buNone/>
+              <a:defRPr sz="2000"/>
+            </a:lvl6pPr>
+            <a:lvl7pPr marL="2743200" indent="0">
+              <a:buNone/>
+              <a:defRPr sz="2000"/>
+            </a:lvl7pPr>
+            <a:lvl8pPr marL="3200400" indent="0">
+              <a:buNone/>
+              <a:defRPr sz="2000"/>
+            </a:lvl8pPr>
+            <a:lvl9pPr marL="3657600" indent="0">
+              <a:buNone/>
+              <a:defRPr sz="2000"/>
+            </a:lvl9pPr>
+          </a:lstStyle>
+          <a:p>
+            <a:r>
+              <a:rPr lang="en-US"/>
+              <a:t>Click icon to add picture</a:t>
+            </a:r>
+          </a:p>
+        </p:txBody>
+      </p:sp>
+      <p:sp>
+        <p:nvSpPr>
+          <p:cNvPr id="4" name="Text Placeholder 3"/>
+          <p:cNvSpPr>
+            <a:spLocks noGrp="1"/>
+          </p:cNvSpPr>
+          <p:nvPr>
+            <p:ph type="body" sz="half" idx="2"/>
+          </p:nvPr>
+        </p:nvSpPr>
+        <p:spPr>
+          <a:xfrm>
+            <a:off x="2389717" y="5367338"/>
+            <a:ext cx="7315200" cy="804862"/>
+          </a:xfrm>
+        </p:spPr>
+        <p:txBody>
+          <a:bodyPr/>
+          <a:lstStyle>
+            <a:lvl1pPr marL="0" indent="0">
+              <a:buNone/>
+              <a:defRPr sz="1400"/>
+            </a:lvl1pPr>
+            <a:lvl2pPr marL="457200" indent="0">
+              <a:buNone/>
+              <a:defRPr sz="1200"/>
+            </a:lvl2pPr>
+            <a:lvl3pPr marL="914400" indent="0">
+              <a:buNone/>
+              <a:defRPr sz="1000"/>
+            </a:lvl3pPr>
+            <a:lvl4pPr marL="1371600" indent="0">
+              <a:buNone/>
+              <a:defRPr sz="900"/>
+            </a:lvl4pPr>
+            <a:lvl5pPr marL="1828800" indent="0">
+              <a:buNone/>
+              <a:defRPr sz="900"/>
+            </a:lvl5pPr>
+            <a:lvl6pPr marL="2286000" indent="0">
+              <a:buNone/>
+              <a:defRPr sz="900"/>
+            </a:lvl6pPr>
+            <a:lvl7pPr marL="2743200" indent="0">
+              <a:buNone/>
+              <a:defRPr sz="900"/>
+            </a:lvl7pPr>
+            <a:lvl8pPr marL="3200400" indent="0">
+              <a:buNone/>
+              <a:defRPr sz="900"/>
+            </a:lvl8pPr>
+            <a:lvl9pPr marL="3657600" indent="0">
+              <a:buNone/>
+              <a:defRPr sz="900"/>
+            </a:lvl9pPr>
+          </a:lstStyle>
+          <a:p>
+            <a:pPr lvl="0"/>
+            <a:r>
+              <a:rPr lang="en-US"/>
+              <a:t>Edit Master text styles</a:t>
+            </a:r>
+          </a:p>
+        </p:txBody>
+      </p:sp>
+      <p:sp>
+        <p:nvSpPr>
+          <p:cNvPr id="5" name="Date Placeholder 4"/>
+          <p:cNvSpPr>
+            <a:spLocks noGrp="1"/>
+          </p:cNvSpPr>
+          <p:nvPr>
+            <p:ph type="dt" sz="half" idx="10"/>
+          </p:nvPr>
+        </p:nvSpPr>
+        <p:spPr/>
+        <p:txBody>
+          <a:bodyPr/>
+          <a:lstStyle/>
+          <a:p>
+            <a:fld id="{589E5873-CF7F-45F3-B283-E59B1D6F242C}" type="datetimeFigureOut">
+              <a:rPr lang="en-US" smtClean="0"/>
+              <a:t>12/11/2018</a:t>
+            </a:fld>
+            <a:endParaRPr lang="en-US"/>
+          </a:p>
+        </p:txBody>
+      </p:sp>
+      <p:sp>
+        <p:nvSpPr>
+          <p:cNvPr id="6" name="Footer Placeholder 5"/>
+          <p:cNvSpPr>
+            <a:spLocks noGrp="1"/>
+          </p:cNvSpPr>
+          <p:nvPr>
+            <p:ph type="ftr" sz="quarter" idx="11"/>
+          </p:nvPr>
+        </p:nvSpPr>
+        <p:spPr/>
+        <p:txBody>
+          <a:bodyPr/>
+          <a:lstStyle/>
+          <a:p>
+            <a:endParaRPr lang="en-US"/>
+          </a:p>
+        </p:txBody>
+      </p:sp>
+      <p:sp>
+        <p:nvSpPr>
+          <p:cNvPr id="7" name="Slide Number Placeholder 6"/>
+          <p:cNvSpPr>
+            <a:spLocks noGrp="1"/>
+          </p:cNvSpPr>
+          <p:nvPr>
+            <p:ph type="sldNum" sz="quarter" idx="12"/>
+          </p:nvPr>
+        </p:nvSpPr>
+        <p:spPr/>
+        <p:txBody>
+          <a:bodyPr/>
+          <a:lstStyle/>
+          <a:p>
+            <a:fld id="{4EC170A7-7868-4A85-B1AF-80DAB1CAA9AE}" type="slidenum">
+              <a:rPr lang="en-US" smtClean="0"/>
+              <a:t>‹#›</a:t>
+            </a:fld>
+            <a:endParaRPr lang="en-US"/>
+          </a:p>
+        </p:txBody>
+      </p:sp>
+    </p:spTree>
+    <p:extLst>
+      <p:ext uri="{BB962C8B-B14F-4D97-AF65-F5344CB8AC3E}">
+        <p14:creationId xmlns:p14="http://schemas.microsoft.com/office/powerpoint/2010/main" val="3259196131"/>
+      </p:ext>
+    </p:extLst>
+  </p:cSld>
+  <p:clrMapOvr>
+    <a:masterClrMapping/>
+  </p:clrMapOvr>
+</p:sldLayout>
+</file>
+
+<file path=ppt/slideLayouts/slideLayout21.xml><?xml version="1.0" encoding="utf-8"?>
+<p:sldLayout xmlns:a="http://schemas.openxmlformats.org/drawingml/2006/main" xmlns:r="http://schemas.openxmlformats.org/officeDocument/2006/relationships" xmlns:p="http://schemas.openxmlformats.org/presentationml/2006/main" type="vertTx" preserve="1">
+  <p:cSld name="Title and Vertical Text">
+    <p:spTree>
+      <p:nvGrpSpPr>
+        <p:cNvPr id="1" name=""/>
+        <p:cNvGrpSpPr/>
+        <p:nvPr/>
+      </p:nvGrpSpPr>
+      <p:grpSpPr>
+        <a:xfrm>
+          <a:off x="0" y="0"/>
+          <a:ext cx="0" cy="0"/>
+          <a:chOff x="0" y="0"/>
+          <a:chExt cx="0" cy="0"/>
+        </a:xfrm>
+      </p:grpSpPr>
+      <p:sp>
+        <p:nvSpPr>
+          <p:cNvPr id="2" name="Title 1"/>
+          <p:cNvSpPr>
+            <a:spLocks noGrp="1"/>
+          </p:cNvSpPr>
+          <p:nvPr>
+            <p:ph type="title"/>
+          </p:nvPr>
+        </p:nvSpPr>
+        <p:spPr/>
+        <p:txBody>
+          <a:bodyPr/>
+          <a:lstStyle/>
+          <a:p>
+            <a:r>
+              <a:rPr lang="en-US"/>
+              <a:t>Click to edit Master title style</a:t>
+            </a:r>
+          </a:p>
+        </p:txBody>
+      </p:sp>
+      <p:sp>
+        <p:nvSpPr>
+          <p:cNvPr id="3" name="Vertical Text Placeholder 2"/>
+          <p:cNvSpPr>
+            <a:spLocks noGrp="1"/>
+          </p:cNvSpPr>
+          <p:nvPr>
+            <p:ph type="body" orient="vert" idx="1"/>
+          </p:nvPr>
+        </p:nvSpPr>
+        <p:spPr/>
+        <p:txBody>
+          <a:bodyPr vert="eaVert"/>
+          <a:lstStyle/>
+          <a:p>
+            <a:pPr lvl="0"/>
+            <a:r>
+              <a:rPr lang="en-US"/>
+              <a:t>Edit Master text styles</a:t>
+            </a:r>
+          </a:p>
+          <a:p>
+            <a:pPr lvl="1"/>
+            <a:r>
+              <a:rPr lang="en-US"/>
+              <a:t>Second level</a:t>
+            </a:r>
+          </a:p>
+          <a:p>
+            <a:pPr lvl="2"/>
+            <a:r>
+              <a:rPr lang="en-US"/>
+              <a:t>Third level</a:t>
+            </a:r>
+          </a:p>
+          <a:p>
+            <a:pPr lvl="3"/>
+            <a:r>
+              <a:rPr lang="en-US"/>
+              <a:t>Fourth level</a:t>
+            </a:r>
+          </a:p>
+          <a:p>
+            <a:pPr lvl="4"/>
+            <a:r>
+              <a:rPr lang="en-US"/>
+              <a:t>Fifth level</a:t>
+            </a:r>
+          </a:p>
+        </p:txBody>
+      </p:sp>
+      <p:sp>
+        <p:nvSpPr>
+          <p:cNvPr id="4" name="Date Placeholder 3"/>
+          <p:cNvSpPr>
+            <a:spLocks noGrp="1"/>
+          </p:cNvSpPr>
+          <p:nvPr>
+            <p:ph type="dt" sz="half" idx="10"/>
+          </p:nvPr>
+        </p:nvSpPr>
+        <p:spPr/>
+        <p:txBody>
+          <a:bodyPr/>
+          <a:lstStyle/>
+          <a:p>
+            <a:fld id="{589E5873-CF7F-45F3-B283-E59B1D6F242C}" type="datetimeFigureOut">
+              <a:rPr lang="en-US" smtClean="0"/>
+              <a:t>12/11/2018</a:t>
+            </a:fld>
+            <a:endParaRPr lang="en-US"/>
+          </a:p>
+        </p:txBody>
+      </p:sp>
+      <p:sp>
+        <p:nvSpPr>
+          <p:cNvPr id="5" name="Footer Placeholder 4"/>
+          <p:cNvSpPr>
+            <a:spLocks noGrp="1"/>
+          </p:cNvSpPr>
+          <p:nvPr>
+            <p:ph type="ftr" sz="quarter" idx="11"/>
+          </p:nvPr>
+        </p:nvSpPr>
+        <p:spPr/>
+        <p:txBody>
+          <a:bodyPr/>
+          <a:lstStyle/>
+          <a:p>
+            <a:endParaRPr lang="en-US"/>
+          </a:p>
+        </p:txBody>
+      </p:sp>
+      <p:sp>
+        <p:nvSpPr>
+          <p:cNvPr id="6" name="Slide Number Placeholder 5"/>
+          <p:cNvSpPr>
+            <a:spLocks noGrp="1"/>
+          </p:cNvSpPr>
+          <p:nvPr>
+            <p:ph type="sldNum" sz="quarter" idx="12"/>
+          </p:nvPr>
+        </p:nvSpPr>
+        <p:spPr/>
+        <p:txBody>
+          <a:bodyPr/>
+          <a:lstStyle/>
+          <a:p>
+            <a:fld id="{4EC170A7-7868-4A85-B1AF-80DAB1CAA9AE}" type="slidenum">
+              <a:rPr lang="en-US" smtClean="0"/>
+              <a:t>‹#›</a:t>
+            </a:fld>
+            <a:endParaRPr lang="en-US"/>
+          </a:p>
+        </p:txBody>
+      </p:sp>
+    </p:spTree>
+    <p:extLst>
+      <p:ext uri="{BB962C8B-B14F-4D97-AF65-F5344CB8AC3E}">
+        <p14:creationId xmlns:p14="http://schemas.microsoft.com/office/powerpoint/2010/main" val="3332585700"/>
+      </p:ext>
+    </p:extLst>
+  </p:cSld>
+  <p:clrMapOvr>
+    <a:masterClrMapping/>
+  </p:clrMapOvr>
+</p:sldLayout>
+</file>
+
+<file path=ppt/slideLayouts/slideLayout22.xml><?xml version="1.0" encoding="utf-8"?>
+<p:sldLayout xmlns:a="http://schemas.openxmlformats.org/drawingml/2006/main" xmlns:r="http://schemas.openxmlformats.org/officeDocument/2006/relationships" xmlns:p="http://schemas.openxmlformats.org/presentationml/2006/main" type="vertTitleAndTx" preserve="1">
+  <p:cSld name="Vertical Title and Text">
+    <p:spTree>
+      <p:nvGrpSpPr>
+        <p:cNvPr id="1" name=""/>
+        <p:cNvGrpSpPr/>
+        <p:nvPr/>
+      </p:nvGrpSpPr>
+      <p:grpSpPr>
+        <a:xfrm>
+          <a:off x="0" y="0"/>
+          <a:ext cx="0" cy="0"/>
+          <a:chOff x="0" y="0"/>
+          <a:chExt cx="0" cy="0"/>
+        </a:xfrm>
+      </p:grpSpPr>
+      <p:sp>
+        <p:nvSpPr>
+          <p:cNvPr id="2" name="Vertical Title 1"/>
+          <p:cNvSpPr>
+            <a:spLocks noGrp="1"/>
+          </p:cNvSpPr>
+          <p:nvPr>
+            <p:ph type="title" orient="vert"/>
+          </p:nvPr>
+        </p:nvSpPr>
+        <p:spPr>
+          <a:xfrm>
+            <a:off x="8839200" y="274639"/>
+            <a:ext cx="2743200" cy="5851525"/>
+          </a:xfrm>
+        </p:spPr>
+        <p:txBody>
+          <a:bodyPr vert="eaVert"/>
+          <a:lstStyle/>
+          <a:p>
+            <a:r>
+              <a:rPr lang="en-US"/>
+              <a:t>Click to edit Master title style</a:t>
+            </a:r>
+          </a:p>
+        </p:txBody>
+      </p:sp>
+      <p:sp>
+        <p:nvSpPr>
+          <p:cNvPr id="3" name="Vertical Text Placeholder 2"/>
+          <p:cNvSpPr>
+            <a:spLocks noGrp="1"/>
+          </p:cNvSpPr>
+          <p:nvPr>
+            <p:ph type="body" orient="vert" idx="1"/>
+          </p:nvPr>
+        </p:nvSpPr>
+        <p:spPr>
+          <a:xfrm>
+            <a:off x="609600" y="274639"/>
+            <a:ext cx="8026400" cy="5851525"/>
+          </a:xfrm>
+        </p:spPr>
+        <p:txBody>
+          <a:bodyPr vert="eaVert"/>
+          <a:lstStyle/>
+          <a:p>
+            <a:pPr lvl="0"/>
+            <a:r>
+              <a:rPr lang="en-US"/>
+              <a:t>Edit Master text styles</a:t>
+            </a:r>
+          </a:p>
+          <a:p>
+            <a:pPr lvl="1"/>
+            <a:r>
+              <a:rPr lang="en-US"/>
+              <a:t>Second level</a:t>
+            </a:r>
+          </a:p>
+          <a:p>
+            <a:pPr lvl="2"/>
+            <a:r>
+              <a:rPr lang="en-US"/>
+              <a:t>Third level</a:t>
+            </a:r>
+          </a:p>
+          <a:p>
+            <a:pPr lvl="3"/>
+            <a:r>
+              <a:rPr lang="en-US"/>
+              <a:t>Fourth level</a:t>
+            </a:r>
+          </a:p>
+          <a:p>
+            <a:pPr lvl="4"/>
+            <a:r>
+              <a:rPr lang="en-US"/>
+              <a:t>Fifth level</a:t>
+            </a:r>
+          </a:p>
+        </p:txBody>
+      </p:sp>
+      <p:sp>
+        <p:nvSpPr>
+          <p:cNvPr id="4" name="Date Placeholder 3"/>
+          <p:cNvSpPr>
+            <a:spLocks noGrp="1"/>
+          </p:cNvSpPr>
+          <p:nvPr>
+            <p:ph type="dt" sz="half" idx="10"/>
+          </p:nvPr>
+        </p:nvSpPr>
+        <p:spPr/>
+        <p:txBody>
+          <a:bodyPr/>
+          <a:lstStyle/>
+          <a:p>
+            <a:fld id="{589E5873-CF7F-45F3-B283-E59B1D6F242C}" type="datetimeFigureOut">
+              <a:rPr lang="en-US" smtClean="0"/>
+              <a:t>12/11/2018</a:t>
+            </a:fld>
+            <a:endParaRPr lang="en-US"/>
+          </a:p>
+        </p:txBody>
+      </p:sp>
+      <p:sp>
+        <p:nvSpPr>
+          <p:cNvPr id="5" name="Footer Placeholder 4"/>
+          <p:cNvSpPr>
+            <a:spLocks noGrp="1"/>
+          </p:cNvSpPr>
+          <p:nvPr>
+            <p:ph type="ftr" sz="quarter" idx="11"/>
+          </p:nvPr>
+        </p:nvSpPr>
+        <p:spPr/>
+        <p:txBody>
+          <a:bodyPr/>
+          <a:lstStyle/>
+          <a:p>
+            <a:endParaRPr lang="en-US"/>
+          </a:p>
+        </p:txBody>
+      </p:sp>
+      <p:sp>
+        <p:nvSpPr>
+          <p:cNvPr id="6" name="Slide Number Placeholder 5"/>
+          <p:cNvSpPr>
+            <a:spLocks noGrp="1"/>
+          </p:cNvSpPr>
+          <p:nvPr>
+            <p:ph type="sldNum" sz="quarter" idx="12"/>
+          </p:nvPr>
+        </p:nvSpPr>
+        <p:spPr/>
+        <p:txBody>
+          <a:bodyPr/>
+          <a:lstStyle/>
+          <a:p>
+            <a:fld id="{4EC170A7-7868-4A85-B1AF-80DAB1CAA9AE}" type="slidenum">
+              <a:rPr lang="en-US" smtClean="0"/>
+              <a:t>‹#›</a:t>
+            </a:fld>
+            <a:endParaRPr lang="en-US"/>
+          </a:p>
+        </p:txBody>
+      </p:sp>
+    </p:spTree>
+    <p:extLst>
+      <p:ext uri="{BB962C8B-B14F-4D97-AF65-F5344CB8AC3E}">
+        <p14:creationId xmlns:p14="http://schemas.microsoft.com/office/powerpoint/2010/main" val="627446853"/>
+      </p:ext>
+    </p:extLst>
+  </p:cSld>
+  <p:clrMapOvr>
+    <a:masterClrMapping/>
+  </p:clrMapOvr>
+</p:sldLayout>
+</file>
+
+<file path=ppt/slideLayouts/slideLayout3.xml><?xml version="1.0" encoding="utf-8"?>
+<p:sldLayout xmlns:a="http://schemas.openxmlformats.org/drawingml/2006/main" xmlns:r="http://schemas.openxmlformats.org/officeDocument/2006/relationships" xmlns:p="http://schemas.openxmlformats.org/presentationml/2006/main" type="secHead" preserve="1">
+  <p:cSld name="Section Header">
+    <p:spTree>
+      <p:nvGrpSpPr>
+        <p:cNvPr id="1" name=""/>
+        <p:cNvGrpSpPr/>
+        <p:nvPr/>
+      </p:nvGrpSpPr>
+      <p:grpSpPr>
+        <a:xfrm>
+          <a:off x="0" y="0"/>
+          <a:ext cx="0" cy="0"/>
+          <a:chOff x="0" y="0"/>
+          <a:chExt cx="0" cy="0"/>
+        </a:xfrm>
+      </p:grpSpPr>
+      <p:sp>
+        <p:nvSpPr>
+          <p:cNvPr id="2" name="Title 1">
+            <a:extLst>
+              <a:ext uri="{FF2B5EF4-FFF2-40B4-BE49-F238E27FC236}">
+                <a16:creationId xmlns:a16="http://schemas.microsoft.com/office/drawing/2014/main" id="{185726EC-5590-4B3F-8B93-87BF6D6E2685}"/>
+              </a:ext>
+            </a:extLst>
+          </p:cNvPr>
+          <p:cNvSpPr>
+            <a:spLocks noGrp="1"/>
+          </p:cNvSpPr>
+          <p:nvPr>
+            <p:ph type="title"/>
+          </p:nvPr>
+        </p:nvSpPr>
+        <p:spPr>
+          <a:xfrm>
+            <a:off x="831850" y="1709738"/>
+            <a:ext cx="10515600" cy="2852737"/>
+          </a:xfrm>
+        </p:spPr>
+        <p:txBody>
+          <a:bodyPr anchor="b"/>
+          <a:lstStyle>
+            <a:lvl1pPr>
+              <a:defRPr sz="6000"/>
+            </a:lvl1pPr>
+          </a:lstStyle>
+          <a:p>
+            <a:r>
+              <a:rPr lang="en-US"/>
+              <a:t>Click to edit Master title style</a:t>
+            </a:r>
+          </a:p>
+        </p:txBody>
+      </p:sp>
+      <p:sp>
+        <p:nvSpPr>
+          <p:cNvPr id="3" name="Text Placeholder 2">
+            <a:extLst>
+              <a:ext uri="{FF2B5EF4-FFF2-40B4-BE49-F238E27FC236}">
+                <a16:creationId xmlns:a16="http://schemas.microsoft.com/office/drawing/2014/main" id="{702BC31A-AFD3-475B-8FD8-2A3385AB9343}"/>
+              </a:ext>
+            </a:extLst>
+          </p:cNvPr>
+          <p:cNvSpPr>
+            <a:spLocks noGrp="1"/>
+          </p:cNvSpPr>
+          <p:nvPr>
+            <p:ph type="body" idx="1"/>
+          </p:nvPr>
+        </p:nvSpPr>
+        <p:spPr>
+          <a:xfrm>
+            <a:off x="831850" y="4589463"/>
+            <a:ext cx="10515600" cy="1500187"/>
+          </a:xfrm>
+        </p:spPr>
+        <p:txBody>
+          <a:bodyPr/>
+          <a:lstStyle>
+            <a:lvl1pPr marL="0" indent="0">
+              <a:buNone/>
+              <a:defRPr sz="2400">
+                <a:solidFill>
+                  <a:schemeClr val="tx1">
+                    <a:tint val="75000"/>
+                  </a:schemeClr>
+                </a:solidFill>
+              </a:defRPr>
+            </a:lvl1pPr>
+            <a:lvl2pPr marL="457200" indent="0">
+              <a:buNone/>
+              <a:defRPr sz="2000">
+                <a:solidFill>
+                  <a:schemeClr val="tx1">
+                    <a:tint val="75000"/>
+                  </a:schemeClr>
+                </a:solidFill>
+              </a:defRPr>
+            </a:lvl2pPr>
+            <a:lvl3pPr marL="914400" indent="0">
+              <a:buNone/>
+              <a:defRPr sz="1800">
+                <a:solidFill>
+                  <a:schemeClr val="tx1">
+                    <a:tint val="75000"/>
+                  </a:schemeClr>
+                </a:solidFill>
+              </a:defRPr>
+            </a:lvl3pPr>
+            <a:lvl4pPr marL="1371600" indent="0">
+              <a:buNone/>
+              <a:defRPr sz="1600">
+                <a:solidFill>
+                  <a:schemeClr val="tx1">
+                    <a:tint val="75000"/>
+                  </a:schemeClr>
+                </a:solidFill>
+              </a:defRPr>
+            </a:lvl4pPr>
+            <a:lvl5pPr marL="1828800" indent="0">
+              <a:buNone/>
+              <a:defRPr sz="1600">
+                <a:solidFill>
+                  <a:schemeClr val="tx1">
+                    <a:tint val="75000"/>
+                  </a:schemeClr>
+                </a:solidFill>
+              </a:defRPr>
+            </a:lvl5pPr>
+            <a:lvl6pPr marL="2286000" indent="0">
+              <a:buNone/>
+              <a:defRPr sz="1600">
+                <a:solidFill>
+                  <a:schemeClr val="tx1">
+                    <a:tint val="75000"/>
+                  </a:schemeClr>
+                </a:solidFill>
+              </a:defRPr>
+            </a:lvl6pPr>
+            <a:lvl7pPr marL="2743200" indent="0">
+              <a:buNone/>
+              <a:defRPr sz="1600">
+                <a:solidFill>
+                  <a:schemeClr val="tx1">
+                    <a:tint val="75000"/>
+                  </a:schemeClr>
+                </a:solidFill>
+              </a:defRPr>
+            </a:lvl7pPr>
+            <a:lvl8pPr marL="3200400" indent="0">
+              <a:buNone/>
+              <a:defRPr sz="1600">
+                <a:solidFill>
+                  <a:schemeClr val="tx1">
+                    <a:tint val="75000"/>
+                  </a:schemeClr>
+                </a:solidFill>
+              </a:defRPr>
+            </a:lvl8pPr>
+            <a:lvl9pPr marL="3657600" indent="0">
+              <a:buNone/>
+              <a:defRPr sz="1600">
+                <a:solidFill>
+                  <a:schemeClr val="tx1">
+                    <a:tint val="75000"/>
+                  </a:schemeClr>
+                </a:solidFill>
+              </a:defRPr>
+            </a:lvl9pPr>
+          </a:lstStyle>
+          <a:p>
+            <a:pPr lvl="0"/>
+            <a:r>
+              <a:rPr lang="en-US"/>
+              <a:t>Edit Master text styles</a:t>
+            </a:r>
+          </a:p>
+        </p:txBody>
+      </p:sp>
+      <p:sp>
+        <p:nvSpPr>
+          <p:cNvPr id="4" name="Date Placeholder 3">
+            <a:extLst>
+              <a:ext uri="{FF2B5EF4-FFF2-40B4-BE49-F238E27FC236}">
+                <a16:creationId xmlns:a16="http://schemas.microsoft.com/office/drawing/2014/main" id="{C34470BF-A87D-49C2-A87F-81CA950634A0}"/>
+              </a:ext>
+            </a:extLst>
+          </p:cNvPr>
+          <p:cNvSpPr>
+            <a:spLocks noGrp="1"/>
+          </p:cNvSpPr>
+          <p:nvPr>
+            <p:ph type="dt" sz="half" idx="10"/>
+          </p:nvPr>
+        </p:nvSpPr>
+        <p:spPr>
+          <a:xfrm>
+            <a:off x="838200" y="6356350"/>
+            <a:ext cx="2743200" cy="365125"/>
+          </a:xfrm>
+          <a:prstGeom prst="rect">
+            <a:avLst/>
+          </a:prstGeom>
+        </p:spPr>
+        <p:txBody>
+          <a:bodyPr/>
+          <a:lstStyle/>
+          <a:p>
+            <a:fld id="{F657B805-F065-4DDD-821B-D6FAE50E53FB}" type="datetimeFigureOut">
+              <a:rPr lang="en-US" smtClean="0"/>
+              <a:t>12/11/2018</a:t>
+            </a:fld>
+            <a:endParaRPr lang="en-US"/>
+          </a:p>
+        </p:txBody>
+      </p:sp>
+      <p:sp>
+        <p:nvSpPr>
+          <p:cNvPr id="5" name="Footer Placeholder 4">
+            <a:extLst>
+              <a:ext uri="{FF2B5EF4-FFF2-40B4-BE49-F238E27FC236}">
+                <a16:creationId xmlns:a16="http://schemas.microsoft.com/office/drawing/2014/main" id="{FA92D832-4BA1-436E-9216-19CE6A5C0BFE}"/>
+              </a:ext>
+            </a:extLst>
+          </p:cNvPr>
+          <p:cNvSpPr>
+            <a:spLocks noGrp="1"/>
+          </p:cNvSpPr>
+          <p:nvPr>
+            <p:ph type="ftr" sz="quarter" idx="11"/>
+          </p:nvPr>
+        </p:nvSpPr>
+        <p:spPr/>
+        <p:txBody>
+          <a:bodyPr/>
+          <a:lstStyle/>
+          <a:p>
+            <a:endParaRPr lang="en-US"/>
+          </a:p>
+        </p:txBody>
+      </p:sp>
+      <p:sp>
+        <p:nvSpPr>
+          <p:cNvPr id="6" name="Slide Number Placeholder 5">
+            <a:extLst>
+              <a:ext uri="{FF2B5EF4-FFF2-40B4-BE49-F238E27FC236}">
+                <a16:creationId xmlns:a16="http://schemas.microsoft.com/office/drawing/2014/main" id="{F05B968E-A11B-4791-A225-DDAB8A994CFA}"/>
+              </a:ext>
+            </a:extLst>
+          </p:cNvPr>
+          <p:cNvSpPr>
+            <a:spLocks noGrp="1"/>
+          </p:cNvSpPr>
+          <p:nvPr>
+            <p:ph type="sldNum" sz="quarter" idx="12"/>
+          </p:nvPr>
+        </p:nvSpPr>
+        <p:spPr>
+          <a:xfrm>
+            <a:off x="8610600" y="6356350"/>
+            <a:ext cx="2743200" cy="365125"/>
+          </a:xfrm>
+          <a:prstGeom prst="rect">
+            <a:avLst/>
+          </a:prstGeom>
+        </p:spPr>
+        <p:txBody>
+          <a:bodyPr/>
+          <a:lstStyle/>
+          <a:p>
+            <a:fld id="{8E408288-2A05-4C1E-8BB7-913485736462}" type="slidenum">
+              <a:rPr lang="en-US" smtClean="0"/>
+              <a:t>‹#›</a:t>
+            </a:fld>
+            <a:endParaRPr lang="en-US"/>
+          </a:p>
+        </p:txBody>
+      </p:sp>
+    </p:spTree>
+    <p:extLst>
+      <p:ext uri="{BB962C8B-B14F-4D97-AF65-F5344CB8AC3E}">
+        <p14:creationId xmlns:p14="http://schemas.microsoft.com/office/powerpoint/2010/main" val="3947231816"/>
+      </p:ext>
+    </p:extLst>
+  </p:cSld>
+  <p:clrMapOvr>
+    <a:masterClrMapping/>
+  </p:clrMapOvr>
+</p:sldLayout>
+</file>
+
+<file path=ppt/slideLayouts/slideLayout4.xml><?xml version="1.0" encoding="utf-8"?>
+<p:sldLayout xmlns:a="http://schemas.openxmlformats.org/drawingml/2006/main" xmlns:r="http://schemas.openxmlformats.org/officeDocument/2006/relationships" xmlns:p="http://schemas.openxmlformats.org/presentationml/2006/main" type="twoObj" preserve="1">
+  <p:cSld name="Two Content">
+    <p:spTree>
+      <p:nvGrpSpPr>
+        <p:cNvPr id="1" name=""/>
+        <p:cNvGrpSpPr/>
+        <p:nvPr/>
+      </p:nvGrpSpPr>
+      <p:grpSpPr>
+        <a:xfrm>
+          <a:off x="0" y="0"/>
+          <a:ext cx="0" cy="0"/>
+          <a:chOff x="0" y="0"/>
+          <a:chExt cx="0" cy="0"/>
+        </a:xfrm>
+      </p:grpSpPr>
+      <p:sp>
+        <p:nvSpPr>
+          <p:cNvPr id="2" name="Title 1">
+            <a:extLst>
+              <a:ext uri="{FF2B5EF4-FFF2-40B4-BE49-F238E27FC236}">
+                <a16:creationId xmlns:a16="http://schemas.microsoft.com/office/drawing/2014/main" id="{A4669A23-3852-415D-8903-B7312F70C8CE}"/>
+              </a:ext>
+            </a:extLst>
+          </p:cNvPr>
+          <p:cNvSpPr>
+            <a:spLocks noGrp="1"/>
+          </p:cNvSpPr>
+          <p:nvPr>
+            <p:ph type="title"/>
+          </p:nvPr>
+        </p:nvSpPr>
+        <p:spPr/>
+        <p:txBody>
+          <a:bodyPr/>
+          <a:lstStyle/>
+          <a:p>
+            <a:r>
+              <a:rPr lang="en-US"/>
+              <a:t>Click to edit Master title style</a:t>
+            </a:r>
+          </a:p>
+        </p:txBody>
+      </p:sp>
+      <p:sp>
+        <p:nvSpPr>
+          <p:cNvPr id="3" name="Content Placeholder 2">
+            <a:extLst>
+              <a:ext uri="{FF2B5EF4-FFF2-40B4-BE49-F238E27FC236}">
+                <a16:creationId xmlns:a16="http://schemas.microsoft.com/office/drawing/2014/main" id="{11D49E50-AD63-415E-99DA-84C92E64DE61}"/>
+              </a:ext>
+            </a:extLst>
+          </p:cNvPr>
+          <p:cNvSpPr>
+            <a:spLocks noGrp="1"/>
+          </p:cNvSpPr>
+          <p:nvPr>
+            <p:ph sz="half" idx="1"/>
+          </p:nvPr>
+        </p:nvSpPr>
+        <p:spPr>
+          <a:xfrm>
+            <a:off x="838200" y="1825625"/>
+            <a:ext cx="5181600" cy="4351338"/>
+          </a:xfrm>
+        </p:spPr>
+        <p:txBody>
+          <a:bodyPr/>
+          <a:lstStyle/>
+          <a:p>
+            <a:pPr lvl="0"/>
+            <a:r>
+              <a:rPr lang="en-US"/>
+              <a:t>Edit Master text styles</a:t>
+            </a:r>
+          </a:p>
+          <a:p>
+            <a:pPr lvl="1"/>
+            <a:r>
+              <a:rPr lang="en-US"/>
+              <a:t>Second level</a:t>
+            </a:r>
+          </a:p>
+          <a:p>
+            <a:pPr lvl="2"/>
+            <a:r>
+              <a:rPr lang="en-US"/>
+              <a:t>Third level</a:t>
+            </a:r>
+          </a:p>
+          <a:p>
+            <a:pPr lvl="3"/>
+            <a:r>
+              <a:rPr lang="en-US"/>
+              <a:t>Fourth level</a:t>
+            </a:r>
+          </a:p>
+          <a:p>
+            <a:pPr lvl="4"/>
+            <a:r>
+              <a:rPr lang="en-US"/>
+              <a:t>Fifth level</a:t>
+            </a:r>
+          </a:p>
+        </p:txBody>
+      </p:sp>
+      <p:sp>
+        <p:nvSpPr>
+          <p:cNvPr id="4" name="Content Placeholder 3">
+            <a:extLst>
+              <a:ext uri="{FF2B5EF4-FFF2-40B4-BE49-F238E27FC236}">
+                <a16:creationId xmlns:a16="http://schemas.microsoft.com/office/drawing/2014/main" id="{2A4420E8-85C5-4B63-9A9C-1CC0FA16D3A1}"/>
+              </a:ext>
+            </a:extLst>
+          </p:cNvPr>
+          <p:cNvSpPr>
+            <a:spLocks noGrp="1"/>
+          </p:cNvSpPr>
+          <p:nvPr>
+            <p:ph sz="half" idx="2"/>
+          </p:nvPr>
+        </p:nvSpPr>
+        <p:spPr>
+          <a:xfrm>
+            <a:off x="6172200" y="1825625"/>
+            <a:ext cx="5181600" cy="4351338"/>
+          </a:xfrm>
+        </p:spPr>
+        <p:txBody>
+          <a:bodyPr/>
+          <a:lstStyle/>
+          <a:p>
+            <a:pPr lvl="0"/>
+            <a:r>
+              <a:rPr lang="en-US"/>
+              <a:t>Edit Master text styles</a:t>
+            </a:r>
+          </a:p>
+          <a:p>
+            <a:pPr lvl="1"/>
+            <a:r>
+              <a:rPr lang="en-US"/>
+              <a:t>Second level</a:t>
+            </a:r>
+          </a:p>
+          <a:p>
+            <a:pPr lvl="2"/>
+            <a:r>
+              <a:rPr lang="en-US"/>
+              <a:t>Third level</a:t>
+            </a:r>
+          </a:p>
+          <a:p>
+            <a:pPr lvl="3"/>
+            <a:r>
+              <a:rPr lang="en-US"/>
+              <a:t>Fourth level</a:t>
+            </a:r>
+          </a:p>
+          <a:p>
+            <a:pPr lvl="4"/>
+            <a:r>
+              <a:rPr lang="en-US"/>
+              <a:t>Fifth level</a:t>
+            </a:r>
+          </a:p>
+        </p:txBody>
+      </p:sp>
+      <p:sp>
+        <p:nvSpPr>
+          <p:cNvPr id="5" name="Date Placeholder 4">
+            <a:extLst>
+              <a:ext uri="{FF2B5EF4-FFF2-40B4-BE49-F238E27FC236}">
+                <a16:creationId xmlns:a16="http://schemas.microsoft.com/office/drawing/2014/main" id="{2CD305D2-024D-47A9-A566-3657C84A3336}"/>
+              </a:ext>
+            </a:extLst>
+          </p:cNvPr>
+          <p:cNvSpPr>
+            <a:spLocks noGrp="1"/>
+          </p:cNvSpPr>
+          <p:nvPr>
+            <p:ph type="dt" sz="half" idx="10"/>
+          </p:nvPr>
+        </p:nvSpPr>
+        <p:spPr>
+          <a:xfrm>
+            <a:off x="838200" y="6356350"/>
+            <a:ext cx="2743200" cy="365125"/>
+          </a:xfrm>
+          <a:prstGeom prst="rect">
+            <a:avLst/>
+          </a:prstGeom>
+        </p:spPr>
+        <p:txBody>
+          <a:bodyPr/>
+          <a:lstStyle/>
+          <a:p>
+            <a:fld id="{F657B805-F065-4DDD-821B-D6FAE50E53FB}" type="datetimeFigureOut">
+              <a:rPr lang="en-US" smtClean="0"/>
+              <a:t>12/11/2018</a:t>
+            </a:fld>
+            <a:endParaRPr lang="en-US"/>
+          </a:p>
+        </p:txBody>
+      </p:sp>
+      <p:sp>
+        <p:nvSpPr>
+          <p:cNvPr id="6" name="Footer Placeholder 5">
+            <a:extLst>
+              <a:ext uri="{FF2B5EF4-FFF2-40B4-BE49-F238E27FC236}">
+                <a16:creationId xmlns:a16="http://schemas.microsoft.com/office/drawing/2014/main" id="{73B305F1-7C3A-47AC-B3BA-9C8569C6B7DC}"/>
+              </a:ext>
+            </a:extLst>
+          </p:cNvPr>
+          <p:cNvSpPr>
+            <a:spLocks noGrp="1"/>
+          </p:cNvSpPr>
+          <p:nvPr>
+            <p:ph type="ftr" sz="quarter" idx="11"/>
+          </p:nvPr>
+        </p:nvSpPr>
+        <p:spPr/>
+        <p:txBody>
+          <a:bodyPr/>
+          <a:lstStyle/>
+          <a:p>
+            <a:endParaRPr lang="en-US"/>
+          </a:p>
+        </p:txBody>
+      </p:sp>
+      <p:sp>
+        <p:nvSpPr>
+          <p:cNvPr id="7" name="Slide Number Placeholder 6">
+            <a:extLst>
+              <a:ext uri="{FF2B5EF4-FFF2-40B4-BE49-F238E27FC236}">
+                <a16:creationId xmlns:a16="http://schemas.microsoft.com/office/drawing/2014/main" id="{AAB821BD-C529-4F76-B156-490A930D2AFF}"/>
+              </a:ext>
+            </a:extLst>
+          </p:cNvPr>
+          <p:cNvSpPr>
+            <a:spLocks noGrp="1"/>
+          </p:cNvSpPr>
+          <p:nvPr>
+            <p:ph type="sldNum" sz="quarter" idx="12"/>
+          </p:nvPr>
+        </p:nvSpPr>
+        <p:spPr>
+          <a:xfrm>
+            <a:off x="8610600" y="6356350"/>
+            <a:ext cx="2743200" cy="365125"/>
+          </a:xfrm>
+          <a:prstGeom prst="rect">
+            <a:avLst/>
+          </a:prstGeom>
+        </p:spPr>
+        <p:txBody>
+          <a:bodyPr/>
+          <a:lstStyle/>
+          <a:p>
+            <a:fld id="{8E408288-2A05-4C1E-8BB7-913485736462}" type="slidenum">
+              <a:rPr lang="en-US" smtClean="0"/>
+              <a:t>‹#›</a:t>
+            </a:fld>
+            <a:endParaRPr lang="en-US"/>
+          </a:p>
+        </p:txBody>
+      </p:sp>
+    </p:spTree>
+    <p:extLst>
+      <p:ext uri="{BB962C8B-B14F-4D97-AF65-F5344CB8AC3E}">
+        <p14:creationId xmlns:p14="http://schemas.microsoft.com/office/powerpoint/2010/main" val="3108394530"/>
+      </p:ext>
+    </p:extLst>
+  </p:cSld>
+  <p:clrMapOvr>
+    <a:masterClrMapping/>
+  </p:clrMapOvr>
+</p:sldLayout>
+</file>
+
+<file path=ppt/slideLayouts/slideLayout5.xml><?xml version="1.0" encoding="utf-8"?>
+<p:sldLayout xmlns:a="http://schemas.openxmlformats.org/drawingml/2006/main" xmlns:r="http://schemas.openxmlformats.org/officeDocument/2006/relationships" xmlns:p="http://schemas.openxmlformats.org/presentationml/2006/main" type="twoTxTwoObj" preserve="1">
+  <p:cSld name="Comparison">
+    <p:spTree>
+      <p:nvGrpSpPr>
+        <p:cNvPr id="1" name=""/>
+        <p:cNvGrpSpPr/>
+        <p:nvPr/>
+      </p:nvGrpSpPr>
+      <p:grpSpPr>
+        <a:xfrm>
+          <a:off x="0" y="0"/>
+          <a:ext cx="0" cy="0"/>
+          <a:chOff x="0" y="0"/>
+          <a:chExt cx="0" cy="0"/>
+        </a:xfrm>
+      </p:grpSpPr>
+      <p:sp>
+        <p:nvSpPr>
+          <p:cNvPr id="2" name="Title 1">
+            <a:extLst>
+              <a:ext uri="{FF2B5EF4-FFF2-40B4-BE49-F238E27FC236}">
+                <a16:creationId xmlns:a16="http://schemas.microsoft.com/office/drawing/2014/main" id="{9C561881-86DC-4916-AE89-0AF94D9C2977}"/>
+              </a:ext>
+            </a:extLst>
+          </p:cNvPr>
+          <p:cNvSpPr>
+            <a:spLocks noGrp="1"/>
+          </p:cNvSpPr>
+          <p:nvPr>
+            <p:ph type="title"/>
+          </p:nvPr>
+        </p:nvSpPr>
+        <p:spPr>
+          <a:xfrm>
+            <a:off x="839788" y="365125"/>
+            <a:ext cx="10515600" cy="1325563"/>
+          </a:xfrm>
+        </p:spPr>
+        <p:txBody>
+          <a:bodyPr/>
+          <a:lstStyle/>
+          <a:p>
+            <a:r>
+              <a:rPr lang="en-US"/>
+              <a:t>Click to edit Master title style</a:t>
+            </a:r>
+          </a:p>
+        </p:txBody>
+      </p:sp>
+      <p:sp>
+        <p:nvSpPr>
+          <p:cNvPr id="3" name="Text Placeholder 2">
+            <a:extLst>
+              <a:ext uri="{FF2B5EF4-FFF2-40B4-BE49-F238E27FC236}">
+                <a16:creationId xmlns:a16="http://schemas.microsoft.com/office/drawing/2014/main" id="{B1168BAB-1836-4E96-BAD0-AAFF619D397D}"/>
+              </a:ext>
+            </a:extLst>
+          </p:cNvPr>
+          <p:cNvSpPr>
+            <a:spLocks noGrp="1"/>
+          </p:cNvSpPr>
+          <p:nvPr>
+            <p:ph type="body" idx="1"/>
+          </p:nvPr>
+        </p:nvSpPr>
+        <p:spPr>
+          <a:xfrm>
+            <a:off x="839788" y="1681163"/>
+            <a:ext cx="5157787" cy="823912"/>
+          </a:xfrm>
+        </p:spPr>
+        <p:txBody>
+          <a:bodyPr anchor="b"/>
+          <a:lstStyle>
+            <a:lvl1pPr marL="0" indent="0">
+              <a:buNone/>
+              <a:defRPr sz="2400" b="1"/>
+            </a:lvl1pPr>
+            <a:lvl2pPr marL="457200" indent="0">
+              <a:buNone/>
+              <a:defRPr sz="2000" b="1"/>
+            </a:lvl2pPr>
+            <a:lvl3pPr marL="914400" indent="0">
+              <a:buNone/>
+              <a:defRPr sz="1800" b="1"/>
+            </a:lvl3pPr>
+            <a:lvl4pPr marL="1371600" indent="0">
+              <a:buNone/>
+              <a:defRPr sz="1600" b="1"/>
+            </a:lvl4pPr>
+            <a:lvl5pPr marL="1828800" indent="0">
+              <a:buNone/>
+              <a:defRPr sz="1600" b="1"/>
+            </a:lvl5pPr>
+            <a:lvl6pPr marL="2286000" indent="0">
+              <a:buNone/>
+              <a:defRPr sz="1600" b="1"/>
+            </a:lvl6pPr>
+            <a:lvl7pPr marL="2743200" indent="0">
+              <a:buNone/>
+              <a:defRPr sz="1600" b="1"/>
+            </a:lvl7pPr>
+            <a:lvl8pPr marL="3200400" indent="0">
+              <a:buNone/>
+              <a:defRPr sz="1600" b="1"/>
+            </a:lvl8pPr>
+            <a:lvl9pPr marL="3657600" indent="0">
+              <a:buNone/>
+              <a:defRPr sz="1600" b="1"/>
+            </a:lvl9pPr>
+          </a:lstStyle>
+          <a:p>
+            <a:pPr lvl="0"/>
+            <a:r>
+              <a:rPr lang="en-US"/>
+              <a:t>Edit Master text styles</a:t>
+            </a:r>
+          </a:p>
+        </p:txBody>
+      </p:sp>
+      <p:sp>
+        <p:nvSpPr>
+          <p:cNvPr id="4" name="Content Placeholder 3">
+            <a:extLst>
+              <a:ext uri="{FF2B5EF4-FFF2-40B4-BE49-F238E27FC236}">
+                <a16:creationId xmlns:a16="http://schemas.microsoft.com/office/drawing/2014/main" id="{32FF6108-0262-4DA9-B7C1-67C14C5DD408}"/>
+              </a:ext>
+            </a:extLst>
+          </p:cNvPr>
+          <p:cNvSpPr>
+            <a:spLocks noGrp="1"/>
+          </p:cNvSpPr>
+          <p:nvPr>
+            <p:ph sz="half" idx="2"/>
+          </p:nvPr>
+        </p:nvSpPr>
+        <p:spPr>
+          <a:xfrm>
+            <a:off x="839788" y="2505075"/>
+            <a:ext cx="5157787" cy="3684588"/>
+          </a:xfrm>
+        </p:spPr>
+        <p:txBody>
+          <a:bodyPr/>
+          <a:lstStyle/>
+          <a:p>
+            <a:pPr lvl="0"/>
+            <a:r>
+              <a:rPr lang="en-US"/>
+              <a:t>Edit Master text styles</a:t>
+            </a:r>
+          </a:p>
+          <a:p>
+            <a:pPr lvl="1"/>
+            <a:r>
+              <a:rPr lang="en-US"/>
+              <a:t>Second level</a:t>
+            </a:r>
+          </a:p>
+          <a:p>
+            <a:pPr lvl="2"/>
+            <a:r>
+              <a:rPr lang="en-US"/>
+              <a:t>Third level</a:t>
+            </a:r>
+          </a:p>
+          <a:p>
+            <a:pPr lvl="3"/>
+            <a:r>
+              <a:rPr lang="en-US"/>
+              <a:t>Fourth level</a:t>
+            </a:r>
+          </a:p>
+          <a:p>
+            <a:pPr lvl="4"/>
+            <a:r>
+              <a:rPr lang="en-US"/>
+              <a:t>Fifth level</a:t>
+            </a:r>
+          </a:p>
+        </p:txBody>
+      </p:sp>
+      <p:sp>
+        <p:nvSpPr>
+          <p:cNvPr id="5" name="Text Placeholder 4">
+            <a:extLst>
+              <a:ext uri="{FF2B5EF4-FFF2-40B4-BE49-F238E27FC236}">
+                <a16:creationId xmlns:a16="http://schemas.microsoft.com/office/drawing/2014/main" id="{C3435E12-9692-4AB9-8792-8753CF5F331B}"/>
+              </a:ext>
+            </a:extLst>
+          </p:cNvPr>
+          <p:cNvSpPr>
+            <a:spLocks noGrp="1"/>
+          </p:cNvSpPr>
+          <p:nvPr>
+            <p:ph type="body" sz="quarter" idx="3"/>
+          </p:nvPr>
+        </p:nvSpPr>
+        <p:spPr>
+          <a:xfrm>
+            <a:off x="6172200" y="1681163"/>
+            <a:ext cx="5183188" cy="823912"/>
+          </a:xfrm>
+        </p:spPr>
+        <p:txBody>
+          <a:bodyPr anchor="b"/>
+          <a:lstStyle>
+            <a:lvl1pPr marL="0" indent="0">
+              <a:buNone/>
+              <a:defRPr sz="2400" b="1"/>
+            </a:lvl1pPr>
+            <a:lvl2pPr marL="457200" indent="0">
+              <a:buNone/>
+              <a:defRPr sz="2000" b="1"/>
+            </a:lvl2pPr>
+            <a:lvl3pPr marL="914400" indent="0">
+              <a:buNone/>
+              <a:defRPr sz="1800" b="1"/>
+            </a:lvl3pPr>
+            <a:lvl4pPr marL="1371600" indent="0">
+              <a:buNone/>
+              <a:defRPr sz="1600" b="1"/>
+            </a:lvl4pPr>
+            <a:lvl5pPr marL="1828800" indent="0">
+              <a:buNone/>
+              <a:defRPr sz="1600" b="1"/>
+            </a:lvl5pPr>
+            <a:lvl6pPr marL="2286000" indent="0">
+              <a:buNone/>
+              <a:defRPr sz="1600" b="1"/>
+            </a:lvl6pPr>
+            <a:lvl7pPr marL="2743200" indent="0">
+              <a:buNone/>
+              <a:defRPr sz="1600" b="1"/>
+            </a:lvl7pPr>
+            <a:lvl8pPr marL="3200400" indent="0">
+              <a:buNone/>
+              <a:defRPr sz="1600" b="1"/>
+            </a:lvl8pPr>
+            <a:lvl9pPr marL="3657600" indent="0">
+              <a:buNone/>
+              <a:defRPr sz="1600" b="1"/>
+            </a:lvl9pPr>
+          </a:lstStyle>
+          <a:p>
+            <a:pPr lvl="0"/>
+            <a:r>
+              <a:rPr lang="en-US"/>
+              <a:t>Edit Master text styles</a:t>
+            </a:r>
+          </a:p>
+        </p:txBody>
+      </p:sp>
+      <p:sp>
+        <p:nvSpPr>
+          <p:cNvPr id="6" name="Content Placeholder 5">
+            <a:extLst>
+              <a:ext uri="{FF2B5EF4-FFF2-40B4-BE49-F238E27FC236}">
+                <a16:creationId xmlns:a16="http://schemas.microsoft.com/office/drawing/2014/main" id="{B354201C-5274-4011-A80E-FE3998BCD0BB}"/>
+              </a:ext>
+            </a:extLst>
+          </p:cNvPr>
+          <p:cNvSpPr>
+            <a:spLocks noGrp="1"/>
+          </p:cNvSpPr>
+          <p:nvPr>
+            <p:ph sz="quarter" idx="4"/>
+          </p:nvPr>
+        </p:nvSpPr>
+        <p:spPr>
+          <a:xfrm>
+            <a:off x="6172200" y="2505075"/>
+            <a:ext cx="5183188" cy="3684588"/>
+          </a:xfrm>
+        </p:spPr>
+        <p:txBody>
+          <a:bodyPr/>
+          <a:lstStyle/>
+          <a:p>
+            <a:pPr lvl="0"/>
+            <a:r>
+              <a:rPr lang="en-US"/>
+              <a:t>Edit Master text styles</a:t>
+            </a:r>
+          </a:p>
+          <a:p>
+            <a:pPr lvl="1"/>
+            <a:r>
+              <a:rPr lang="en-US"/>
+              <a:t>Second level</a:t>
+            </a:r>
+          </a:p>
+          <a:p>
+            <a:pPr lvl="2"/>
+            <a:r>
+              <a:rPr lang="en-US"/>
+              <a:t>Third level</a:t>
+            </a:r>
+          </a:p>
+          <a:p>
+            <a:pPr lvl="3"/>
+            <a:r>
+              <a:rPr lang="en-US"/>
+              <a:t>Fourth level</a:t>
+            </a:r>
+          </a:p>
+          <a:p>
+            <a:pPr lvl="4"/>
+            <a:r>
+              <a:rPr lang="en-US"/>
+              <a:t>Fifth level</a:t>
+            </a:r>
+          </a:p>
+        </p:txBody>
+      </p:sp>
+      <p:sp>
+        <p:nvSpPr>
+          <p:cNvPr id="7" name="Date Placeholder 6">
+            <a:extLst>
+              <a:ext uri="{FF2B5EF4-FFF2-40B4-BE49-F238E27FC236}">
+                <a16:creationId xmlns:a16="http://schemas.microsoft.com/office/drawing/2014/main" id="{DB6D68A9-CDBE-4250-BDC9-E32480670E89}"/>
+              </a:ext>
+            </a:extLst>
+          </p:cNvPr>
+          <p:cNvSpPr>
+            <a:spLocks noGrp="1"/>
+          </p:cNvSpPr>
+          <p:nvPr>
+            <p:ph type="dt" sz="half" idx="10"/>
+          </p:nvPr>
+        </p:nvSpPr>
+        <p:spPr>
+          <a:xfrm>
+            <a:off x="838200" y="6356350"/>
+            <a:ext cx="2743200" cy="365125"/>
+          </a:xfrm>
+          <a:prstGeom prst="rect">
+            <a:avLst/>
+          </a:prstGeom>
+        </p:spPr>
+        <p:txBody>
+          <a:bodyPr/>
+          <a:lstStyle/>
+          <a:p>
+            <a:fld id="{F657B805-F065-4DDD-821B-D6FAE50E53FB}" type="datetimeFigureOut">
+              <a:rPr lang="en-US" smtClean="0"/>
+              <a:t>12/11/2018</a:t>
+            </a:fld>
+            <a:endParaRPr lang="en-US"/>
+          </a:p>
+        </p:txBody>
+      </p:sp>
+      <p:sp>
+        <p:nvSpPr>
+          <p:cNvPr id="8" name="Footer Placeholder 7">
+            <a:extLst>
+              <a:ext uri="{FF2B5EF4-FFF2-40B4-BE49-F238E27FC236}">
+                <a16:creationId xmlns:a16="http://schemas.microsoft.com/office/drawing/2014/main" id="{9C6A8D0A-7F29-45C6-82F2-06B303437B1D}"/>
+              </a:ext>
+            </a:extLst>
+          </p:cNvPr>
+          <p:cNvSpPr>
+            <a:spLocks noGrp="1"/>
+          </p:cNvSpPr>
+          <p:nvPr>
+            <p:ph type="ftr" sz="quarter" idx="11"/>
+          </p:nvPr>
+        </p:nvSpPr>
+        <p:spPr/>
+        <p:txBody>
+          <a:bodyPr/>
+          <a:lstStyle/>
+          <a:p>
+            <a:endParaRPr lang="en-US"/>
+          </a:p>
+        </p:txBody>
+      </p:sp>
+      <p:sp>
+        <p:nvSpPr>
+          <p:cNvPr id="9" name="Slide Number Placeholder 8">
+            <a:extLst>
+              <a:ext uri="{FF2B5EF4-FFF2-40B4-BE49-F238E27FC236}">
+                <a16:creationId xmlns:a16="http://schemas.microsoft.com/office/drawing/2014/main" id="{81B1795D-5472-415B-BA30-F548D00786DF}"/>
+              </a:ext>
+            </a:extLst>
+          </p:cNvPr>
+          <p:cNvSpPr>
+            <a:spLocks noGrp="1"/>
+          </p:cNvSpPr>
+          <p:nvPr>
+            <p:ph type="sldNum" sz="quarter" idx="12"/>
+          </p:nvPr>
+        </p:nvSpPr>
+        <p:spPr>
+          <a:xfrm>
+            <a:off x="8610600" y="6356350"/>
+            <a:ext cx="2743200" cy="365125"/>
+          </a:xfrm>
+          <a:prstGeom prst="rect">
+            <a:avLst/>
+          </a:prstGeom>
+        </p:spPr>
+        <p:txBody>
+          <a:bodyPr/>
+          <a:lstStyle/>
+          <a:p>
+            <a:fld id="{8E408288-2A05-4C1E-8BB7-913485736462}" type="slidenum">
+              <a:rPr lang="en-US" smtClean="0"/>
+              <a:t>‹#›</a:t>
+            </a:fld>
+            <a:endParaRPr lang="en-US"/>
+          </a:p>
+        </p:txBody>
+      </p:sp>
+    </p:spTree>
+    <p:extLst>
+      <p:ext uri="{BB962C8B-B14F-4D97-AF65-F5344CB8AC3E}">
+        <p14:creationId xmlns:p14="http://schemas.microsoft.com/office/powerpoint/2010/main" val="1197570087"/>
+      </p:ext>
+    </p:extLst>
+  </p:cSld>
+  <p:clrMapOvr>
+    <a:masterClrMapping/>
+  </p:clrMapOvr>
+</p:sldLayout>
+</file>
+
+<file path=ppt/slideLayouts/slideLayout6.xml><?xml version="1.0" encoding="utf-8"?>
+<p:sldLayout xmlns:a="http://schemas.openxmlformats.org/drawingml/2006/main" xmlns:r="http://schemas.openxmlformats.org/officeDocument/2006/relationships" xmlns:p="http://schemas.openxmlformats.org/presentationml/2006/main" type="titleOnly" preserve="1">
+  <p:cSld name="Title Only">
+    <p:spTree>
+      <p:nvGrpSpPr>
+        <p:cNvPr id="1" name=""/>
+        <p:cNvGrpSpPr/>
+        <p:nvPr/>
+      </p:nvGrpSpPr>
+      <p:grpSpPr>
+        <a:xfrm>
+          <a:off x="0" y="0"/>
+          <a:ext cx="0" cy="0"/>
+          <a:chOff x="0" y="0"/>
+          <a:chExt cx="0" cy="0"/>
+        </a:xfrm>
+      </p:grpSpPr>
+      <p:sp>
+        <p:nvSpPr>
+          <p:cNvPr id="2" name="Title 1">
+            <a:extLst>
+              <a:ext uri="{FF2B5EF4-FFF2-40B4-BE49-F238E27FC236}">
+                <a16:creationId xmlns:a16="http://schemas.microsoft.com/office/drawing/2014/main" id="{2EB3CEBF-9D6F-47EF-9EE3-62C97B8693C7}"/>
+              </a:ext>
+            </a:extLst>
+          </p:cNvPr>
+          <p:cNvSpPr>
+            <a:spLocks noGrp="1"/>
+          </p:cNvSpPr>
+          <p:nvPr>
+            <p:ph type="title"/>
+          </p:nvPr>
+        </p:nvSpPr>
+        <p:spPr/>
+        <p:txBody>
+          <a:bodyPr/>
+          <a:lstStyle/>
+          <a:p>
+            <a:r>
+              <a:rPr lang="en-US"/>
+              <a:t>Click to edit Master title style</a:t>
+            </a:r>
+          </a:p>
+        </p:txBody>
+      </p:sp>
+      <p:sp>
+        <p:nvSpPr>
+          <p:cNvPr id="3" name="Date Placeholder 2">
+            <a:extLst>
+              <a:ext uri="{FF2B5EF4-FFF2-40B4-BE49-F238E27FC236}">
+                <a16:creationId xmlns:a16="http://schemas.microsoft.com/office/drawing/2014/main" id="{C6AE9C0A-FC09-4279-A12C-CF1FC4ACCE9B}"/>
+              </a:ext>
+            </a:extLst>
+          </p:cNvPr>
+          <p:cNvSpPr>
+            <a:spLocks noGrp="1"/>
+          </p:cNvSpPr>
+          <p:nvPr>
+            <p:ph type="dt" sz="half" idx="10"/>
+          </p:nvPr>
+        </p:nvSpPr>
+        <p:spPr>
+          <a:xfrm>
+            <a:off x="838200" y="6356350"/>
+            <a:ext cx="2743200" cy="365125"/>
+          </a:xfrm>
+          <a:prstGeom prst="rect">
+            <a:avLst/>
+          </a:prstGeom>
+        </p:spPr>
+        <p:txBody>
+          <a:bodyPr/>
+          <a:lstStyle/>
+          <a:p>
+            <a:fld id="{F657B805-F065-4DDD-821B-D6FAE50E53FB}" type="datetimeFigureOut">
+              <a:rPr lang="en-US" smtClean="0"/>
+              <a:t>12/11/2018</a:t>
+            </a:fld>
+            <a:endParaRPr lang="en-US"/>
+          </a:p>
+        </p:txBody>
+      </p:sp>
+      <p:sp>
+        <p:nvSpPr>
+          <p:cNvPr id="4" name="Footer Placeholder 3">
+            <a:extLst>
+              <a:ext uri="{FF2B5EF4-FFF2-40B4-BE49-F238E27FC236}">
+                <a16:creationId xmlns:a16="http://schemas.microsoft.com/office/drawing/2014/main" id="{89A9F02E-BCCD-47A7-916C-5C304CA71A62}"/>
+              </a:ext>
+            </a:extLst>
+          </p:cNvPr>
+          <p:cNvSpPr>
+            <a:spLocks noGrp="1"/>
+          </p:cNvSpPr>
+          <p:nvPr>
+            <p:ph type="ftr" sz="quarter" idx="11"/>
+          </p:nvPr>
+        </p:nvSpPr>
+        <p:spPr/>
+        <p:txBody>
+          <a:bodyPr/>
+          <a:lstStyle/>
+          <a:p>
+            <a:endParaRPr lang="en-US"/>
+          </a:p>
+        </p:txBody>
+      </p:sp>
+      <p:sp>
+        <p:nvSpPr>
+          <p:cNvPr id="5" name="Slide Number Placeholder 4">
+            <a:extLst>
+              <a:ext uri="{FF2B5EF4-FFF2-40B4-BE49-F238E27FC236}">
+                <a16:creationId xmlns:a16="http://schemas.microsoft.com/office/drawing/2014/main" id="{DCCA5EE6-0D3B-4C18-8759-812A322530D2}"/>
+              </a:ext>
+            </a:extLst>
+          </p:cNvPr>
+          <p:cNvSpPr>
+            <a:spLocks noGrp="1"/>
+          </p:cNvSpPr>
+          <p:nvPr>
+            <p:ph type="sldNum" sz="quarter" idx="12"/>
+          </p:nvPr>
+        </p:nvSpPr>
+        <p:spPr>
+          <a:xfrm>
+            <a:off x="8610600" y="6356350"/>
+            <a:ext cx="2743200" cy="365125"/>
+          </a:xfrm>
+          <a:prstGeom prst="rect">
+            <a:avLst/>
+          </a:prstGeom>
+        </p:spPr>
+        <p:txBody>
+          <a:bodyPr/>
+          <a:lstStyle/>
+          <a:p>
+            <a:fld id="{8E408288-2A05-4C1E-8BB7-913485736462}" type="slidenum">
+              <a:rPr lang="en-US" smtClean="0"/>
+              <a:t>‹#›</a:t>
+            </a:fld>
+            <a:endParaRPr lang="en-US"/>
+          </a:p>
+        </p:txBody>
+      </p:sp>
+    </p:spTree>
+    <p:extLst>
+      <p:ext uri="{BB962C8B-B14F-4D97-AF65-F5344CB8AC3E}">
+        <p14:creationId xmlns:p14="http://schemas.microsoft.com/office/powerpoint/2010/main" val="1701193851"/>
+      </p:ext>
+    </p:extLst>
+  </p:cSld>
+  <p:clrMapOvr>
+    <a:masterClrMapping/>
+  </p:clrMapOvr>
+</p:sldLayout>
+</file>
+
+<file path=ppt/slideLayouts/slideLayout7.xml><?xml version="1.0" encoding="utf-8"?>
+<p:sldLayout xmlns:a="http://schemas.openxmlformats.org/drawingml/2006/main" xmlns:r="http://schemas.openxmlformats.org/officeDocument/2006/relationships" xmlns:p="http://schemas.openxmlformats.org/presentationml/2006/main" type="blank" preserve="1">
+  <p:cSld name="Blank">
+    <p:spTree>
+      <p:nvGrpSpPr>
+        <p:cNvPr id="1" name=""/>
+        <p:cNvGrpSpPr/>
+        <p:nvPr/>
+      </p:nvGrpSpPr>
+      <p:grpSpPr>
+        <a:xfrm>
+          <a:off x="0" y="0"/>
+          <a:ext cx="0" cy="0"/>
+          <a:chOff x="0" y="0"/>
+          <a:chExt cx="0" cy="0"/>
+        </a:xfrm>
+      </p:grpSpPr>
+      <p:sp>
+        <p:nvSpPr>
+          <p:cNvPr id="2" name="Date Placeholder 1">
+            <a:extLst>
+              <a:ext uri="{FF2B5EF4-FFF2-40B4-BE49-F238E27FC236}">
+                <a16:creationId xmlns:a16="http://schemas.microsoft.com/office/drawing/2014/main" id="{692CB08F-9B03-4D60-8EE4-511D62AE0DA2}"/>
+              </a:ext>
+            </a:extLst>
+          </p:cNvPr>
+          <p:cNvSpPr>
+            <a:spLocks noGrp="1"/>
+          </p:cNvSpPr>
+          <p:nvPr>
+            <p:ph type="dt" sz="half" idx="10"/>
+          </p:nvPr>
+        </p:nvSpPr>
+        <p:spPr>
+          <a:xfrm>
+            <a:off x="838200" y="6356350"/>
+            <a:ext cx="2743200" cy="365125"/>
+          </a:xfrm>
+          <a:prstGeom prst="rect">
+            <a:avLst/>
+          </a:prstGeom>
+        </p:spPr>
+        <p:txBody>
+          <a:bodyPr/>
+          <a:lstStyle/>
+          <a:p>
+            <a:fld id="{F657B805-F065-4DDD-821B-D6FAE50E53FB}" type="datetimeFigureOut">
+              <a:rPr lang="en-US" smtClean="0"/>
+              <a:t>12/11/2018</a:t>
+            </a:fld>
+            <a:endParaRPr lang="en-US"/>
+          </a:p>
+        </p:txBody>
+      </p:sp>
+      <p:sp>
+        <p:nvSpPr>
+          <p:cNvPr id="3" name="Footer Placeholder 2">
+            <a:extLst>
+              <a:ext uri="{FF2B5EF4-FFF2-40B4-BE49-F238E27FC236}">
+                <a16:creationId xmlns:a16="http://schemas.microsoft.com/office/drawing/2014/main" id="{02D76FC5-22C7-4DB5-A361-705C02029D6F}"/>
+              </a:ext>
+            </a:extLst>
+          </p:cNvPr>
+          <p:cNvSpPr>
+            <a:spLocks noGrp="1"/>
+          </p:cNvSpPr>
+          <p:nvPr>
+            <p:ph type="ftr" sz="quarter" idx="11"/>
+          </p:nvPr>
+        </p:nvSpPr>
+        <p:spPr/>
+        <p:txBody>
+          <a:bodyPr/>
+          <a:lstStyle/>
+          <a:p>
+            <a:endParaRPr lang="en-US"/>
+          </a:p>
+        </p:txBody>
+      </p:sp>
+      <p:sp>
+        <p:nvSpPr>
+          <p:cNvPr id="4" name="Slide Number Placeholder 3">
+            <a:extLst>
+              <a:ext uri="{FF2B5EF4-FFF2-40B4-BE49-F238E27FC236}">
+                <a16:creationId xmlns:a16="http://schemas.microsoft.com/office/drawing/2014/main" id="{BDE70A03-9867-43E1-A029-A3BE230783BC}"/>
+              </a:ext>
+            </a:extLst>
+          </p:cNvPr>
+          <p:cNvSpPr>
+            <a:spLocks noGrp="1"/>
+          </p:cNvSpPr>
+          <p:nvPr>
+            <p:ph type="sldNum" sz="quarter" idx="12"/>
+          </p:nvPr>
+        </p:nvSpPr>
+        <p:spPr>
+          <a:xfrm>
+            <a:off x="8610600" y="6356350"/>
+            <a:ext cx="2743200" cy="365125"/>
+          </a:xfrm>
+          <a:prstGeom prst="rect">
+            <a:avLst/>
+          </a:prstGeom>
+        </p:spPr>
+        <p:txBody>
+          <a:bodyPr/>
+          <a:lstStyle/>
+          <a:p>
+            <a:fld id="{8E408288-2A05-4C1E-8BB7-913485736462}" type="slidenum">
+              <a:rPr lang="en-US" smtClean="0"/>
+              <a:t>‹#›</a:t>
+            </a:fld>
+            <a:endParaRPr lang="en-US"/>
+          </a:p>
+        </p:txBody>
+      </p:sp>
+    </p:spTree>
+    <p:extLst>
+      <p:ext uri="{BB962C8B-B14F-4D97-AF65-F5344CB8AC3E}">
+        <p14:creationId xmlns:p14="http://schemas.microsoft.com/office/powerpoint/2010/main" val="567159107"/>
+      </p:ext>
+    </p:extLst>
+  </p:cSld>
+  <p:clrMapOvr>
+    <a:masterClrMapping/>
+  </p:clrMapOvr>
+</p:sldLayout>
+</file>
+
+<file path=ppt/slideLayouts/slideLayout8.xml><?xml version="1.0" encoding="utf-8"?>
+<p:sldLayout xmlns:a="http://schemas.openxmlformats.org/drawingml/2006/main" xmlns:r="http://schemas.openxmlformats.org/officeDocument/2006/relationships" xmlns:p="http://schemas.openxmlformats.org/presentationml/2006/main" type="objTx" preserve="1">
+  <p:cSld name="Content with Caption">
+    <p:spTree>
+      <p:nvGrpSpPr>
+        <p:cNvPr id="1" name=""/>
+        <p:cNvGrpSpPr/>
+        <p:nvPr/>
+      </p:nvGrpSpPr>
+      <p:grpSpPr>
+        <a:xfrm>
+          <a:off x="0" y="0"/>
+          <a:ext cx="0" cy="0"/>
+          <a:chOff x="0" y="0"/>
+          <a:chExt cx="0" cy="0"/>
+        </a:xfrm>
+      </p:grpSpPr>
+      <p:sp>
+        <p:nvSpPr>
+          <p:cNvPr id="2" name="Title 1">
+            <a:extLst>
+              <a:ext uri="{FF2B5EF4-FFF2-40B4-BE49-F238E27FC236}">
+                <a16:creationId xmlns:a16="http://schemas.microsoft.com/office/drawing/2014/main" id="{7D92E7AC-CA20-4FC5-AA54-7B5F06D7E3DF}"/>
+              </a:ext>
+            </a:extLst>
+          </p:cNvPr>
+          <p:cNvSpPr>
+            <a:spLocks noGrp="1"/>
+          </p:cNvSpPr>
+          <p:nvPr>
+            <p:ph type="title"/>
+          </p:nvPr>
+        </p:nvSpPr>
+        <p:spPr>
+          <a:xfrm>
+            <a:off x="839788" y="457200"/>
+            <a:ext cx="3932237" cy="1600200"/>
+          </a:xfrm>
+        </p:spPr>
+        <p:txBody>
+          <a:bodyPr anchor="b"/>
+          <a:lstStyle>
+            <a:lvl1pPr>
+              <a:defRPr sz="3200"/>
+            </a:lvl1pPr>
+          </a:lstStyle>
+          <a:p>
+            <a:r>
+              <a:rPr lang="en-US"/>
+              <a:t>Click to edit Master title style</a:t>
+            </a:r>
+          </a:p>
+        </p:txBody>
+      </p:sp>
+      <p:sp>
+        <p:nvSpPr>
+          <p:cNvPr id="3" name="Content Placeholder 2">
+            <a:extLst>
+              <a:ext uri="{FF2B5EF4-FFF2-40B4-BE49-F238E27FC236}">
+                <a16:creationId xmlns:a16="http://schemas.microsoft.com/office/drawing/2014/main" id="{C04311B7-6590-4631-B0EA-3CE414A88DA8}"/>
+              </a:ext>
+            </a:extLst>
+          </p:cNvPr>
+          <p:cNvSpPr>
+            <a:spLocks noGrp="1"/>
+          </p:cNvSpPr>
+          <p:nvPr>
+            <p:ph idx="1"/>
+          </p:nvPr>
+        </p:nvSpPr>
+        <p:spPr>
+          <a:xfrm>
+            <a:off x="5183188" y="987425"/>
+            <a:ext cx="6172200" cy="4873625"/>
+          </a:xfrm>
+        </p:spPr>
+        <p:txBody>
+          <a:bodyPr/>
+          <a:lstStyle>
+            <a:lvl1pPr>
+              <a:defRPr sz="3200"/>
+            </a:lvl1pPr>
+            <a:lvl2pPr>
+              <a:defRPr sz="2800"/>
+            </a:lvl2pPr>
+            <a:lvl3pPr>
+              <a:defRPr sz="2400"/>
+            </a:lvl3pPr>
+            <a:lvl4pPr>
+              <a:defRPr sz="2000"/>
+            </a:lvl4pPr>
+            <a:lvl5pPr>
+              <a:defRPr sz="2000"/>
+            </a:lvl5pPr>
+            <a:lvl6pPr>
+              <a:defRPr sz="2000"/>
+            </a:lvl6pPr>
+            <a:lvl7pPr>
+              <a:defRPr sz="2000"/>
+            </a:lvl7pPr>
+            <a:lvl8pPr>
+              <a:defRPr sz="2000"/>
+            </a:lvl8pPr>
+            <a:lvl9pPr>
+              <a:defRPr sz="2000"/>
+            </a:lvl9pPr>
+          </a:lstStyle>
+          <a:p>
+            <a:pPr lvl="0"/>
+            <a:r>
+              <a:rPr lang="en-US"/>
+              <a:t>Edit Master text styles</a:t>
+            </a:r>
+          </a:p>
+          <a:p>
+            <a:pPr lvl="1"/>
+            <a:r>
+              <a:rPr lang="en-US"/>
+              <a:t>Second level</a:t>
+            </a:r>
+          </a:p>
+          <a:p>
+            <a:pPr lvl="2"/>
+            <a:r>
+              <a:rPr lang="en-US"/>
+              <a:t>Third level</a:t>
+            </a:r>
+          </a:p>
+          <a:p>
+            <a:pPr lvl="3"/>
+            <a:r>
+              <a:rPr lang="en-US"/>
+              <a:t>Fourth level</a:t>
+            </a:r>
+          </a:p>
+          <a:p>
+            <a:pPr lvl="4"/>
+            <a:r>
+              <a:rPr lang="en-US"/>
+              <a:t>Fifth level</a:t>
+            </a:r>
+          </a:p>
+        </p:txBody>
+      </p:sp>
+      <p:sp>
+        <p:nvSpPr>
           <p:cNvPr id="4" name="Text Placeholder 3">
             <a:extLst>
               <a:ext uri="{FF2B5EF4-FFF2-40B4-BE49-F238E27FC236}">
-                <a16:creationId xmlns:a16="http://schemas.microsoft.com/office/drawing/2014/main" xmlns="" id="{20CE6A96-134C-437F-9FA7-3BFA461A1765}"/>
+                <a16:creationId xmlns:a16="http://schemas.microsoft.com/office/drawing/2014/main" id="{B2F21C70-E3E7-4A52-B9E1-8B7E6EDF4A73}"/>
               </a:ext>
             </a:extLst>
           </p:cNvPr>
@@ -2377,7 +4998,7 @@
           <p:cNvPr id="5" name="Date Placeholder 4">
             <a:extLst>
               <a:ext uri="{FF2B5EF4-FFF2-40B4-BE49-F238E27FC236}">
-                <a16:creationId xmlns:a16="http://schemas.microsoft.com/office/drawing/2014/main" xmlns="" id="{7EC771A4-0C1D-4EB5-8DFB-63592AA6AB61}"/>
+                <a16:creationId xmlns:a16="http://schemas.microsoft.com/office/drawing/2014/main" id="{C3665185-E7E2-4539-B9D0-02A042196115}"/>
               </a:ext>
             </a:extLst>
           </p:cNvPr>
@@ -2388,14 +5009,22 @@
             <p:ph type="dt" sz="half" idx="10"/>
           </p:nvPr>
         </p:nvSpPr>
-        <p:spPr/>
+        <p:spPr>
+          <a:xfrm>
+            <a:off x="838200" y="6356350"/>
+            <a:ext cx="2743200" cy="365125"/>
+          </a:xfrm>
+          <a:prstGeom prst="rect">
+            <a:avLst/>
+          </a:prstGeom>
+        </p:spPr>
         <p:txBody>
           <a:bodyPr/>
           <a:lstStyle/>
           <a:p>
             <a:fld id="{F657B805-F065-4DDD-821B-D6FAE50E53FB}" type="datetimeFigureOut">
               <a:rPr lang="en-US" smtClean="0"/>
-              <a:t>12/10/2018</a:t>
+              <a:t>12/11/2018</a:t>
             </a:fld>
             <a:endParaRPr lang="en-US"/>
           </a:p>
@@ -2406,7 +5035,7 @@
           <p:cNvPr id="6" name="Footer Placeholder 5">
             <a:extLst>
               <a:ext uri="{FF2B5EF4-FFF2-40B4-BE49-F238E27FC236}">
-                <a16:creationId xmlns:a16="http://schemas.microsoft.com/office/drawing/2014/main" xmlns="" id="{F16E1B3B-2BFF-4703-8CEB-AC367B0BA684}"/>
+                <a16:creationId xmlns:a16="http://schemas.microsoft.com/office/drawing/2014/main" id="{95F35328-35F6-4E9F-ACEA-7F6EDCE1399D}"/>
               </a:ext>
             </a:extLst>
           </p:cNvPr>
@@ -2431,7 +5060,7 @@
           <p:cNvPr id="7" name="Slide Number Placeholder 6">
             <a:extLst>
               <a:ext uri="{FF2B5EF4-FFF2-40B4-BE49-F238E27FC236}">
-                <a16:creationId xmlns:a16="http://schemas.microsoft.com/office/drawing/2014/main" xmlns="" id="{099627F3-DDE6-4759-89D9-D47040E9AEB6}"/>
+                <a16:creationId xmlns:a16="http://schemas.microsoft.com/office/drawing/2014/main" id="{7D3530D7-713A-4142-865D-69F2CBB2ABC3}"/>
               </a:ext>
             </a:extLst>
           </p:cNvPr>
@@ -2442,7 +5071,15 @@
             <p:ph type="sldNum" sz="quarter" idx="12"/>
           </p:nvPr>
         </p:nvSpPr>
-        <p:spPr/>
+        <p:spPr>
+          <a:xfrm>
+            <a:off x="8610600" y="6356350"/>
+            <a:ext cx="2743200" cy="365125"/>
+          </a:xfrm>
+          <a:prstGeom prst="rect">
+            <a:avLst/>
+          </a:prstGeom>
+        </p:spPr>
         <p:txBody>
           <a:bodyPr/>
           <a:lstStyle/>
@@ -2458,7 +5095,7 @@
     </p:spTree>
     <p:extLst>
       <p:ext uri="{BB962C8B-B14F-4D97-AF65-F5344CB8AC3E}">
-        <p14:creationId xmlns:p14="http://schemas.microsoft.com/office/powerpoint/2010/main" val="1310945873"/>
+        <p14:creationId xmlns:p14="http://schemas.microsoft.com/office/powerpoint/2010/main" val="2319298915"/>
       </p:ext>
     </p:extLst>
   </p:cSld>
@@ -2490,7 +5127,7 @@
           <p:cNvPr id="2" name="Title 1">
             <a:extLst>
               <a:ext uri="{FF2B5EF4-FFF2-40B4-BE49-F238E27FC236}">
-                <a16:creationId xmlns:a16="http://schemas.microsoft.com/office/drawing/2014/main" xmlns="" id="{45100DBF-84B1-41BC-B77F-85F02EBE3771}"/>
+                <a16:creationId xmlns:a16="http://schemas.microsoft.com/office/drawing/2014/main" id="{5858AD64-1235-487E-9A09-75012305112A}"/>
               </a:ext>
             </a:extLst>
           </p:cNvPr>
@@ -2527,7 +5164,7 @@
           <p:cNvPr id="3" name="Picture Placeholder 2">
             <a:extLst>
               <a:ext uri="{FF2B5EF4-FFF2-40B4-BE49-F238E27FC236}">
-                <a16:creationId xmlns:a16="http://schemas.microsoft.com/office/drawing/2014/main" xmlns="" id="{364A2B32-5917-4B65-B5D2-0F02F869FEFF}"/>
+                <a16:creationId xmlns:a16="http://schemas.microsoft.com/office/drawing/2014/main" id="{05D99B9C-611F-4220-8C96-BA83A97158DA}"/>
               </a:ext>
             </a:extLst>
           </p:cNvPr>
@@ -2585,7 +5222,10 @@
             </a:lvl9pPr>
           </a:lstStyle>
           <a:p>
-            <a:endParaRPr lang="en-US"/>
+            <a:r>
+              <a:rPr lang="en-US"/>
+              <a:t>Click icon to add picture</a:t>
+            </a:r>
           </a:p>
         </p:txBody>
       </p:sp>
@@ -2594,7 +5234,7 @@
           <p:cNvPr id="4" name="Text Placeholder 3">
             <a:extLst>
               <a:ext uri="{FF2B5EF4-FFF2-40B4-BE49-F238E27FC236}">
-                <a16:creationId xmlns:a16="http://schemas.microsoft.com/office/drawing/2014/main" xmlns="" id="{16E6CC60-64D0-4562-91B3-A4831E5D7C37}"/>
+                <a16:creationId xmlns:a16="http://schemas.microsoft.com/office/drawing/2014/main" id="{4E0AA1A1-26F2-44A0-9322-3322B2666875}"/>
               </a:ext>
             </a:extLst>
           </p:cNvPr>
@@ -2665,7 +5305,7 @@
           <p:cNvPr id="5" name="Date Placeholder 4">
             <a:extLst>
               <a:ext uri="{FF2B5EF4-FFF2-40B4-BE49-F238E27FC236}">
-                <a16:creationId xmlns:a16="http://schemas.microsoft.com/office/drawing/2014/main" xmlns="" id="{1B0F63C8-9E45-488D-8B98-4B6E8BCC5D3E}"/>
+                <a16:creationId xmlns:a16="http://schemas.microsoft.com/office/drawing/2014/main" id="{2520F382-0E56-432B-970C-3DABE5CA9ACE}"/>
               </a:ext>
             </a:extLst>
           </p:cNvPr>
@@ -2676,14 +5316,22 @@
             <p:ph type="dt" sz="half" idx="10"/>
           </p:nvPr>
         </p:nvSpPr>
-        <p:spPr/>
+        <p:spPr>
+          <a:xfrm>
+            <a:off x="838200" y="6356350"/>
+            <a:ext cx="2743200" cy="365125"/>
+          </a:xfrm>
+          <a:prstGeom prst="rect">
+            <a:avLst/>
+          </a:prstGeom>
+        </p:spPr>
         <p:txBody>
           <a:bodyPr/>
           <a:lstStyle/>
           <a:p>
             <a:fld id="{F657B805-F065-4DDD-821B-D6FAE50E53FB}" type="datetimeFigureOut">
               <a:rPr lang="en-US" smtClean="0"/>
-              <a:t>12/10/2018</a:t>
+              <a:t>12/11/2018</a:t>
             </a:fld>
             <a:endParaRPr lang="en-US"/>
           </a:p>
@@ -2694,7 +5342,7 @@
           <p:cNvPr id="6" name="Footer Placeholder 5">
             <a:extLst>
               <a:ext uri="{FF2B5EF4-FFF2-40B4-BE49-F238E27FC236}">
-                <a16:creationId xmlns:a16="http://schemas.microsoft.com/office/drawing/2014/main" xmlns="" id="{557AFFD9-28EE-4424-89C3-01CC0CBE4DBC}"/>
+                <a16:creationId xmlns:a16="http://schemas.microsoft.com/office/drawing/2014/main" id="{E62E010E-DD6F-43A1-82AC-4AAEF7E49092}"/>
               </a:ext>
             </a:extLst>
           </p:cNvPr>
@@ -2719,7 +5367,7 @@
           <p:cNvPr id="7" name="Slide Number Placeholder 6">
             <a:extLst>
               <a:ext uri="{FF2B5EF4-FFF2-40B4-BE49-F238E27FC236}">
-                <a16:creationId xmlns:a16="http://schemas.microsoft.com/office/drawing/2014/main" xmlns="" id="{3F6E2095-629D-4899-886C-006DAEF1D2C5}"/>
+                <a16:creationId xmlns:a16="http://schemas.microsoft.com/office/drawing/2014/main" id="{F71EA10F-0831-4A28-8DCF-F8218C7F6AF5}"/>
               </a:ext>
             </a:extLst>
           </p:cNvPr>
@@ -2730,7 +5378,15 @@
             <p:ph type="sldNum" sz="quarter" idx="12"/>
           </p:nvPr>
         </p:nvSpPr>
-        <p:spPr/>
+        <p:spPr>
+          <a:xfrm>
+            <a:off x="8610600" y="6356350"/>
+            <a:ext cx="2743200" cy="365125"/>
+          </a:xfrm>
+          <a:prstGeom prst="rect">
+            <a:avLst/>
+          </a:prstGeom>
+        </p:spPr>
         <p:txBody>
           <a:bodyPr/>
           <a:lstStyle/>
@@ -2746,7 +5402,7 @@
     </p:spTree>
     <p:extLst>
       <p:ext uri="{BB962C8B-B14F-4D97-AF65-F5344CB8AC3E}">
-        <p14:creationId xmlns:p14="http://schemas.microsoft.com/office/powerpoint/2010/main" val="2818812459"/>
+        <p14:creationId xmlns:p14="http://schemas.microsoft.com/office/powerpoint/2010/main" val="2254602380"/>
       </p:ext>
     </p:extLst>
   </p:cSld>
@@ -2757,7 +5413,7 @@
 </file>
 
 <file path=ppt/slideMasters/slideMaster1.xml><?xml version="1.0" encoding="utf-8"?>
-<p:sldMaster xmlns:a="http://schemas.openxmlformats.org/drawingml/2006/main" xmlns:r="http://schemas.openxmlformats.org/officeDocument/2006/relationships" xmlns:p="http://schemas.openxmlformats.org/presentationml/2006/main">
+<p:sldMaster xmlns:a="http://schemas.openxmlformats.org/drawingml/2006/main" xmlns:r="http://schemas.openxmlformats.org/officeDocument/2006/relationships" xmlns:p="http://schemas.openxmlformats.org/presentationml/2006/main" preserve="1">
   <p:cSld>
     <p:bg>
       <p:bgRef idx="1001">
@@ -2783,7 +5439,7 @@
           <p:cNvPr id="2" name="Title Placeholder 1">
             <a:extLst>
               <a:ext uri="{FF2B5EF4-FFF2-40B4-BE49-F238E27FC236}">
-                <a16:creationId xmlns:a16="http://schemas.microsoft.com/office/drawing/2014/main" xmlns="" id="{262FBD02-0580-4EE3-923C-97CF5171C918}"/>
+                <a16:creationId xmlns:a16="http://schemas.microsoft.com/office/drawing/2014/main" id="{B97A4B4B-7891-46E8-8E2C-4A43CE28BEDF}"/>
               </a:ext>
             </a:extLst>
           </p:cNvPr>
@@ -2821,7 +5477,7 @@
           <p:cNvPr id="3" name="Text Placeholder 2">
             <a:extLst>
               <a:ext uri="{FF2B5EF4-FFF2-40B4-BE49-F238E27FC236}">
-                <a16:creationId xmlns:a16="http://schemas.microsoft.com/office/drawing/2014/main" xmlns="" id="{1FE85E9B-26E0-44D9-9368-9141ED301BB7}"/>
+                <a16:creationId xmlns:a16="http://schemas.microsoft.com/office/drawing/2014/main" id="{3911003D-388B-489E-B61B-028FD9516650}"/>
               </a:ext>
             </a:extLst>
           </p:cNvPr>
@@ -2849,84 +5505,37 @@
           <a:p>
             <a:pPr lvl="0"/>
             <a:r>
-              <a:rPr lang="en-US"/>
+              <a:rPr lang="en-US" dirty="0"/>
               <a:t>Edit Master text styles</a:t>
             </a:r>
           </a:p>
           <a:p>
             <a:pPr lvl="1"/>
             <a:r>
-              <a:rPr lang="en-US"/>
+              <a:rPr lang="en-US" dirty="0"/>
               <a:t>Second level</a:t>
             </a:r>
           </a:p>
           <a:p>
             <a:pPr lvl="2"/>
             <a:r>
-              <a:rPr lang="en-US"/>
+              <a:rPr lang="en-US" dirty="0"/>
               <a:t>Third level</a:t>
             </a:r>
           </a:p>
           <a:p>
             <a:pPr lvl="3"/>
             <a:r>
-              <a:rPr lang="en-US"/>
+              <a:rPr lang="en-US" dirty="0"/>
               <a:t>Fourth level</a:t>
             </a:r>
           </a:p>
           <a:p>
             <a:pPr lvl="4"/>
             <a:r>
-              <a:rPr lang="en-US"/>
+              <a:rPr lang="en-US" dirty="0"/>
               <a:t>Fifth level</a:t>
             </a:r>
-          </a:p>
-        </p:txBody>
-      </p:sp>
-      <p:sp>
-        <p:nvSpPr>
-          <p:cNvPr id="4" name="Date Placeholder 3">
-            <a:extLst>
-              <a:ext uri="{FF2B5EF4-FFF2-40B4-BE49-F238E27FC236}">
-                <a16:creationId xmlns:a16="http://schemas.microsoft.com/office/drawing/2014/main" xmlns="" id="{8D9318C7-F492-4023-95E5-979C0CA1AB1E}"/>
-              </a:ext>
-            </a:extLst>
-          </p:cNvPr>
-          <p:cNvSpPr>
-            <a:spLocks noGrp="1"/>
-          </p:cNvSpPr>
-          <p:nvPr>
-            <p:ph type="dt" sz="half" idx="2"/>
-          </p:nvPr>
-        </p:nvSpPr>
-        <p:spPr>
-          <a:xfrm>
-            <a:off x="838200" y="6356350"/>
-            <a:ext cx="2743200" cy="365125"/>
-          </a:xfrm>
-          <a:prstGeom prst="rect">
-            <a:avLst/>
-          </a:prstGeom>
-        </p:spPr>
-        <p:txBody>
-          <a:bodyPr vert="horz" lIns="91440" tIns="45720" rIns="91440" bIns="45720" rtlCol="0" anchor="ctr"/>
-          <a:lstStyle>
-            <a:lvl1pPr algn="l">
-              <a:defRPr sz="1200">
-                <a:solidFill>
-                  <a:schemeClr val="tx1">
-                    <a:tint val="75000"/>
-                  </a:schemeClr>
-                </a:solidFill>
-              </a:defRPr>
-            </a:lvl1pPr>
-          </a:lstStyle>
-          <a:p>
-            <a:fld id="{F657B805-F065-4DDD-821B-D6FAE50E53FB}" type="datetimeFigureOut">
-              <a:rPr lang="en-US" smtClean="0"/>
-              <a:t>12/10/2018</a:t>
-            </a:fld>
-            <a:endParaRPr lang="en-US"/>
           </a:p>
         </p:txBody>
       </p:sp>
@@ -2935,7 +5544,7 @@
           <p:cNvPr id="5" name="Footer Placeholder 4">
             <a:extLst>
               <a:ext uri="{FF2B5EF4-FFF2-40B4-BE49-F238E27FC236}">
-                <a16:creationId xmlns:a16="http://schemas.microsoft.com/office/drawing/2014/main" xmlns="" id="{393F5CB2-04BB-4AE1-8CF1-0A3D3EDEFB8F}"/>
+                <a16:creationId xmlns:a16="http://schemas.microsoft.com/office/drawing/2014/main" id="{7FF24B16-6409-4A0B-A9E8-7BEDFCD3741B}"/>
               </a:ext>
             </a:extLst>
           </p:cNvPr>
@@ -2973,73 +5582,119 @@
           </a:p>
         </p:txBody>
       </p:sp>
-      <p:sp>
-        <p:nvSpPr>
-          <p:cNvPr id="6" name="Slide Number Placeholder 5">
+      <p:grpSp>
+        <p:nvGrpSpPr>
+          <p:cNvPr id="8" name="Group 7">
             <a:extLst>
               <a:ext uri="{FF2B5EF4-FFF2-40B4-BE49-F238E27FC236}">
-                <a16:creationId xmlns:a16="http://schemas.microsoft.com/office/drawing/2014/main" xmlns="" id="{B9E4E83D-9772-4FED-83CC-3791BAE26A66}"/>
+                <a16:creationId xmlns:a16="http://schemas.microsoft.com/office/drawing/2014/main" id="{8C1E83E0-1C1D-47CB-853B-598DFFEE3018}"/>
               </a:ext>
             </a:extLst>
           </p:cNvPr>
-          <p:cNvSpPr>
-            <a:spLocks noGrp="1"/>
-          </p:cNvSpPr>
-          <p:nvPr>
-            <p:ph type="sldNum" sz="quarter" idx="4"/>
-          </p:nvPr>
-        </p:nvSpPr>
-        <p:spPr>
+          <p:cNvGrpSpPr/>
+          <p:nvPr/>
+        </p:nvGrpSpPr>
+        <p:grpSpPr>
           <a:xfrm>
-            <a:off x="8610600" y="6356350"/>
-            <a:ext cx="2743200" cy="365125"/>
+            <a:off x="9460175" y="5892139"/>
+            <a:ext cx="2606722" cy="928422"/>
+            <a:chOff x="0" y="4684383"/>
+            <a:chExt cx="1175626" cy="447549"/>
           </a:xfrm>
-          <a:prstGeom prst="rect">
-            <a:avLst/>
-          </a:prstGeom>
-        </p:spPr>
-        <p:txBody>
-          <a:bodyPr vert="horz" lIns="91440" tIns="45720" rIns="91440" bIns="45720" rtlCol="0" anchor="ctr"/>
-          <a:lstStyle>
-            <a:lvl1pPr algn="r">
-              <a:defRPr sz="1200">
-                <a:solidFill>
-                  <a:schemeClr val="tx1">
-                    <a:tint val="75000"/>
-                  </a:schemeClr>
-                </a:solidFill>
-              </a:defRPr>
-            </a:lvl1pPr>
-          </a:lstStyle>
-          <a:p>
-            <a:fld id="{8E408288-2A05-4C1E-8BB7-913485736462}" type="slidenum">
-              <a:rPr lang="en-US" smtClean="0"/>
-              <a:t>‹#›</a:t>
-            </a:fld>
-            <a:endParaRPr lang="en-US"/>
-          </a:p>
-        </p:txBody>
-      </p:sp>
+        </p:grpSpPr>
+        <p:pic>
+          <p:nvPicPr>
+            <p:cNvPr id="9" name="Picture 8">
+              <a:extLst>
+                <a:ext uri="{FF2B5EF4-FFF2-40B4-BE49-F238E27FC236}">
+                  <a16:creationId xmlns:a16="http://schemas.microsoft.com/office/drawing/2014/main" id="{C247AE3A-171B-4E36-8770-E111D72C8D51}"/>
+                </a:ext>
+              </a:extLst>
+            </p:cNvPr>
+            <p:cNvPicPr>
+              <a:picLocks noChangeAspect="1"/>
+            </p:cNvPicPr>
+            <p:nvPr userDrawn="1"/>
+          </p:nvPicPr>
+          <p:blipFill>
+            <a:blip r:embed="rId13" cstate="print">
+              <a:extLst>
+                <a:ext uri="{28A0092B-C50C-407E-A947-70E740481C1C}">
+                  <a14:useLocalDpi xmlns:a14="http://schemas.microsoft.com/office/drawing/2010/main" val="0"/>
+                </a:ext>
+              </a:extLst>
+            </a:blip>
+            <a:stretch>
+              <a:fillRect/>
+            </a:stretch>
+          </p:blipFill>
+          <p:spPr>
+            <a:xfrm>
+              <a:off x="0" y="4705350"/>
+              <a:ext cx="775817" cy="426582"/>
+            </a:xfrm>
+            <a:prstGeom prst="rect">
+              <a:avLst/>
+            </a:prstGeom>
+          </p:spPr>
+        </p:pic>
+        <p:pic>
+          <p:nvPicPr>
+            <p:cNvPr id="10" name="Picture 9">
+              <a:extLst>
+                <a:ext uri="{FF2B5EF4-FFF2-40B4-BE49-F238E27FC236}">
+                  <a16:creationId xmlns:a16="http://schemas.microsoft.com/office/drawing/2014/main" id="{CB3072C0-B39B-4FDC-B4B6-E51875FEB3AC}"/>
+                </a:ext>
+              </a:extLst>
+            </p:cNvPr>
+            <p:cNvPicPr>
+              <a:picLocks noChangeAspect="1"/>
+            </p:cNvPicPr>
+            <p:nvPr userDrawn="1"/>
+          </p:nvPicPr>
+          <p:blipFill>
+            <a:blip r:embed="rId14" cstate="print">
+              <a:extLst>
+                <a:ext uri="{28A0092B-C50C-407E-A947-70E740481C1C}">
+                  <a14:useLocalDpi xmlns:a14="http://schemas.microsoft.com/office/drawing/2010/main" val="0"/>
+                </a:ext>
+              </a:extLst>
+            </a:blip>
+            <a:stretch>
+              <a:fillRect/>
+            </a:stretch>
+          </p:blipFill>
+          <p:spPr>
+            <a:xfrm>
+              <a:off x="799685" y="4684383"/>
+              <a:ext cx="375941" cy="447549"/>
+            </a:xfrm>
+            <a:prstGeom prst="rect">
+              <a:avLst/>
+            </a:prstGeom>
+          </p:spPr>
+        </p:pic>
+      </p:grpSp>
     </p:spTree>
     <p:extLst>
       <p:ext uri="{BB962C8B-B14F-4D97-AF65-F5344CB8AC3E}">
-        <p14:creationId xmlns:p14="http://schemas.microsoft.com/office/powerpoint/2010/main" val="1314965841"/>
+        <p14:creationId xmlns:p14="http://schemas.microsoft.com/office/powerpoint/2010/main" val="1545672923"/>
       </p:ext>
     </p:extLst>
   </p:cSld>
   <p:clrMap bg1="lt1" tx1="dk1" bg2="lt2" tx2="dk2" accent1="accent1" accent2="accent2" accent3="accent3" accent4="accent4" accent5="accent5" accent6="accent6" hlink="hlink" folHlink="folHlink"/>
   <p:sldLayoutIdLst>
-    <p:sldLayoutId id="2147483649" r:id="rId1"/>
-    <p:sldLayoutId id="2147483650" r:id="rId2"/>
-    <p:sldLayoutId id="2147483651" r:id="rId3"/>
-    <p:sldLayoutId id="2147483652" r:id="rId4"/>
-    <p:sldLayoutId id="2147483653" r:id="rId5"/>
-    <p:sldLayoutId id="2147483654" r:id="rId6"/>
-    <p:sldLayoutId id="2147483655" r:id="rId7"/>
-    <p:sldLayoutId id="2147483656" r:id="rId8"/>
-    <p:sldLayoutId id="2147483657" r:id="rId9"/>
-    <p:sldLayoutId id="2147483658" r:id="rId10"/>
-    <p:sldLayoutId id="2147483659" r:id="rId11"/>
+    <p:sldLayoutId id="2147483661" r:id="rId1"/>
+    <p:sldLayoutId id="2147483662" r:id="rId2"/>
+    <p:sldLayoutId id="2147483663" r:id="rId3"/>
+    <p:sldLayoutId id="2147483664" r:id="rId4"/>
+    <p:sldLayoutId id="2147483665" r:id="rId5"/>
+    <p:sldLayoutId id="2147483666" r:id="rId6"/>
+    <p:sldLayoutId id="2147483667" r:id="rId7"/>
+    <p:sldLayoutId id="2147483668" r:id="rId8"/>
+    <p:sldLayoutId id="2147483669" r:id="rId9"/>
+    <p:sldLayoutId id="2147483670" r:id="rId10"/>
+    <p:sldLayoutId id="2147483671" r:id="rId11"/>
   </p:sldLayoutIdLst>
   <p:txStyles>
     <p:titleStyle>
@@ -3087,8 +5742,8 @@
         <a:spcBef>
           <a:spcPts val="500"/>
         </a:spcBef>
-        <a:buFont typeface="Arial" panose="020B0604020202020204" pitchFamily="34" charset="0"/>
-        <a:buChar char="•"/>
+        <a:buFont typeface="Courier New" panose="02070309020205020404" pitchFamily="49" charset="0"/>
+        <a:buChar char="o"/>
         <a:defRPr sz="2400" kern="1200">
           <a:solidFill>
             <a:schemeClr val="tx1"/>
@@ -3105,8 +5760,8 @@
         <a:spcBef>
           <a:spcPts val="500"/>
         </a:spcBef>
-        <a:buFont typeface="Arial" panose="020B0604020202020204" pitchFamily="34" charset="0"/>
-        <a:buChar char="•"/>
+        <a:buFont typeface="Wingdings" panose="05000000000000000000" pitchFamily="2" charset="2"/>
+        <a:buChar char="§"/>
         <a:defRPr sz="2000" kern="1200">
           <a:solidFill>
             <a:schemeClr val="tx1"/>
@@ -3324,6 +5979,514 @@
 </p:sldMaster>
 </file>
 
+<file path=ppt/slideMasters/slideMaster2.xml><?xml version="1.0" encoding="utf-8"?>
+<p:sldMaster xmlns:a="http://schemas.openxmlformats.org/drawingml/2006/main" xmlns:r="http://schemas.openxmlformats.org/officeDocument/2006/relationships" xmlns:p="http://schemas.openxmlformats.org/presentationml/2006/main" preserve="1">
+  <p:cSld>
+    <p:bg>
+      <p:bgRef idx="1001">
+        <a:schemeClr val="bg1"/>
+      </p:bgRef>
+    </p:bg>
+    <p:spTree>
+      <p:nvGrpSpPr>
+        <p:cNvPr id="1" name=""/>
+        <p:cNvGrpSpPr/>
+        <p:nvPr/>
+      </p:nvGrpSpPr>
+      <p:grpSpPr>
+        <a:xfrm>
+          <a:off x="0" y="0"/>
+          <a:ext cx="0" cy="0"/>
+          <a:chOff x="0" y="0"/>
+          <a:chExt cx="0" cy="0"/>
+        </a:xfrm>
+      </p:grpSpPr>
+      <p:sp>
+        <p:nvSpPr>
+          <p:cNvPr id="2" name="Title Placeholder 1"/>
+          <p:cNvSpPr>
+            <a:spLocks noGrp="1"/>
+          </p:cNvSpPr>
+          <p:nvPr>
+            <p:ph type="title"/>
+          </p:nvPr>
+        </p:nvSpPr>
+        <p:spPr>
+          <a:xfrm>
+            <a:off x="609600" y="274638"/>
+            <a:ext cx="10972800" cy="1143000"/>
+          </a:xfrm>
+          <a:prstGeom prst="rect">
+            <a:avLst/>
+          </a:prstGeom>
+        </p:spPr>
+        <p:txBody>
+          <a:bodyPr vert="horz" lIns="91440" tIns="45720" rIns="91440" bIns="45720" rtlCol="0" anchor="ctr">
+            <a:normAutofit/>
+          </a:bodyPr>
+          <a:lstStyle/>
+          <a:p>
+            <a:r>
+              <a:rPr lang="en-US"/>
+              <a:t>Click to edit Master title style</a:t>
+            </a:r>
+          </a:p>
+        </p:txBody>
+      </p:sp>
+      <p:sp>
+        <p:nvSpPr>
+          <p:cNvPr id="3" name="Text Placeholder 2"/>
+          <p:cNvSpPr>
+            <a:spLocks noGrp="1"/>
+          </p:cNvSpPr>
+          <p:nvPr>
+            <p:ph type="body" idx="1"/>
+          </p:nvPr>
+        </p:nvSpPr>
+        <p:spPr>
+          <a:xfrm>
+            <a:off x="609600" y="1600201"/>
+            <a:ext cx="10972800" cy="4525963"/>
+          </a:xfrm>
+          <a:prstGeom prst="rect">
+            <a:avLst/>
+          </a:prstGeom>
+        </p:spPr>
+        <p:txBody>
+          <a:bodyPr vert="horz" lIns="91440" tIns="45720" rIns="91440" bIns="45720" rtlCol="0">
+            <a:normAutofit/>
+          </a:bodyPr>
+          <a:lstStyle/>
+          <a:p>
+            <a:pPr lvl="0"/>
+            <a:r>
+              <a:rPr lang="en-US"/>
+              <a:t>Edit Master text styles</a:t>
+            </a:r>
+          </a:p>
+          <a:p>
+            <a:pPr lvl="1"/>
+            <a:r>
+              <a:rPr lang="en-US"/>
+              <a:t>Second level</a:t>
+            </a:r>
+          </a:p>
+          <a:p>
+            <a:pPr lvl="2"/>
+            <a:r>
+              <a:rPr lang="en-US"/>
+              <a:t>Third level</a:t>
+            </a:r>
+          </a:p>
+          <a:p>
+            <a:pPr lvl="3"/>
+            <a:r>
+              <a:rPr lang="en-US"/>
+              <a:t>Fourth level</a:t>
+            </a:r>
+          </a:p>
+          <a:p>
+            <a:pPr lvl="4"/>
+            <a:r>
+              <a:rPr lang="en-US"/>
+              <a:t>Fifth level</a:t>
+            </a:r>
+          </a:p>
+        </p:txBody>
+      </p:sp>
+      <p:sp>
+        <p:nvSpPr>
+          <p:cNvPr id="4" name="Date Placeholder 3"/>
+          <p:cNvSpPr>
+            <a:spLocks noGrp="1"/>
+          </p:cNvSpPr>
+          <p:nvPr>
+            <p:ph type="dt" sz="half" idx="2"/>
+          </p:nvPr>
+        </p:nvSpPr>
+        <p:spPr>
+          <a:xfrm>
+            <a:off x="609600" y="6356351"/>
+            <a:ext cx="2844800" cy="365125"/>
+          </a:xfrm>
+          <a:prstGeom prst="rect">
+            <a:avLst/>
+          </a:prstGeom>
+        </p:spPr>
+        <p:txBody>
+          <a:bodyPr vert="horz" lIns="91440" tIns="45720" rIns="91440" bIns="45720" rtlCol="0" anchor="ctr"/>
+          <a:lstStyle>
+            <a:lvl1pPr algn="l">
+              <a:defRPr sz="1200">
+                <a:solidFill>
+                  <a:schemeClr val="tx1">
+                    <a:tint val="75000"/>
+                  </a:schemeClr>
+                </a:solidFill>
+              </a:defRPr>
+            </a:lvl1pPr>
+          </a:lstStyle>
+          <a:p>
+            <a:fld id="{589E5873-CF7F-45F3-B283-E59B1D6F242C}" type="datetimeFigureOut">
+              <a:rPr lang="en-US" smtClean="0"/>
+              <a:t>12/11/2018</a:t>
+            </a:fld>
+            <a:endParaRPr lang="en-US"/>
+          </a:p>
+        </p:txBody>
+      </p:sp>
+      <p:sp>
+        <p:nvSpPr>
+          <p:cNvPr id="5" name="Footer Placeholder 4"/>
+          <p:cNvSpPr>
+            <a:spLocks noGrp="1"/>
+          </p:cNvSpPr>
+          <p:nvPr>
+            <p:ph type="ftr" sz="quarter" idx="3"/>
+          </p:nvPr>
+        </p:nvSpPr>
+        <p:spPr>
+          <a:xfrm>
+            <a:off x="4165600" y="6356351"/>
+            <a:ext cx="3860800" cy="365125"/>
+          </a:xfrm>
+          <a:prstGeom prst="rect">
+            <a:avLst/>
+          </a:prstGeom>
+        </p:spPr>
+        <p:txBody>
+          <a:bodyPr vert="horz" lIns="91440" tIns="45720" rIns="91440" bIns="45720" rtlCol="0" anchor="ctr"/>
+          <a:lstStyle>
+            <a:lvl1pPr algn="ctr">
+              <a:defRPr sz="1200">
+                <a:solidFill>
+                  <a:schemeClr val="tx1">
+                    <a:tint val="75000"/>
+                  </a:schemeClr>
+                </a:solidFill>
+              </a:defRPr>
+            </a:lvl1pPr>
+          </a:lstStyle>
+          <a:p>
+            <a:endParaRPr lang="en-US"/>
+          </a:p>
+        </p:txBody>
+      </p:sp>
+      <p:sp>
+        <p:nvSpPr>
+          <p:cNvPr id="6" name="Slide Number Placeholder 5"/>
+          <p:cNvSpPr>
+            <a:spLocks noGrp="1"/>
+          </p:cNvSpPr>
+          <p:nvPr>
+            <p:ph type="sldNum" sz="quarter" idx="4"/>
+          </p:nvPr>
+        </p:nvSpPr>
+        <p:spPr>
+          <a:xfrm>
+            <a:off x="8737600" y="6356351"/>
+            <a:ext cx="2844800" cy="365125"/>
+          </a:xfrm>
+          <a:prstGeom prst="rect">
+            <a:avLst/>
+          </a:prstGeom>
+        </p:spPr>
+        <p:txBody>
+          <a:bodyPr vert="horz" lIns="91440" tIns="45720" rIns="91440" bIns="45720" rtlCol="0" anchor="ctr"/>
+          <a:lstStyle>
+            <a:lvl1pPr algn="r">
+              <a:defRPr sz="1200">
+                <a:solidFill>
+                  <a:schemeClr val="tx1">
+                    <a:tint val="75000"/>
+                  </a:schemeClr>
+                </a:solidFill>
+              </a:defRPr>
+            </a:lvl1pPr>
+          </a:lstStyle>
+          <a:p>
+            <a:fld id="{4EC170A7-7868-4A85-B1AF-80DAB1CAA9AE}" type="slidenum">
+              <a:rPr lang="en-US" smtClean="0"/>
+              <a:t>‹#›</a:t>
+            </a:fld>
+            <a:endParaRPr lang="en-US"/>
+          </a:p>
+        </p:txBody>
+      </p:sp>
+    </p:spTree>
+    <p:extLst>
+      <p:ext uri="{BB962C8B-B14F-4D97-AF65-F5344CB8AC3E}">
+        <p14:creationId xmlns:p14="http://schemas.microsoft.com/office/powerpoint/2010/main" val="2875906670"/>
+      </p:ext>
+    </p:extLst>
+  </p:cSld>
+  <p:clrMap bg1="lt1" tx1="dk1" bg2="lt2" tx2="dk2" accent1="accent1" accent2="accent2" accent3="accent3" accent4="accent4" accent5="accent5" accent6="accent6" hlink="hlink" folHlink="folHlink"/>
+  <p:sldLayoutIdLst>
+    <p:sldLayoutId id="2147483673" r:id="rId1"/>
+    <p:sldLayoutId id="2147483674" r:id="rId2"/>
+    <p:sldLayoutId id="2147483675" r:id="rId3"/>
+    <p:sldLayoutId id="2147483676" r:id="rId4"/>
+    <p:sldLayoutId id="2147483677" r:id="rId5"/>
+    <p:sldLayoutId id="2147483678" r:id="rId6"/>
+    <p:sldLayoutId id="2147483679" r:id="rId7"/>
+    <p:sldLayoutId id="2147483680" r:id="rId8"/>
+    <p:sldLayoutId id="2147483681" r:id="rId9"/>
+    <p:sldLayoutId id="2147483682" r:id="rId10"/>
+    <p:sldLayoutId id="2147483683" r:id="rId11"/>
+  </p:sldLayoutIdLst>
+  <p:txStyles>
+    <p:titleStyle>
+      <a:lvl1pPr algn="ctr" defTabSz="914400" rtl="0" eaLnBrk="1" latinLnBrk="0" hangingPunct="1">
+        <a:spcBef>
+          <a:spcPct val="0"/>
+        </a:spcBef>
+        <a:buNone/>
+        <a:defRPr sz="4400" kern="1200">
+          <a:solidFill>
+            <a:schemeClr val="tx1"/>
+          </a:solidFill>
+          <a:latin typeface="+mj-lt"/>
+          <a:ea typeface="+mj-ea"/>
+          <a:cs typeface="+mj-cs"/>
+        </a:defRPr>
+      </a:lvl1pPr>
+    </p:titleStyle>
+    <p:bodyStyle>
+      <a:lvl1pPr marL="342900" indent="-342900" algn="l" defTabSz="914400" rtl="0" eaLnBrk="1" latinLnBrk="0" hangingPunct="1">
+        <a:spcBef>
+          <a:spcPct val="20000"/>
+        </a:spcBef>
+        <a:buFont typeface="Arial" panose="020B0604020202020204" pitchFamily="34" charset="0"/>
+        <a:buChar char="•"/>
+        <a:defRPr sz="3200" kern="1200">
+          <a:solidFill>
+            <a:schemeClr val="tx1"/>
+          </a:solidFill>
+          <a:latin typeface="+mn-lt"/>
+          <a:ea typeface="+mn-ea"/>
+          <a:cs typeface="+mn-cs"/>
+        </a:defRPr>
+      </a:lvl1pPr>
+      <a:lvl2pPr marL="742950" indent="-285750" algn="l" defTabSz="914400" rtl="0" eaLnBrk="1" latinLnBrk="0" hangingPunct="1">
+        <a:spcBef>
+          <a:spcPct val="20000"/>
+        </a:spcBef>
+        <a:buFont typeface="Arial" panose="020B0604020202020204" pitchFamily="34" charset="0"/>
+        <a:buChar char="–"/>
+        <a:defRPr sz="2800" kern="1200">
+          <a:solidFill>
+            <a:schemeClr val="tx1"/>
+          </a:solidFill>
+          <a:latin typeface="+mn-lt"/>
+          <a:ea typeface="+mn-ea"/>
+          <a:cs typeface="+mn-cs"/>
+        </a:defRPr>
+      </a:lvl2pPr>
+      <a:lvl3pPr marL="1143000" indent="-228600" algn="l" defTabSz="914400" rtl="0" eaLnBrk="1" latinLnBrk="0" hangingPunct="1">
+        <a:spcBef>
+          <a:spcPct val="20000"/>
+        </a:spcBef>
+        <a:buFont typeface="Arial" panose="020B0604020202020204" pitchFamily="34" charset="0"/>
+        <a:buChar char="•"/>
+        <a:defRPr sz="2400" kern="1200">
+          <a:solidFill>
+            <a:schemeClr val="tx1"/>
+          </a:solidFill>
+          <a:latin typeface="+mn-lt"/>
+          <a:ea typeface="+mn-ea"/>
+          <a:cs typeface="+mn-cs"/>
+        </a:defRPr>
+      </a:lvl3pPr>
+      <a:lvl4pPr marL="1600200" indent="-228600" algn="l" defTabSz="914400" rtl="0" eaLnBrk="1" latinLnBrk="0" hangingPunct="1">
+        <a:spcBef>
+          <a:spcPct val="20000"/>
+        </a:spcBef>
+        <a:buFont typeface="Arial" panose="020B0604020202020204" pitchFamily="34" charset="0"/>
+        <a:buChar char="–"/>
+        <a:defRPr sz="2000" kern="1200">
+          <a:solidFill>
+            <a:schemeClr val="tx1"/>
+          </a:solidFill>
+          <a:latin typeface="+mn-lt"/>
+          <a:ea typeface="+mn-ea"/>
+          <a:cs typeface="+mn-cs"/>
+        </a:defRPr>
+      </a:lvl4pPr>
+      <a:lvl5pPr marL="2057400" indent="-228600" algn="l" defTabSz="914400" rtl="0" eaLnBrk="1" latinLnBrk="0" hangingPunct="1">
+        <a:spcBef>
+          <a:spcPct val="20000"/>
+        </a:spcBef>
+        <a:buFont typeface="Arial" panose="020B0604020202020204" pitchFamily="34" charset="0"/>
+        <a:buChar char="»"/>
+        <a:defRPr sz="2000" kern="1200">
+          <a:solidFill>
+            <a:schemeClr val="tx1"/>
+          </a:solidFill>
+          <a:latin typeface="+mn-lt"/>
+          <a:ea typeface="+mn-ea"/>
+          <a:cs typeface="+mn-cs"/>
+        </a:defRPr>
+      </a:lvl5pPr>
+      <a:lvl6pPr marL="2514600" indent="-228600" algn="l" defTabSz="914400" rtl="0" eaLnBrk="1" latinLnBrk="0" hangingPunct="1">
+        <a:spcBef>
+          <a:spcPct val="20000"/>
+        </a:spcBef>
+        <a:buFont typeface="Arial" panose="020B0604020202020204" pitchFamily="34" charset="0"/>
+        <a:buChar char="•"/>
+        <a:defRPr sz="2000" kern="1200">
+          <a:solidFill>
+            <a:schemeClr val="tx1"/>
+          </a:solidFill>
+          <a:latin typeface="+mn-lt"/>
+          <a:ea typeface="+mn-ea"/>
+          <a:cs typeface="+mn-cs"/>
+        </a:defRPr>
+      </a:lvl6pPr>
+      <a:lvl7pPr marL="2971800" indent="-228600" algn="l" defTabSz="914400" rtl="0" eaLnBrk="1" latinLnBrk="0" hangingPunct="1">
+        <a:spcBef>
+          <a:spcPct val="20000"/>
+        </a:spcBef>
+        <a:buFont typeface="Arial" panose="020B0604020202020204" pitchFamily="34" charset="0"/>
+        <a:buChar char="•"/>
+        <a:defRPr sz="2000" kern="1200">
+          <a:solidFill>
+            <a:schemeClr val="tx1"/>
+          </a:solidFill>
+          <a:latin typeface="+mn-lt"/>
+          <a:ea typeface="+mn-ea"/>
+          <a:cs typeface="+mn-cs"/>
+        </a:defRPr>
+      </a:lvl7pPr>
+      <a:lvl8pPr marL="3429000" indent="-228600" algn="l" defTabSz="914400" rtl="0" eaLnBrk="1" latinLnBrk="0" hangingPunct="1">
+        <a:spcBef>
+          <a:spcPct val="20000"/>
+        </a:spcBef>
+        <a:buFont typeface="Arial" panose="020B0604020202020204" pitchFamily="34" charset="0"/>
+        <a:buChar char="•"/>
+        <a:defRPr sz="2000" kern="1200">
+          <a:solidFill>
+            <a:schemeClr val="tx1"/>
+          </a:solidFill>
+          <a:latin typeface="+mn-lt"/>
+          <a:ea typeface="+mn-ea"/>
+          <a:cs typeface="+mn-cs"/>
+        </a:defRPr>
+      </a:lvl8pPr>
+      <a:lvl9pPr marL="3886200" indent="-228600" algn="l" defTabSz="914400" rtl="0" eaLnBrk="1" latinLnBrk="0" hangingPunct="1">
+        <a:spcBef>
+          <a:spcPct val="20000"/>
+        </a:spcBef>
+        <a:buFont typeface="Arial" panose="020B0604020202020204" pitchFamily="34" charset="0"/>
+        <a:buChar char="•"/>
+        <a:defRPr sz="2000" kern="1200">
+          <a:solidFill>
+            <a:schemeClr val="tx1"/>
+          </a:solidFill>
+          <a:latin typeface="+mn-lt"/>
+          <a:ea typeface="+mn-ea"/>
+          <a:cs typeface="+mn-cs"/>
+        </a:defRPr>
+      </a:lvl9pPr>
+    </p:bodyStyle>
+    <p:otherStyle>
+      <a:defPPr>
+        <a:defRPr lang="en-US"/>
+      </a:defPPr>
+      <a:lvl1pPr marL="0" algn="l" defTabSz="914400" rtl="0" eaLnBrk="1" latinLnBrk="0" hangingPunct="1">
+        <a:defRPr sz="1800" kern="1200">
+          <a:solidFill>
+            <a:schemeClr val="tx1"/>
+          </a:solidFill>
+          <a:latin typeface="+mn-lt"/>
+          <a:ea typeface="+mn-ea"/>
+          <a:cs typeface="+mn-cs"/>
+        </a:defRPr>
+      </a:lvl1pPr>
+      <a:lvl2pPr marL="457200" algn="l" defTabSz="914400" rtl="0" eaLnBrk="1" latinLnBrk="0" hangingPunct="1">
+        <a:defRPr sz="1800" kern="1200">
+          <a:solidFill>
+            <a:schemeClr val="tx1"/>
+          </a:solidFill>
+          <a:latin typeface="+mn-lt"/>
+          <a:ea typeface="+mn-ea"/>
+          <a:cs typeface="+mn-cs"/>
+        </a:defRPr>
+      </a:lvl2pPr>
+      <a:lvl3pPr marL="914400" algn="l" defTabSz="914400" rtl="0" eaLnBrk="1" latinLnBrk="0" hangingPunct="1">
+        <a:defRPr sz="1800" kern="1200">
+          <a:solidFill>
+            <a:schemeClr val="tx1"/>
+          </a:solidFill>
+          <a:latin typeface="+mn-lt"/>
+          <a:ea typeface="+mn-ea"/>
+          <a:cs typeface="+mn-cs"/>
+        </a:defRPr>
+      </a:lvl3pPr>
+      <a:lvl4pPr marL="1371600" algn="l" defTabSz="914400" rtl="0" eaLnBrk="1" latinLnBrk="0" hangingPunct="1">
+        <a:defRPr sz="1800" kern="1200">
+          <a:solidFill>
+            <a:schemeClr val="tx1"/>
+          </a:solidFill>
+          <a:latin typeface="+mn-lt"/>
+          <a:ea typeface="+mn-ea"/>
+          <a:cs typeface="+mn-cs"/>
+        </a:defRPr>
+      </a:lvl4pPr>
+      <a:lvl5pPr marL="1828800" algn="l" defTabSz="914400" rtl="0" eaLnBrk="1" latinLnBrk="0" hangingPunct="1">
+        <a:defRPr sz="1800" kern="1200">
+          <a:solidFill>
+            <a:schemeClr val="tx1"/>
+          </a:solidFill>
+          <a:latin typeface="+mn-lt"/>
+          <a:ea typeface="+mn-ea"/>
+          <a:cs typeface="+mn-cs"/>
+        </a:defRPr>
+      </a:lvl5pPr>
+      <a:lvl6pPr marL="2286000" algn="l" defTabSz="914400" rtl="0" eaLnBrk="1" latinLnBrk="0" hangingPunct="1">
+        <a:defRPr sz="1800" kern="1200">
+          <a:solidFill>
+            <a:schemeClr val="tx1"/>
+          </a:solidFill>
+          <a:latin typeface="+mn-lt"/>
+          <a:ea typeface="+mn-ea"/>
+          <a:cs typeface="+mn-cs"/>
+        </a:defRPr>
+      </a:lvl6pPr>
+      <a:lvl7pPr marL="2743200" algn="l" defTabSz="914400" rtl="0" eaLnBrk="1" latinLnBrk="0" hangingPunct="1">
+        <a:defRPr sz="1800" kern="1200">
+          <a:solidFill>
+            <a:schemeClr val="tx1"/>
+          </a:solidFill>
+          <a:latin typeface="+mn-lt"/>
+          <a:ea typeface="+mn-ea"/>
+          <a:cs typeface="+mn-cs"/>
+        </a:defRPr>
+      </a:lvl7pPr>
+      <a:lvl8pPr marL="3200400" algn="l" defTabSz="914400" rtl="0" eaLnBrk="1" latinLnBrk="0" hangingPunct="1">
+        <a:defRPr sz="1800" kern="1200">
+          <a:solidFill>
+            <a:schemeClr val="tx1"/>
+          </a:solidFill>
+          <a:latin typeface="+mn-lt"/>
+          <a:ea typeface="+mn-ea"/>
+          <a:cs typeface="+mn-cs"/>
+        </a:defRPr>
+      </a:lvl8pPr>
+      <a:lvl9pPr marL="3657600" algn="l" defTabSz="914400" rtl="0" eaLnBrk="1" latinLnBrk="0" hangingPunct="1">
+        <a:defRPr sz="1800" kern="1200">
+          <a:solidFill>
+            <a:schemeClr val="tx1"/>
+          </a:solidFill>
+          <a:latin typeface="+mn-lt"/>
+          <a:ea typeface="+mn-ea"/>
+          <a:cs typeface="+mn-cs"/>
+        </a:defRPr>
+      </a:lvl9pPr>
+    </p:otherStyle>
+  </p:txStyles>
+</p:sldMaster>
+</file>
+
 <file path=ppt/slides/slide1.xml><?xml version="1.0" encoding="utf-8"?>
 <p:sld xmlns:a="http://schemas.openxmlformats.org/drawingml/2006/main" xmlns:r="http://schemas.openxmlformats.org/officeDocument/2006/relationships" xmlns:p="http://schemas.openxmlformats.org/presentationml/2006/main">
   <p:cSld>
@@ -3341,81 +6504,69 @@
           <a:chExt cx="0" cy="0"/>
         </a:xfrm>
       </p:grpSpPr>
-      <p:pic>
-        <p:nvPicPr>
-          <p:cNvPr id="5" name="Picture 4">
+      <p:sp>
+        <p:nvSpPr>
+          <p:cNvPr id="2" name="Title 1">
             <a:extLst>
               <a:ext uri="{FF2B5EF4-FFF2-40B4-BE49-F238E27FC236}">
-                <a16:creationId xmlns:a16="http://schemas.microsoft.com/office/drawing/2014/main" xmlns="" id="{90E55C04-3A8F-4822-A7F6-22C5EAD6C424}"/>
+                <a16:creationId xmlns:a16="http://schemas.microsoft.com/office/drawing/2014/main" id="{55FBEE5E-1D10-4395-85C4-2A6A09CC59F5}"/>
               </a:ext>
             </a:extLst>
           </p:cNvPr>
-          <p:cNvPicPr>
-            <a:picLocks noChangeAspect="1"/>
-          </p:cNvPicPr>
-          <p:nvPr/>
-        </p:nvPicPr>
-        <p:blipFill rotWithShape="1">
-          <a:blip r:embed="rId2">
-            <a:extLst>
-              <a:ext uri="{28A0092B-C50C-407E-A947-70E740481C1C}">
-                <a14:useLocalDpi xmlns:a14="http://schemas.microsoft.com/office/drawing/2010/main" val="0"/>
-              </a:ext>
-            </a:extLst>
-          </a:blip>
-          <a:srcRect b="9360"/>
-          <a:stretch/>
-        </p:blipFill>
+          <p:cNvSpPr>
+            <a:spLocks noGrp="1"/>
+          </p:cNvSpPr>
+          <p:nvPr>
+            <p:ph type="title"/>
+          </p:nvPr>
+        </p:nvSpPr>
         <p:spPr>
           <a:xfrm>
-            <a:off x="3502890" y="1005065"/>
-            <a:ext cx="5384537" cy="5270972"/>
+            <a:off x="838200" y="2103437"/>
+            <a:ext cx="10515600" cy="1325563"/>
           </a:xfrm>
-          <a:prstGeom prst="rect">
-            <a:avLst/>
-          </a:prstGeom>
         </p:spPr>
-      </p:pic>
-      <p:sp>
-        <p:nvSpPr>
-          <p:cNvPr id="6" name="TextBox 5">
+        <p:txBody>
+          <a:bodyPr/>
+          <a:lstStyle/>
+          <a:p>
+            <a:pPr algn="ctr"/>
+            <a:r>
+              <a:rPr lang="en-US" b="1" dirty="0"/>
+              <a:t>Activity 4</a:t>
+            </a:r>
+          </a:p>
+        </p:txBody>
+      </p:sp>
+      <p:sp>
+        <p:nvSpPr>
+          <p:cNvPr id="3" name="Content Placeholder 2">
             <a:extLst>
               <a:ext uri="{FF2B5EF4-FFF2-40B4-BE49-F238E27FC236}">
-                <a16:creationId xmlns:a16="http://schemas.microsoft.com/office/drawing/2014/main" xmlns="" id="{809B2065-C51E-4357-BDFD-76FEDBD5FA9C}"/>
+                <a16:creationId xmlns:a16="http://schemas.microsoft.com/office/drawing/2014/main" id="{2997409A-EC68-4339-8A96-B5565F4051AD}"/>
               </a:ext>
             </a:extLst>
           </p:cNvPr>
-          <p:cNvSpPr txBox="1"/>
-          <p:nvPr/>
-        </p:nvSpPr>
-        <p:spPr>
-          <a:xfrm>
-            <a:off x="480291" y="281745"/>
-            <a:ext cx="10483456" cy="584775"/>
-          </a:xfrm>
-          <a:prstGeom prst="rect">
-            <a:avLst/>
-          </a:prstGeom>
-          <a:noFill/>
-        </p:spPr>
-        <p:txBody>
-          <a:bodyPr wrap="square" rtlCol="0">
-            <a:spAutoFit/>
-          </a:bodyPr>
-          <a:lstStyle/>
-          <a:p>
-            <a:r>
-              <a:rPr lang="en-US" sz="3200" dirty="0" smtClean="0"/>
-              <a:t>Developing a Data Analysis Plan for the Turquoise Skipper</a:t>
-            </a:r>
-            <a:endParaRPr lang="en-US" sz="3200" dirty="0"/>
+          <p:cNvSpPr>
+            <a:spLocks noGrp="1"/>
+          </p:cNvSpPr>
+          <p:nvPr>
+            <p:ph idx="1"/>
+          </p:nvPr>
+        </p:nvSpPr>
+        <p:spPr/>
+        <p:txBody>
+          <a:bodyPr/>
+          <a:lstStyle/>
+          <a:p>
+            <a:endParaRPr lang="en-US"/>
           </a:p>
         </p:txBody>
       </p:sp>
     </p:spTree>
     <p:extLst>
       <p:ext uri="{BB962C8B-B14F-4D97-AF65-F5344CB8AC3E}">
-        <p14:creationId xmlns:p14="http://schemas.microsoft.com/office/powerpoint/2010/main" val="2738275268"/>
+        <p14:creationId xmlns:p14="http://schemas.microsoft.com/office/powerpoint/2010/main" val="2023664718"/>
       </p:ext>
     </p:extLst>
   </p:cSld>
@@ -3442,69 +6593,21 @@
           <a:chExt cx="0" cy="0"/>
         </a:xfrm>
       </p:grpSpPr>
-      <p:sp>
-        <p:nvSpPr>
-          <p:cNvPr id="2" name="Title 1">
-            <a:extLst>
-              <a:ext uri="{FF2B5EF4-FFF2-40B4-BE49-F238E27FC236}">
-                <a16:creationId xmlns:a16="http://schemas.microsoft.com/office/drawing/2014/main" xmlns="" id="{E08D4001-62D4-466D-98C5-619A28C9AC25}"/>
-              </a:ext>
-            </a:extLst>
-          </p:cNvPr>
-          <p:cNvSpPr>
-            <a:spLocks noGrp="1"/>
-          </p:cNvSpPr>
-          <p:nvPr>
-            <p:ph type="title"/>
-          </p:nvPr>
-        </p:nvSpPr>
-        <p:spPr/>
-        <p:txBody>
-          <a:bodyPr/>
-          <a:lstStyle/>
-          <a:p>
-            <a:endParaRPr lang="en-US"/>
-          </a:p>
-        </p:txBody>
-      </p:sp>
-      <p:sp>
-        <p:nvSpPr>
-          <p:cNvPr id="3" name="Content Placeholder 2">
-            <a:extLst>
-              <a:ext uri="{FF2B5EF4-FFF2-40B4-BE49-F238E27FC236}">
-                <a16:creationId xmlns:a16="http://schemas.microsoft.com/office/drawing/2014/main" xmlns="" id="{A2E31C53-C998-4470-8929-4840E614DD25}"/>
-              </a:ext>
-            </a:extLst>
-          </p:cNvPr>
-          <p:cNvSpPr>
-            <a:spLocks noGrp="1"/>
-          </p:cNvSpPr>
-          <p:nvPr>
-            <p:ph idx="1"/>
-          </p:nvPr>
-        </p:nvSpPr>
-        <p:spPr/>
-        <p:txBody>
-          <a:bodyPr/>
-          <a:lstStyle/>
-          <a:p>
-            <a:endParaRPr lang="en-US"/>
-          </a:p>
-        </p:txBody>
-      </p:sp>
       <p:pic>
         <p:nvPicPr>
           <p:cNvPr id="5" name="Picture 4">
             <a:extLst>
               <a:ext uri="{FF2B5EF4-FFF2-40B4-BE49-F238E27FC236}">
-                <a16:creationId xmlns:a16="http://schemas.microsoft.com/office/drawing/2014/main" xmlns="" id="{53342802-9C2A-4E6C-94A4-3BD3BE3D3D57}"/>
+                <a16:creationId xmlns:a16="http://schemas.microsoft.com/office/drawing/2014/main" id="{90E55C04-3A8F-4822-A7F6-22C5EAD6C424}"/>
               </a:ext>
             </a:extLst>
           </p:cNvPr>
-          <p:cNvPicPr/>
+          <p:cNvPicPr>
+            <a:picLocks noChangeAspect="1"/>
+          </p:cNvPicPr>
           <p:nvPr/>
         </p:nvPicPr>
-        <p:blipFill>
+        <p:blipFill rotWithShape="1">
           <a:blip r:embed="rId2">
             <a:extLst>
               <a:ext uri="{28A0092B-C50C-407E-A947-70E740481C1C}">
@@ -3512,24 +6615,132 @@
               </a:ext>
             </a:extLst>
           </a:blip>
-          <a:stretch>
-            <a:fillRect/>
-          </a:stretch>
+          <a:srcRect b="9360"/>
+          <a:stretch/>
         </p:blipFill>
         <p:spPr>
           <a:xfrm>
-            <a:off x="1708728" y="365125"/>
-            <a:ext cx="8986981" cy="6322002"/>
+            <a:off x="711463" y="986404"/>
+            <a:ext cx="5384537" cy="5270972"/>
           </a:xfrm>
           <a:prstGeom prst="rect">
             <a:avLst/>
           </a:prstGeom>
         </p:spPr>
       </p:pic>
+      <p:sp>
+        <p:nvSpPr>
+          <p:cNvPr id="6" name="TextBox 5">
+            <a:extLst>
+              <a:ext uri="{FF2B5EF4-FFF2-40B4-BE49-F238E27FC236}">
+                <a16:creationId xmlns:a16="http://schemas.microsoft.com/office/drawing/2014/main" id="{809B2065-C51E-4357-BDFD-76FEDBD5FA9C}"/>
+              </a:ext>
+            </a:extLst>
+          </p:cNvPr>
+          <p:cNvSpPr txBox="1"/>
+          <p:nvPr/>
+        </p:nvSpPr>
+        <p:spPr>
+          <a:xfrm>
+            <a:off x="480291" y="281745"/>
+            <a:ext cx="10483456" cy="584775"/>
+          </a:xfrm>
+          <a:prstGeom prst="rect">
+            <a:avLst/>
+          </a:prstGeom>
+          <a:noFill/>
+        </p:spPr>
+        <p:txBody>
+          <a:bodyPr wrap="square" rtlCol="0">
+            <a:spAutoFit/>
+          </a:bodyPr>
+          <a:lstStyle/>
+          <a:p>
+            <a:r>
+              <a:rPr lang="en-US" sz="3200" dirty="0"/>
+              <a:t>The Turquoise Skipper</a:t>
+            </a:r>
+          </a:p>
+        </p:txBody>
+      </p:sp>
+      <p:sp>
+        <p:nvSpPr>
+          <p:cNvPr id="2" name="TextBox 1">
+            <a:extLst>
+              <a:ext uri="{FF2B5EF4-FFF2-40B4-BE49-F238E27FC236}">
+                <a16:creationId xmlns:a16="http://schemas.microsoft.com/office/drawing/2014/main" id="{3E164538-EB69-4600-9046-3DB6605CE6B2}"/>
+              </a:ext>
+            </a:extLst>
+          </p:cNvPr>
+          <p:cNvSpPr txBox="1"/>
+          <p:nvPr/>
+        </p:nvSpPr>
+        <p:spPr>
+          <a:xfrm>
+            <a:off x="6494106" y="866520"/>
+            <a:ext cx="5384537" cy="4524315"/>
+          </a:xfrm>
+          <a:prstGeom prst="rect">
+            <a:avLst/>
+          </a:prstGeom>
+          <a:noFill/>
+        </p:spPr>
+        <p:txBody>
+          <a:bodyPr wrap="square" rtlCol="0">
+            <a:spAutoFit/>
+          </a:bodyPr>
+          <a:lstStyle/>
+          <a:p>
+            <a:r>
+              <a:rPr lang="en-US" sz="2400" dirty="0"/>
+              <a:t>Use the information provided to develop an analysis plan for this rare butterfly</a:t>
+            </a:r>
+          </a:p>
+          <a:p>
+            <a:endParaRPr lang="en-US" sz="2400" dirty="0"/>
+          </a:p>
+          <a:p>
+            <a:r>
+              <a:rPr lang="en-US" sz="2400" dirty="0"/>
+              <a:t>Your plan should include:</a:t>
+            </a:r>
+          </a:p>
+          <a:p>
+            <a:pPr marL="285750" indent="-285750">
+              <a:buFontTx/>
+              <a:buChar char="-"/>
+            </a:pPr>
+            <a:r>
+              <a:rPr lang="en-US" sz="2400" dirty="0"/>
+              <a:t>An assessment of the available data/information</a:t>
+            </a:r>
+          </a:p>
+          <a:p>
+            <a:pPr marL="285750" indent="-285750">
+              <a:buFontTx/>
+              <a:buChar char="-"/>
+            </a:pPr>
+            <a:r>
+              <a:rPr lang="en-US" sz="2400" dirty="0"/>
+              <a:t>An analysis to understand the current conditions for the species and key ecological needs, stressors, and threats</a:t>
+            </a:r>
+          </a:p>
+          <a:p>
+            <a:pPr marL="285750" indent="-285750">
+              <a:buFontTx/>
+              <a:buChar char="-"/>
+            </a:pPr>
+            <a:r>
+              <a:rPr lang="en-US" sz="2400" dirty="0"/>
+              <a:t>A stochastic projection model to predict the future state of the species under one or more scenarios</a:t>
+            </a:r>
+          </a:p>
+        </p:txBody>
+      </p:sp>
     </p:spTree>
     <p:extLst>
       <p:ext uri="{BB962C8B-B14F-4D97-AF65-F5344CB8AC3E}">
-        <p14:creationId xmlns:p14="http://schemas.microsoft.com/office/powerpoint/2010/main" val="1263178295"/>
+        <p14:creationId xmlns:p14="http://schemas.microsoft.com/office/powerpoint/2010/main" val="2738275268"/>
       </p:ext>
     </p:extLst>
   </p:cSld>
@@ -3561,7 +6772,7 @@
           <p:cNvPr id="2" name="Title 1">
             <a:extLst>
               <a:ext uri="{FF2B5EF4-FFF2-40B4-BE49-F238E27FC236}">
-                <a16:creationId xmlns:a16="http://schemas.microsoft.com/office/drawing/2014/main" xmlns="" id="{77C10F0C-44DE-4F84-B1FE-24CBC5AFC8B0}"/>
+                <a16:creationId xmlns:a16="http://schemas.microsoft.com/office/drawing/2014/main" id="{E08D4001-62D4-466D-98C5-619A28C9AC25}"/>
               </a:ext>
             </a:extLst>
           </p:cNvPr>
@@ -3577,10 +6788,7 @@
           <a:bodyPr/>
           <a:lstStyle/>
           <a:p>
-            <a:r>
-              <a:rPr lang="en-US" dirty="0"/>
-              <a:t>Demographic info in the literature</a:t>
-            </a:r>
+            <a:endParaRPr lang="en-US" dirty="0"/>
           </a:p>
         </p:txBody>
       </p:sp>
@@ -3589,7 +6797,175 @@
           <p:cNvPr id="3" name="Content Placeholder 2">
             <a:extLst>
               <a:ext uri="{FF2B5EF4-FFF2-40B4-BE49-F238E27FC236}">
-                <a16:creationId xmlns:a16="http://schemas.microsoft.com/office/drawing/2014/main" xmlns="" id="{82B14B3E-7AEE-48B5-9ADD-41A083B7C070}"/>
+                <a16:creationId xmlns:a16="http://schemas.microsoft.com/office/drawing/2014/main" id="{A2E31C53-C998-4470-8929-4840E614DD25}"/>
+              </a:ext>
+            </a:extLst>
+          </p:cNvPr>
+          <p:cNvSpPr>
+            <a:spLocks noGrp="1"/>
+          </p:cNvSpPr>
+          <p:nvPr>
+            <p:ph idx="1"/>
+          </p:nvPr>
+        </p:nvSpPr>
+        <p:spPr/>
+        <p:txBody>
+          <a:bodyPr/>
+          <a:lstStyle/>
+          <a:p>
+            <a:endParaRPr lang="en-US" dirty="0"/>
+          </a:p>
+        </p:txBody>
+      </p:sp>
+      <p:pic>
+        <p:nvPicPr>
+          <p:cNvPr id="5" name="Picture 4">
+            <a:extLst>
+              <a:ext uri="{FF2B5EF4-FFF2-40B4-BE49-F238E27FC236}">
+                <a16:creationId xmlns:a16="http://schemas.microsoft.com/office/drawing/2014/main" id="{53342802-9C2A-4E6C-94A4-3BD3BE3D3D57}"/>
+              </a:ext>
+            </a:extLst>
+          </p:cNvPr>
+          <p:cNvPicPr/>
+          <p:nvPr/>
+        </p:nvPicPr>
+        <p:blipFill>
+          <a:blip r:embed="rId2">
+            <a:extLst>
+              <a:ext uri="{28A0092B-C50C-407E-A947-70E740481C1C}">
+                <a14:useLocalDpi xmlns:a14="http://schemas.microsoft.com/office/drawing/2010/main" val="0"/>
+              </a:ext>
+            </a:extLst>
+          </a:blip>
+          <a:stretch>
+            <a:fillRect/>
+          </a:stretch>
+        </p:blipFill>
+        <p:spPr>
+          <a:xfrm>
+            <a:off x="551732" y="466530"/>
+            <a:ext cx="8237705" cy="6203626"/>
+          </a:xfrm>
+          <a:prstGeom prst="rect">
+            <a:avLst/>
+          </a:prstGeom>
+        </p:spPr>
+      </p:pic>
+      <p:sp>
+        <p:nvSpPr>
+          <p:cNvPr id="6" name="TextBox 5">
+            <a:extLst>
+              <a:ext uri="{FF2B5EF4-FFF2-40B4-BE49-F238E27FC236}">
+                <a16:creationId xmlns:a16="http://schemas.microsoft.com/office/drawing/2014/main" id="{7A63972E-B01E-4979-8F9D-79B72A137AF3}"/>
+              </a:ext>
+            </a:extLst>
+          </p:cNvPr>
+          <p:cNvSpPr txBox="1"/>
+          <p:nvPr/>
+        </p:nvSpPr>
+        <p:spPr>
+          <a:xfrm>
+            <a:off x="9274629" y="1027905"/>
+            <a:ext cx="2836506" cy="1938992"/>
+          </a:xfrm>
+          <a:prstGeom prst="rect">
+            <a:avLst/>
+          </a:prstGeom>
+          <a:noFill/>
+        </p:spPr>
+        <p:txBody>
+          <a:bodyPr wrap="square" rtlCol="0">
+            <a:spAutoFit/>
+          </a:bodyPr>
+          <a:lstStyle/>
+          <a:p>
+            <a:r>
+              <a:rPr lang="en-US" sz="2400" dirty="0"/>
+              <a:t>Found in the Prairie Potholes region</a:t>
+            </a:r>
+          </a:p>
+          <a:p>
+            <a:endParaRPr lang="en-US" sz="2400" dirty="0"/>
+          </a:p>
+          <a:p>
+            <a:r>
+              <a:rPr lang="en-US" sz="2400" dirty="0"/>
+              <a:t>Data available from 9 sites</a:t>
+            </a:r>
+          </a:p>
+        </p:txBody>
+      </p:sp>
+    </p:spTree>
+    <p:extLst>
+      <p:ext uri="{BB962C8B-B14F-4D97-AF65-F5344CB8AC3E}">
+        <p14:creationId xmlns:p14="http://schemas.microsoft.com/office/powerpoint/2010/main" val="1263178295"/>
+      </p:ext>
+    </p:extLst>
+  </p:cSld>
+  <p:clrMapOvr>
+    <a:masterClrMapping/>
+  </p:clrMapOvr>
+</p:sld>
+</file>
+
+<file path=ppt/slides/slide4.xml><?xml version="1.0" encoding="utf-8"?>
+<p:sld xmlns:a="http://schemas.openxmlformats.org/drawingml/2006/main" xmlns:r="http://schemas.openxmlformats.org/officeDocument/2006/relationships" xmlns:p="http://schemas.openxmlformats.org/presentationml/2006/main">
+  <p:cSld>
+    <p:spTree>
+      <p:nvGrpSpPr>
+        <p:cNvPr id="1" name=""/>
+        <p:cNvGrpSpPr/>
+        <p:nvPr/>
+      </p:nvGrpSpPr>
+      <p:grpSpPr>
+        <a:xfrm>
+          <a:off x="0" y="0"/>
+          <a:ext cx="0" cy="0"/>
+          <a:chOff x="0" y="0"/>
+          <a:chExt cx="0" cy="0"/>
+        </a:xfrm>
+      </p:grpSpPr>
+      <p:sp>
+        <p:nvSpPr>
+          <p:cNvPr id="2" name="Title 1">
+            <a:extLst>
+              <a:ext uri="{FF2B5EF4-FFF2-40B4-BE49-F238E27FC236}">
+                <a16:creationId xmlns:a16="http://schemas.microsoft.com/office/drawing/2014/main" id="{77C10F0C-44DE-4F84-B1FE-24CBC5AFC8B0}"/>
+              </a:ext>
+            </a:extLst>
+          </p:cNvPr>
+          <p:cNvSpPr>
+            <a:spLocks noGrp="1"/>
+          </p:cNvSpPr>
+          <p:nvPr>
+            <p:ph type="title"/>
+          </p:nvPr>
+        </p:nvSpPr>
+        <p:spPr>
+          <a:xfrm>
+            <a:off x="838200" y="371340"/>
+            <a:ext cx="10515600" cy="1325563"/>
+          </a:xfrm>
+        </p:spPr>
+        <p:txBody>
+          <a:bodyPr>
+            <a:normAutofit/>
+          </a:bodyPr>
+          <a:lstStyle/>
+          <a:p>
+            <a:r>
+              <a:rPr lang="en-US" sz="4000" dirty="0"/>
+              <a:t>Demographic info in the literature</a:t>
+            </a:r>
+          </a:p>
+        </p:txBody>
+      </p:sp>
+      <p:sp>
+        <p:nvSpPr>
+          <p:cNvPr id="3" name="Content Placeholder 2">
+            <a:extLst>
+              <a:ext uri="{FF2B5EF4-FFF2-40B4-BE49-F238E27FC236}">
+                <a16:creationId xmlns:a16="http://schemas.microsoft.com/office/drawing/2014/main" id="{82B14B3E-7AEE-48B5-9ADD-41A083B7C070}"/>
               </a:ext>
             </a:extLst>
           </p:cNvPr>
@@ -3690,18 +7066,13 @@
           <a:p>
             <a:pPr algn="ctr"/>
             <a:r>
-              <a:rPr lang="en-US" sz="2400" dirty="0" smtClean="0">
+              <a:rPr lang="en-US" sz="2400" dirty="0">
                 <a:solidFill>
                   <a:schemeClr val="tx1"/>
                 </a:solidFill>
               </a:rPr>
               <a:t>Eggs</a:t>
             </a:r>
-            <a:endParaRPr lang="en-US" sz="2400" dirty="0">
-              <a:solidFill>
-                <a:schemeClr val="tx1"/>
-              </a:solidFill>
-            </a:endParaRPr>
           </a:p>
         </p:txBody>
       </p:sp>
@@ -3748,18 +7119,13 @@
           <a:p>
             <a:pPr algn="ctr"/>
             <a:r>
-              <a:rPr lang="en-US" sz="2400" dirty="0" smtClean="0">
+              <a:rPr lang="en-US" sz="2400" dirty="0">
                 <a:solidFill>
                   <a:schemeClr val="tx1"/>
                 </a:solidFill>
               </a:rPr>
               <a:t>Adults</a:t>
             </a:r>
-            <a:endParaRPr lang="en-US" sz="2400" dirty="0">
-              <a:solidFill>
-                <a:schemeClr val="tx1"/>
-              </a:solidFill>
-            </a:endParaRPr>
           </a:p>
         </p:txBody>
       </p:sp>
@@ -3856,225 +7222,6 @@
 </p:sld>
 </file>
 
-<file path=ppt/slides/slide4.xml><?xml version="1.0" encoding="utf-8"?>
-<p:sld xmlns:a="http://schemas.openxmlformats.org/drawingml/2006/main" xmlns:r="http://schemas.openxmlformats.org/officeDocument/2006/relationships" xmlns:p="http://schemas.openxmlformats.org/presentationml/2006/main">
-  <p:cSld>
-    <p:spTree>
-      <p:nvGrpSpPr>
-        <p:cNvPr id="1" name=""/>
-        <p:cNvGrpSpPr/>
-        <p:nvPr/>
-      </p:nvGrpSpPr>
-      <p:grpSpPr>
-        <a:xfrm>
-          <a:off x="0" y="0"/>
-          <a:ext cx="0" cy="0"/>
-          <a:chOff x="0" y="0"/>
-          <a:chExt cx="0" cy="0"/>
-        </a:xfrm>
-      </p:grpSpPr>
-      <p:sp>
-        <p:nvSpPr>
-          <p:cNvPr id="2" name="Title 1">
-            <a:extLst>
-              <a:ext uri="{FF2B5EF4-FFF2-40B4-BE49-F238E27FC236}">
-                <a16:creationId xmlns:a16="http://schemas.microsoft.com/office/drawing/2014/main" xmlns="" id="{D7697F9D-B854-4021-BE81-28136F9A0364}"/>
-              </a:ext>
-            </a:extLst>
-          </p:cNvPr>
-          <p:cNvSpPr>
-            <a:spLocks noGrp="1"/>
-          </p:cNvSpPr>
-          <p:nvPr>
-            <p:ph type="title"/>
-          </p:nvPr>
-        </p:nvSpPr>
-        <p:spPr/>
-        <p:txBody>
-          <a:bodyPr/>
-          <a:lstStyle/>
-          <a:p>
-            <a:r>
-              <a:rPr lang="en-US" dirty="0"/>
-              <a:t>Three data sources available</a:t>
-            </a:r>
-          </a:p>
-        </p:txBody>
-      </p:sp>
-      <p:sp>
-        <p:nvSpPr>
-          <p:cNvPr id="3" name="Content Placeholder 2">
-            <a:extLst>
-              <a:ext uri="{FF2B5EF4-FFF2-40B4-BE49-F238E27FC236}">
-                <a16:creationId xmlns:a16="http://schemas.microsoft.com/office/drawing/2014/main" xmlns="" id="{7A3F0B35-3134-48DA-B616-6DDD2FC690A0}"/>
-              </a:ext>
-            </a:extLst>
-          </p:cNvPr>
-          <p:cNvSpPr>
-            <a:spLocks noGrp="1"/>
-          </p:cNvSpPr>
-          <p:nvPr>
-            <p:ph idx="1"/>
-          </p:nvPr>
-        </p:nvSpPr>
-        <p:spPr>
-          <a:xfrm>
-            <a:off x="838200" y="1616364"/>
-            <a:ext cx="10515600" cy="4876511"/>
-          </a:xfrm>
-        </p:spPr>
-        <p:txBody>
-          <a:bodyPr>
-            <a:normAutofit fontScale="92500" lnSpcReduction="10000"/>
-          </a:bodyPr>
-          <a:lstStyle/>
-          <a:p>
-            <a:r>
-              <a:rPr lang="en-US" dirty="0" err="1"/>
-              <a:t>Lostwood</a:t>
-            </a:r>
-            <a:r>
-              <a:rPr lang="en-US" dirty="0"/>
-              <a:t> National Wildlife Refuge</a:t>
-            </a:r>
-          </a:p>
-          <a:p>
-            <a:pPr lvl="1"/>
-            <a:r>
-              <a:rPr lang="en-US" dirty="0"/>
-              <a:t>presence/absence data at </a:t>
-            </a:r>
-            <a:r>
-              <a:rPr lang="en-US" dirty="0" smtClean="0"/>
-              <a:t>several sites </a:t>
-            </a:r>
-            <a:r>
-              <a:rPr lang="en-US" dirty="0"/>
-              <a:t>over 6 years</a:t>
-            </a:r>
-          </a:p>
-          <a:p>
-            <a:pPr lvl="1"/>
-            <a:r>
-              <a:rPr lang="en-US" dirty="0" smtClean="0"/>
-              <a:t>some </a:t>
-            </a:r>
-            <a:r>
-              <a:rPr lang="en-US" dirty="0"/>
-              <a:t>information on habitat features and </a:t>
-            </a:r>
-            <a:r>
-              <a:rPr lang="en-US" dirty="0" smtClean="0"/>
-              <a:t>weather</a:t>
-            </a:r>
-            <a:endParaRPr lang="en-US" dirty="0"/>
-          </a:p>
-          <a:p>
-            <a:r>
-              <a:rPr lang="en-US" dirty="0"/>
-              <a:t>Nature Conservancy </a:t>
-            </a:r>
-            <a:endParaRPr lang="en-US" dirty="0" smtClean="0"/>
-          </a:p>
-          <a:p>
-            <a:pPr lvl="1"/>
-            <a:r>
-              <a:rPr lang="en-US" dirty="0" smtClean="0"/>
-              <a:t>Transect surveys 3x per season from 1999-2009</a:t>
-            </a:r>
-          </a:p>
-          <a:p>
-            <a:pPr lvl="1"/>
-            <a:r>
-              <a:rPr lang="en-US" dirty="0" smtClean="0"/>
-              <a:t>No </a:t>
-            </a:r>
-            <a:r>
-              <a:rPr lang="en-US" dirty="0"/>
-              <a:t>information about the habitat or other covariates </a:t>
-            </a:r>
-            <a:endParaRPr lang="en-US" dirty="0" smtClean="0"/>
-          </a:p>
-          <a:p>
-            <a:pPr lvl="2"/>
-            <a:r>
-              <a:rPr lang="en-US" dirty="0" smtClean="0"/>
-              <a:t>may </a:t>
-            </a:r>
-            <a:r>
-              <a:rPr lang="en-US" dirty="0"/>
-              <a:t>be available from National Land Cover Data Base or NOAA weather data </a:t>
-            </a:r>
-            <a:r>
-              <a:rPr lang="en-US" dirty="0" smtClean="0"/>
-              <a:t>archives</a:t>
-            </a:r>
-            <a:endParaRPr lang="en-US" dirty="0"/>
-          </a:p>
-          <a:p>
-            <a:r>
-              <a:rPr lang="en-US" dirty="0"/>
-              <a:t>BLM </a:t>
-            </a:r>
-            <a:endParaRPr lang="en-US" dirty="0" smtClean="0"/>
-          </a:p>
-          <a:p>
-            <a:pPr lvl="1"/>
-            <a:r>
-              <a:rPr lang="en-US" dirty="0" smtClean="0"/>
-              <a:t>Gathered old field notebooks and </a:t>
-            </a:r>
-            <a:r>
-              <a:rPr lang="en-US" dirty="0" err="1" smtClean="0"/>
-              <a:t>iNaturalist</a:t>
-            </a:r>
-            <a:r>
-              <a:rPr lang="en-US" dirty="0" smtClean="0"/>
-              <a:t> records</a:t>
-            </a:r>
-            <a:endParaRPr lang="en-US" dirty="0"/>
-          </a:p>
-          <a:p>
-            <a:pPr lvl="1"/>
-            <a:r>
-              <a:rPr lang="en-US" dirty="0"/>
-              <a:t>spanned 2 decades in the 1980s and 90s</a:t>
-            </a:r>
-          </a:p>
-          <a:p>
-            <a:pPr lvl="1"/>
-            <a:r>
-              <a:rPr lang="en-US" dirty="0"/>
-              <a:t>several sites throughout the range</a:t>
-            </a:r>
-          </a:p>
-          <a:p>
-            <a:pPr lvl="1"/>
-            <a:r>
-              <a:rPr lang="en-US" dirty="0"/>
-              <a:t>Various observers recorded the place, time, date and description of the number of </a:t>
-            </a:r>
-            <a:r>
-              <a:rPr lang="en-US" dirty="0" smtClean="0"/>
-              <a:t>butterflies</a:t>
-            </a:r>
-            <a:endParaRPr lang="en-US" dirty="0"/>
-          </a:p>
-        </p:txBody>
-      </p:sp>
-    </p:spTree>
-    <p:extLst>
-      <p:ext uri="{BB962C8B-B14F-4D97-AF65-F5344CB8AC3E}">
-        <p14:creationId xmlns:p14="http://schemas.microsoft.com/office/powerpoint/2010/main" val="1691469344"/>
-      </p:ext>
-    </p:extLst>
-  </p:cSld>
-  <p:clrMapOvr>
-    <a:masterClrMapping/>
-  </p:clrMapOvr>
-</p:sld>
-</file>
-
 <file path=ppt/slides/slide5.xml><?xml version="1.0" encoding="utf-8"?>
 <p:sld xmlns:a="http://schemas.openxmlformats.org/drawingml/2006/main" xmlns:r="http://schemas.openxmlformats.org/officeDocument/2006/relationships" xmlns:p="http://schemas.openxmlformats.org/presentationml/2006/main">
   <p:cSld>
@@ -4097,7 +7244,7 @@
           <p:cNvPr id="2" name="Title 1">
             <a:extLst>
               <a:ext uri="{FF2B5EF4-FFF2-40B4-BE49-F238E27FC236}">
-                <a16:creationId xmlns:a16="http://schemas.microsoft.com/office/drawing/2014/main" xmlns="" id="{83BECB6F-54BC-4FEF-9415-6368FCFC7449}"/>
+                <a16:creationId xmlns:a16="http://schemas.microsoft.com/office/drawing/2014/main" id="{D7697F9D-B854-4021-BE81-28136F9A0364}"/>
               </a:ext>
             </a:extLst>
           </p:cNvPr>
@@ -4113,7 +7260,10 @@
           <a:bodyPr/>
           <a:lstStyle/>
           <a:p>
-            <a:endParaRPr lang="en-US" dirty="0"/>
+            <a:r>
+              <a:rPr lang="en-US" dirty="0"/>
+              <a:t>Three data sources available</a:t>
+            </a:r>
           </a:p>
         </p:txBody>
       </p:sp>
@@ -4122,7 +7272,184 @@
           <p:cNvPr id="3" name="Content Placeholder 2">
             <a:extLst>
               <a:ext uri="{FF2B5EF4-FFF2-40B4-BE49-F238E27FC236}">
-                <a16:creationId xmlns:a16="http://schemas.microsoft.com/office/drawing/2014/main" xmlns="" id="{F324AA3C-69F8-4688-A15B-B67A6DFAC0EA}"/>
+                <a16:creationId xmlns:a16="http://schemas.microsoft.com/office/drawing/2014/main" id="{7A3F0B35-3134-48DA-B616-6DDD2FC690A0}"/>
+              </a:ext>
+            </a:extLst>
+          </p:cNvPr>
+          <p:cNvSpPr>
+            <a:spLocks noGrp="1"/>
+          </p:cNvSpPr>
+          <p:nvPr>
+            <p:ph idx="1"/>
+          </p:nvPr>
+        </p:nvSpPr>
+        <p:spPr>
+          <a:xfrm>
+            <a:off x="838200" y="1616364"/>
+            <a:ext cx="10515600" cy="4876511"/>
+          </a:xfrm>
+        </p:spPr>
+        <p:txBody>
+          <a:bodyPr>
+            <a:normAutofit fontScale="92500" lnSpcReduction="10000"/>
+          </a:bodyPr>
+          <a:lstStyle/>
+          <a:p>
+            <a:r>
+              <a:rPr lang="en-US" dirty="0" err="1"/>
+              <a:t>Lostwood</a:t>
+            </a:r>
+            <a:r>
+              <a:rPr lang="en-US" dirty="0"/>
+              <a:t> National Wildlife Refuge</a:t>
+            </a:r>
+          </a:p>
+          <a:p>
+            <a:pPr lvl="1"/>
+            <a:r>
+              <a:rPr lang="en-US" dirty="0"/>
+              <a:t>presence/absence data at several sites over 6 years</a:t>
+            </a:r>
+          </a:p>
+          <a:p>
+            <a:pPr lvl="1"/>
+            <a:r>
+              <a:rPr lang="en-US" dirty="0"/>
+              <a:t>some information on habitat features and weather</a:t>
+            </a:r>
+          </a:p>
+          <a:p>
+            <a:r>
+              <a:rPr lang="en-US" dirty="0"/>
+              <a:t>Nature Conservancy </a:t>
+            </a:r>
+          </a:p>
+          <a:p>
+            <a:pPr lvl="1"/>
+            <a:r>
+              <a:rPr lang="en-US" dirty="0"/>
+              <a:t>Transect surveys 3x per season from 1999-2009</a:t>
+            </a:r>
+          </a:p>
+          <a:p>
+            <a:pPr lvl="1"/>
+            <a:r>
+              <a:rPr lang="en-US" dirty="0"/>
+              <a:t>No information about the habitat or other covariates </a:t>
+            </a:r>
+          </a:p>
+          <a:p>
+            <a:pPr lvl="2"/>
+            <a:r>
+              <a:rPr lang="en-US" dirty="0"/>
+              <a:t>may be available from National Land Cover Data Base or NOAA weather data archives</a:t>
+            </a:r>
+          </a:p>
+          <a:p>
+            <a:r>
+              <a:rPr lang="en-US" dirty="0"/>
+              <a:t>BLM </a:t>
+            </a:r>
+          </a:p>
+          <a:p>
+            <a:pPr lvl="1"/>
+            <a:r>
+              <a:rPr lang="en-US" dirty="0"/>
+              <a:t>Gathered old field notebooks and </a:t>
+            </a:r>
+            <a:r>
+              <a:rPr lang="en-US" dirty="0" err="1"/>
+              <a:t>iNaturalist</a:t>
+            </a:r>
+            <a:r>
+              <a:rPr lang="en-US" dirty="0"/>
+              <a:t> records</a:t>
+            </a:r>
+          </a:p>
+          <a:p>
+            <a:pPr lvl="1"/>
+            <a:r>
+              <a:rPr lang="en-US" dirty="0"/>
+              <a:t>spanned 2 decades in the 1980s and 90s</a:t>
+            </a:r>
+          </a:p>
+          <a:p>
+            <a:pPr lvl="1"/>
+            <a:r>
+              <a:rPr lang="en-US" dirty="0"/>
+              <a:t>several sites throughout the range</a:t>
+            </a:r>
+          </a:p>
+          <a:p>
+            <a:pPr lvl="1"/>
+            <a:r>
+              <a:rPr lang="en-US" dirty="0"/>
+              <a:t>Various observers recorded the place, time, date and description of the number of butterflies</a:t>
+            </a:r>
+          </a:p>
+        </p:txBody>
+      </p:sp>
+    </p:spTree>
+    <p:extLst>
+      <p:ext uri="{BB962C8B-B14F-4D97-AF65-F5344CB8AC3E}">
+        <p14:creationId xmlns:p14="http://schemas.microsoft.com/office/powerpoint/2010/main" val="1691469344"/>
+      </p:ext>
+    </p:extLst>
+  </p:cSld>
+  <p:clrMapOvr>
+    <a:masterClrMapping/>
+  </p:clrMapOvr>
+</p:sld>
+</file>
+
+<file path=ppt/slides/slide6.xml><?xml version="1.0" encoding="utf-8"?>
+<p:sld xmlns:a="http://schemas.openxmlformats.org/drawingml/2006/main" xmlns:r="http://schemas.openxmlformats.org/officeDocument/2006/relationships" xmlns:p="http://schemas.openxmlformats.org/presentationml/2006/main">
+  <p:cSld>
+    <p:spTree>
+      <p:nvGrpSpPr>
+        <p:cNvPr id="1" name=""/>
+        <p:cNvGrpSpPr/>
+        <p:nvPr/>
+      </p:nvGrpSpPr>
+      <p:grpSpPr>
+        <a:xfrm>
+          <a:off x="0" y="0"/>
+          <a:ext cx="0" cy="0"/>
+          <a:chOff x="0" y="0"/>
+          <a:chExt cx="0" cy="0"/>
+        </a:xfrm>
+      </p:grpSpPr>
+      <p:sp>
+        <p:nvSpPr>
+          <p:cNvPr id="2" name="Title 1">
+            <a:extLst>
+              <a:ext uri="{FF2B5EF4-FFF2-40B4-BE49-F238E27FC236}">
+                <a16:creationId xmlns:a16="http://schemas.microsoft.com/office/drawing/2014/main" id="{83BECB6F-54BC-4FEF-9415-6368FCFC7449}"/>
+              </a:ext>
+            </a:extLst>
+          </p:cNvPr>
+          <p:cNvSpPr>
+            <a:spLocks noGrp="1"/>
+          </p:cNvSpPr>
+          <p:nvPr>
+            <p:ph type="title"/>
+          </p:nvPr>
+        </p:nvSpPr>
+        <p:spPr/>
+        <p:txBody>
+          <a:bodyPr/>
+          <a:lstStyle/>
+          <a:p>
+            <a:endParaRPr lang="en-US" dirty="0"/>
+          </a:p>
+        </p:txBody>
+      </p:sp>
+      <p:sp>
+        <p:nvSpPr>
+          <p:cNvPr id="3" name="Content Placeholder 2">
+            <a:extLst>
+              <a:ext uri="{FF2B5EF4-FFF2-40B4-BE49-F238E27FC236}">
+                <a16:creationId xmlns:a16="http://schemas.microsoft.com/office/drawing/2014/main" id="{F324AA3C-69F8-4688-A15B-B67A6DFAC0EA}"/>
               </a:ext>
             </a:extLst>
           </p:cNvPr>
@@ -4147,7 +7474,7 @@
           <p:cNvPr id="5" name="Picture 4">
             <a:extLst>
               <a:ext uri="{FF2B5EF4-FFF2-40B4-BE49-F238E27FC236}">
-                <a16:creationId xmlns:a16="http://schemas.microsoft.com/office/drawing/2014/main" xmlns="" id="{A4654D8D-E2E4-4C5E-A148-40C1C3F9D916}"/>
+                <a16:creationId xmlns:a16="http://schemas.microsoft.com/office/drawing/2014/main" id="{A4654D8D-E2E4-4C5E-A148-40C1C3F9D916}"/>
               </a:ext>
             </a:extLst>
           </p:cNvPr>
@@ -4185,7 +7512,7 @@
 </file>
 
 <file path=ppt/theme/theme1.xml><?xml version="1.0" encoding="utf-8"?>
-<a:theme xmlns:a="http://schemas.openxmlformats.org/drawingml/2006/main" name="Office Theme">
+<a:theme xmlns:a="http://schemas.openxmlformats.org/drawingml/2006/main" name="theme">
   <a:themeElements>
     <a:clrScheme name="Office">
       <a:dk1>
@@ -4473,8 +7800,293 @@
   <a:extraClrSchemeLst/>
   <a:extLst>
     <a:ext uri="{05A4C25C-085E-4340-85A3-A5531E510DB2}">
-      <thm15:themeFamily xmlns:thm15="http://schemas.microsoft.com/office/thememl/2012/main" xmlns="" name="Office Theme" id="{62F939B6-93AF-4DB8-9C6B-D6C7DFDC589F}" vid="{4A3C46E8-61CC-4603-A589-7422A47A8E4A}"/>
+      <thm15:themeFamily xmlns:thm15="http://schemas.microsoft.com/office/thememl/2012/main" name="Presentation1" id="{A72458EE-BFF9-468A-8464-DFD913327021}" vid="{7EB1F43D-0D6C-4939-8000-7D7E4F656E14}"/>
     </a:ext>
   </a:extLst>
 </a:theme>
+</file>
+
+<file path=ppt/theme/theme2.xml><?xml version="1.0" encoding="utf-8"?>
+<a:theme xmlns:a="http://schemas.openxmlformats.org/drawingml/2006/main" name="1_Office Theme">
+  <a:themeElements>
+    <a:clrScheme name="Office">
+      <a:dk1>
+        <a:sysClr val="windowText" lastClr="000000"/>
+      </a:dk1>
+      <a:lt1>
+        <a:sysClr val="window" lastClr="FFFFFF"/>
+      </a:lt1>
+      <a:dk2>
+        <a:srgbClr val="1F497D"/>
+      </a:dk2>
+      <a:lt2>
+        <a:srgbClr val="EEECE1"/>
+      </a:lt2>
+      <a:accent1>
+        <a:srgbClr val="4F81BD"/>
+      </a:accent1>
+      <a:accent2>
+        <a:srgbClr val="C0504D"/>
+      </a:accent2>
+      <a:accent3>
+        <a:srgbClr val="9BBB59"/>
+      </a:accent3>
+      <a:accent4>
+        <a:srgbClr val="8064A2"/>
+      </a:accent4>
+      <a:accent5>
+        <a:srgbClr val="4BACC6"/>
+      </a:accent5>
+      <a:accent6>
+        <a:srgbClr val="F79646"/>
+      </a:accent6>
+      <a:hlink>
+        <a:srgbClr val="0000FF"/>
+      </a:hlink>
+      <a:folHlink>
+        <a:srgbClr val="800080"/>
+      </a:folHlink>
+    </a:clrScheme>
+    <a:fontScheme name="Office">
+      <a:majorFont>
+        <a:latin typeface="Calibri"/>
+        <a:ea typeface=""/>
+        <a:cs typeface=""/>
+        <a:font script="Jpan" typeface="ＭＳ Ｐゴシック"/>
+        <a:font script="Hang" typeface="맑은 고딕"/>
+        <a:font script="Hans" typeface="宋体"/>
+        <a:font script="Hant" typeface="新細明體"/>
+        <a:font script="Arab" typeface="Times New Roman"/>
+        <a:font script="Hebr" typeface="Times New Roman"/>
+        <a:font script="Thai" typeface="Angsana New"/>
+        <a:font script="Ethi" typeface="Nyala"/>
+        <a:font script="Beng" typeface="Vrinda"/>
+        <a:font script="Gujr" typeface="Shruti"/>
+        <a:font script="Khmr" typeface="MoolBoran"/>
+        <a:font script="Knda" typeface="Tunga"/>
+        <a:font script="Guru" typeface="Raavi"/>
+        <a:font script="Cans" typeface="Euphemia"/>
+        <a:font script="Cher" typeface="Plantagenet Cherokee"/>
+        <a:font script="Yiii" typeface="Microsoft Yi Baiti"/>
+        <a:font script="Tibt" typeface="Microsoft Himalaya"/>
+        <a:font script="Thaa" typeface="MV Boli"/>
+        <a:font script="Deva" typeface="Mangal"/>
+        <a:font script="Telu" typeface="Gautami"/>
+        <a:font script="Taml" typeface="Latha"/>
+        <a:font script="Syrc" typeface="Estrangelo Edessa"/>
+        <a:font script="Orya" typeface="Kalinga"/>
+        <a:font script="Mlym" typeface="Kartika"/>
+        <a:font script="Laoo" typeface="DokChampa"/>
+        <a:font script="Sinh" typeface="Iskoola Pota"/>
+        <a:font script="Mong" typeface="Mongolian Baiti"/>
+        <a:font script="Viet" typeface="Times New Roman"/>
+        <a:font script="Uigh" typeface="Microsoft Uighur"/>
+        <a:font script="Geor" typeface="Sylfaen"/>
+      </a:majorFont>
+      <a:minorFont>
+        <a:latin typeface="Calibri"/>
+        <a:ea typeface=""/>
+        <a:cs typeface=""/>
+        <a:font script="Jpan" typeface="ＭＳ Ｐゴシック"/>
+        <a:font script="Hang" typeface="맑은 고딕"/>
+        <a:font script="Hans" typeface="宋体"/>
+        <a:font script="Hant" typeface="新細明體"/>
+        <a:font script="Arab" typeface="Arial"/>
+        <a:font script="Hebr" typeface="Arial"/>
+        <a:font script="Thai" typeface="Cordia New"/>
+        <a:font script="Ethi" typeface="Nyala"/>
+        <a:font script="Beng" typeface="Vrinda"/>
+        <a:font script="Gujr" typeface="Shruti"/>
+        <a:font script="Khmr" typeface="DaunPenh"/>
+        <a:font script="Knda" typeface="Tunga"/>
+        <a:font script="Guru" typeface="Raavi"/>
+        <a:font script="Cans" typeface="Euphemia"/>
+        <a:font script="Cher" typeface="Plantagenet Cherokee"/>
+        <a:font script="Yiii" typeface="Microsoft Yi Baiti"/>
+        <a:font script="Tibt" typeface="Microsoft Himalaya"/>
+        <a:font script="Thaa" typeface="MV Boli"/>
+        <a:font script="Deva" typeface="Mangal"/>
+        <a:font script="Telu" typeface="Gautami"/>
+        <a:font script="Taml" typeface="Latha"/>
+        <a:font script="Syrc" typeface="Estrangelo Edessa"/>
+        <a:font script="Orya" typeface="Kalinga"/>
+        <a:font script="Mlym" typeface="Kartika"/>
+        <a:font script="Laoo" typeface="DokChampa"/>
+        <a:font script="Sinh" typeface="Iskoola Pota"/>
+        <a:font script="Mong" typeface="Mongolian Baiti"/>
+        <a:font script="Viet" typeface="Arial"/>
+        <a:font script="Uigh" typeface="Microsoft Uighur"/>
+        <a:font script="Geor" typeface="Sylfaen"/>
+      </a:minorFont>
+    </a:fontScheme>
+    <a:fmtScheme name="Office">
+      <a:fillStyleLst>
+        <a:solidFill>
+          <a:schemeClr val="phClr"/>
+        </a:solidFill>
+        <a:gradFill rotWithShape="1">
+          <a:gsLst>
+            <a:gs pos="0">
+              <a:schemeClr val="phClr">
+                <a:tint val="50000"/>
+                <a:satMod val="300000"/>
+              </a:schemeClr>
+            </a:gs>
+            <a:gs pos="35000">
+              <a:schemeClr val="phClr">
+                <a:tint val="37000"/>
+                <a:satMod val="300000"/>
+              </a:schemeClr>
+            </a:gs>
+            <a:gs pos="100000">
+              <a:schemeClr val="phClr">
+                <a:tint val="15000"/>
+                <a:satMod val="350000"/>
+              </a:schemeClr>
+            </a:gs>
+          </a:gsLst>
+          <a:lin ang="16200000" scaled="1"/>
+        </a:gradFill>
+        <a:gradFill rotWithShape="1">
+          <a:gsLst>
+            <a:gs pos="0">
+              <a:schemeClr val="phClr">
+                <a:shade val="51000"/>
+                <a:satMod val="130000"/>
+              </a:schemeClr>
+            </a:gs>
+            <a:gs pos="80000">
+              <a:schemeClr val="phClr">
+                <a:shade val="93000"/>
+                <a:satMod val="130000"/>
+              </a:schemeClr>
+            </a:gs>
+            <a:gs pos="100000">
+              <a:schemeClr val="phClr">
+                <a:shade val="94000"/>
+                <a:satMod val="135000"/>
+              </a:schemeClr>
+            </a:gs>
+          </a:gsLst>
+          <a:lin ang="16200000" scaled="0"/>
+        </a:gradFill>
+      </a:fillStyleLst>
+      <a:lnStyleLst>
+        <a:ln w="9525" cap="flat" cmpd="sng" algn="ctr">
+          <a:solidFill>
+            <a:schemeClr val="phClr">
+              <a:shade val="95000"/>
+              <a:satMod val="105000"/>
+            </a:schemeClr>
+          </a:solidFill>
+          <a:prstDash val="solid"/>
+        </a:ln>
+        <a:ln w="25400" cap="flat" cmpd="sng" algn="ctr">
+          <a:solidFill>
+            <a:schemeClr val="phClr"/>
+          </a:solidFill>
+          <a:prstDash val="solid"/>
+        </a:ln>
+        <a:ln w="38100" cap="flat" cmpd="sng" algn="ctr">
+          <a:solidFill>
+            <a:schemeClr val="phClr"/>
+          </a:solidFill>
+          <a:prstDash val="solid"/>
+        </a:ln>
+      </a:lnStyleLst>
+      <a:effectStyleLst>
+        <a:effectStyle>
+          <a:effectLst>
+            <a:outerShdw blurRad="40000" dist="20000" dir="5400000" rotWithShape="0">
+              <a:srgbClr val="000000">
+                <a:alpha val="38000"/>
+              </a:srgbClr>
+            </a:outerShdw>
+          </a:effectLst>
+        </a:effectStyle>
+        <a:effectStyle>
+          <a:effectLst>
+            <a:outerShdw blurRad="40000" dist="23000" dir="5400000" rotWithShape="0">
+              <a:srgbClr val="000000">
+                <a:alpha val="35000"/>
+              </a:srgbClr>
+            </a:outerShdw>
+          </a:effectLst>
+        </a:effectStyle>
+        <a:effectStyle>
+          <a:effectLst>
+            <a:outerShdw blurRad="40000" dist="23000" dir="5400000" rotWithShape="0">
+              <a:srgbClr val="000000">
+                <a:alpha val="35000"/>
+              </a:srgbClr>
+            </a:outerShdw>
+          </a:effectLst>
+          <a:scene3d>
+            <a:camera prst="orthographicFront">
+              <a:rot lat="0" lon="0" rev="0"/>
+            </a:camera>
+            <a:lightRig rig="threePt" dir="t">
+              <a:rot lat="0" lon="0" rev="1200000"/>
+            </a:lightRig>
+          </a:scene3d>
+          <a:sp3d>
+            <a:bevelT w="63500" h="25400"/>
+          </a:sp3d>
+        </a:effectStyle>
+      </a:effectStyleLst>
+      <a:bgFillStyleLst>
+        <a:solidFill>
+          <a:schemeClr val="phClr"/>
+        </a:solidFill>
+        <a:gradFill rotWithShape="1">
+          <a:gsLst>
+            <a:gs pos="0">
+              <a:schemeClr val="phClr">
+                <a:tint val="40000"/>
+                <a:satMod val="350000"/>
+              </a:schemeClr>
+            </a:gs>
+            <a:gs pos="40000">
+              <a:schemeClr val="phClr">
+                <a:tint val="45000"/>
+                <a:shade val="99000"/>
+                <a:satMod val="350000"/>
+              </a:schemeClr>
+            </a:gs>
+            <a:gs pos="100000">
+              <a:schemeClr val="phClr">
+                <a:shade val="20000"/>
+                <a:satMod val="255000"/>
+              </a:schemeClr>
+            </a:gs>
+          </a:gsLst>
+          <a:path path="circle">
+            <a:fillToRect l="50000" t="-80000" r="50000" b="180000"/>
+          </a:path>
+        </a:gradFill>
+        <a:gradFill rotWithShape="1">
+          <a:gsLst>
+            <a:gs pos="0">
+              <a:schemeClr val="phClr">
+                <a:tint val="80000"/>
+                <a:satMod val="300000"/>
+              </a:schemeClr>
+            </a:gs>
+            <a:gs pos="100000">
+              <a:schemeClr val="phClr">
+                <a:shade val="30000"/>
+                <a:satMod val="200000"/>
+              </a:schemeClr>
+            </a:gs>
+          </a:gsLst>
+          <a:path path="circle">
+            <a:fillToRect l="50000" t="50000" r="50000" b="50000"/>
+          </a:path>
+        </a:gradFill>
+      </a:bgFillStyleLst>
+    </a:fmtScheme>
+  </a:themeElements>
+  <a:objectDefaults/>
+  <a:extraClrSchemeLst/>
+</a:theme>
 </file>
--- a/static/activities/activity-4.pptx
+++ b/static/activities/activity-4.pptx
@@ -496,7 +496,7 @@
           <a:p>
             <a:fld id="{F657B805-F065-4DDD-821B-D6FAE50E53FB}" type="datetimeFigureOut">
               <a:rPr lang="en-US" smtClean="0"/>
-              <a:t>12/11/2018</a:t>
+              <a:t>12/13/2018</a:t>
             </a:fld>
             <a:endParaRPr lang="en-US"/>
           </a:p>
@@ -720,7 +720,7 @@
           <a:p>
             <a:fld id="{F657B805-F065-4DDD-821B-D6FAE50E53FB}" type="datetimeFigureOut">
               <a:rPr lang="en-US" smtClean="0"/>
-              <a:t>12/11/2018</a:t>
+              <a:t>12/13/2018</a:t>
             </a:fld>
             <a:endParaRPr lang="en-US"/>
           </a:p>
@@ -980,7 +980,7 @@
           <a:p>
             <a:fld id="{589E5873-CF7F-45F3-B283-E59B1D6F242C}" type="datetimeFigureOut">
               <a:rPr lang="en-US" smtClean="0"/>
-              <a:t>12/11/2018</a:t>
+              <a:t>12/13/2018</a:t>
             </a:fld>
             <a:endParaRPr lang="en-US"/>
           </a:p>
@@ -1148,7 +1148,7 @@
           <a:p>
             <a:fld id="{589E5873-CF7F-45F3-B283-E59B1D6F242C}" type="datetimeFigureOut">
               <a:rPr lang="en-US" smtClean="0"/>
-              <a:t>12/11/2018</a:t>
+              <a:t>12/13/2018</a:t>
             </a:fld>
             <a:endParaRPr lang="en-US"/>
           </a:p>
@@ -1393,7 +1393,7 @@
           <a:p>
             <a:fld id="{589E5873-CF7F-45F3-B283-E59B1D6F242C}" type="datetimeFigureOut">
               <a:rPr lang="en-US" smtClean="0"/>
-              <a:t>12/11/2018</a:t>
+              <a:t>12/13/2018</a:t>
             </a:fld>
             <a:endParaRPr lang="en-US"/>
           </a:p>
@@ -1678,7 +1678,7 @@
           <a:p>
             <a:fld id="{589E5873-CF7F-45F3-B283-E59B1D6F242C}" type="datetimeFigureOut">
               <a:rPr lang="en-US" smtClean="0"/>
-              <a:t>12/11/2018</a:t>
+              <a:t>12/13/2018</a:t>
             </a:fld>
             <a:endParaRPr lang="en-US"/>
           </a:p>
@@ -2097,7 +2097,7 @@
           <a:p>
             <a:fld id="{589E5873-CF7F-45F3-B283-E59B1D6F242C}" type="datetimeFigureOut">
               <a:rPr lang="en-US" smtClean="0"/>
-              <a:t>12/11/2018</a:t>
+              <a:t>12/13/2018</a:t>
             </a:fld>
             <a:endParaRPr lang="en-US"/>
           </a:p>
@@ -2214,7 +2214,7 @@
           <a:p>
             <a:fld id="{589E5873-CF7F-45F3-B283-E59B1D6F242C}" type="datetimeFigureOut">
               <a:rPr lang="en-US" smtClean="0"/>
-              <a:t>12/11/2018</a:t>
+              <a:t>12/13/2018</a:t>
             </a:fld>
             <a:endParaRPr lang="en-US"/>
           </a:p>
@@ -2309,7 +2309,7 @@
           <a:p>
             <a:fld id="{589E5873-CF7F-45F3-B283-E59B1D6F242C}" type="datetimeFigureOut">
               <a:rPr lang="en-US" smtClean="0"/>
-              <a:t>12/11/2018</a:t>
+              <a:t>12/13/2018</a:t>
             </a:fld>
             <a:endParaRPr lang="en-US"/>
           </a:p>
@@ -2584,7 +2584,7 @@
           <a:p>
             <a:fld id="{589E5873-CF7F-45F3-B283-E59B1D6F242C}" type="datetimeFigureOut">
               <a:rPr lang="en-US" smtClean="0"/>
-              <a:t>12/11/2018</a:t>
+              <a:t>12/13/2018</a:t>
             </a:fld>
             <a:endParaRPr lang="en-US"/>
           </a:p>
@@ -3085,7 +3085,7 @@
           <a:p>
             <a:fld id="{589E5873-CF7F-45F3-B283-E59B1D6F242C}" type="datetimeFigureOut">
               <a:rPr lang="en-US" smtClean="0"/>
-              <a:t>12/11/2018</a:t>
+              <a:t>12/13/2018</a:t>
             </a:fld>
             <a:endParaRPr lang="en-US"/>
           </a:p>
@@ -3253,7 +3253,7 @@
           <a:p>
             <a:fld id="{589E5873-CF7F-45F3-B283-E59B1D6F242C}" type="datetimeFigureOut">
               <a:rPr lang="en-US" smtClean="0"/>
-              <a:t>12/11/2018</a:t>
+              <a:t>12/13/2018</a:t>
             </a:fld>
             <a:endParaRPr lang="en-US"/>
           </a:p>
@@ -3431,7 +3431,7 @@
           <a:p>
             <a:fld id="{589E5873-CF7F-45F3-B283-E59B1D6F242C}" type="datetimeFigureOut">
               <a:rPr lang="en-US" smtClean="0"/>
-              <a:t>12/11/2018</a:t>
+              <a:t>12/13/2018</a:t>
             </a:fld>
             <a:endParaRPr lang="en-US"/>
           </a:p>
@@ -3702,7 +3702,7 @@
           <a:p>
             <a:fld id="{F657B805-F065-4DDD-821B-D6FAE50E53FB}" type="datetimeFigureOut">
               <a:rPr lang="en-US" smtClean="0"/>
-              <a:t>12/11/2018</a:t>
+              <a:t>12/13/2018</a:t>
             </a:fld>
             <a:endParaRPr lang="en-US"/>
           </a:p>
@@ -3983,7 +3983,7 @@
           <a:p>
             <a:fld id="{F657B805-F065-4DDD-821B-D6FAE50E53FB}" type="datetimeFigureOut">
               <a:rPr lang="en-US" smtClean="0"/>
-              <a:t>12/11/2018</a:t>
+              <a:t>12/13/2018</a:t>
             </a:fld>
             <a:endParaRPr lang="en-US"/>
           </a:p>
@@ -4411,7 +4411,7 @@
           <a:p>
             <a:fld id="{F657B805-F065-4DDD-821B-D6FAE50E53FB}" type="datetimeFigureOut">
               <a:rPr lang="en-US" smtClean="0"/>
-              <a:t>12/11/2018</a:t>
+              <a:t>12/13/2018</a:t>
             </a:fld>
             <a:endParaRPr lang="en-US"/>
           </a:p>
@@ -4568,7 +4568,7 @@
           <a:p>
             <a:fld id="{F657B805-F065-4DDD-821B-D6FAE50E53FB}" type="datetimeFigureOut">
               <a:rPr lang="en-US" smtClean="0"/>
-              <a:t>12/11/2018</a:t>
+              <a:t>12/13/2018</a:t>
             </a:fld>
             <a:endParaRPr lang="en-US"/>
           </a:p>
@@ -4697,7 +4697,7 @@
           <a:p>
             <a:fld id="{F657B805-F065-4DDD-821B-D6FAE50E53FB}" type="datetimeFigureOut">
               <a:rPr lang="en-US" smtClean="0"/>
-              <a:t>12/11/2018</a:t>
+              <a:t>12/13/2018</a:t>
             </a:fld>
             <a:endParaRPr lang="en-US"/>
           </a:p>
@@ -5024,7 +5024,7 @@
           <a:p>
             <a:fld id="{F657B805-F065-4DDD-821B-D6FAE50E53FB}" type="datetimeFigureOut">
               <a:rPr lang="en-US" smtClean="0"/>
-              <a:t>12/11/2018</a:t>
+              <a:t>12/13/2018</a:t>
             </a:fld>
             <a:endParaRPr lang="en-US"/>
           </a:p>
@@ -5331,7 +5331,7 @@
           <a:p>
             <a:fld id="{F657B805-F065-4DDD-821B-D6FAE50E53FB}" type="datetimeFigureOut">
               <a:rPr lang="en-US" smtClean="0"/>
-              <a:t>12/11/2018</a:t>
+              <a:t>12/13/2018</a:t>
             </a:fld>
             <a:endParaRPr lang="en-US"/>
           </a:p>
@@ -6129,7 +6129,7 @@
           <a:p>
             <a:fld id="{589E5873-CF7F-45F3-B283-E59B1D6F242C}" type="datetimeFigureOut">
               <a:rPr lang="en-US" smtClean="0"/>
-              <a:t>12/11/2018</a:t>
+              <a:t>12/13/2018</a:t>
             </a:fld>
             <a:endParaRPr lang="en-US"/>
           </a:p>
@@ -6678,7 +6678,7 @@
         <p:spPr>
           <a:xfrm>
             <a:off x="6494106" y="866520"/>
-            <a:ext cx="5384537" cy="4524315"/>
+            <a:ext cx="5384537" cy="4893647"/>
           </a:xfrm>
           <a:prstGeom prst="rect">
             <a:avLst/>
@@ -6722,7 +6722,7 @@
             </a:pPr>
             <a:r>
               <a:rPr lang="en-US" sz="2400" dirty="0"/>
-              <a:t>An analysis to understand the current conditions for the species and key ecological needs, stressors, and threats</a:t>
+              <a:t>A planned analysis to understand the current conditions for the species and key ecological needs, stressors, and threats</a:t>
             </a:r>
           </a:p>
           <a:p>
@@ -6732,7 +6732,7 @@
             </a:pPr>
             <a:r>
               <a:rPr lang="en-US" sz="2400" dirty="0"/>
-              <a:t>A stochastic projection model to predict the future state of the species under one or more scenarios</a:t>
+              <a:t>A planned stochastic projection model to predict the future state of the species under one or more scenarios</a:t>
             </a:r>
           </a:p>
         </p:txBody>

--- a/static/activities/activity-4.pptx
+++ b/static/activities/activity-4.pptx
@@ -496,7 +496,7 @@
           <a:p>
             <a:fld id="{F657B805-F065-4DDD-821B-D6FAE50E53FB}" type="datetimeFigureOut">
               <a:rPr lang="en-US" smtClean="0"/>
-              <a:t>12/13/2018</a:t>
+              <a:t>11/7/2019</a:t>
             </a:fld>
             <a:endParaRPr lang="en-US"/>
           </a:p>
@@ -720,7 +720,7 @@
           <a:p>
             <a:fld id="{F657B805-F065-4DDD-821B-D6FAE50E53FB}" type="datetimeFigureOut">
               <a:rPr lang="en-US" smtClean="0"/>
-              <a:t>12/13/2018</a:t>
+              <a:t>11/7/2019</a:t>
             </a:fld>
             <a:endParaRPr lang="en-US"/>
           </a:p>
@@ -980,7 +980,7 @@
           <a:p>
             <a:fld id="{589E5873-CF7F-45F3-B283-E59B1D6F242C}" type="datetimeFigureOut">
               <a:rPr lang="en-US" smtClean="0"/>
-              <a:t>12/13/2018</a:t>
+              <a:t>11/7/2019</a:t>
             </a:fld>
             <a:endParaRPr lang="en-US"/>
           </a:p>
@@ -1148,7 +1148,7 @@
           <a:p>
             <a:fld id="{589E5873-CF7F-45F3-B283-E59B1D6F242C}" type="datetimeFigureOut">
               <a:rPr lang="en-US" smtClean="0"/>
-              <a:t>12/13/2018</a:t>
+              <a:t>11/7/2019</a:t>
             </a:fld>
             <a:endParaRPr lang="en-US"/>
           </a:p>
@@ -1393,7 +1393,7 @@
           <a:p>
             <a:fld id="{589E5873-CF7F-45F3-B283-E59B1D6F242C}" type="datetimeFigureOut">
               <a:rPr lang="en-US" smtClean="0"/>
-              <a:t>12/13/2018</a:t>
+              <a:t>11/7/2019</a:t>
             </a:fld>
             <a:endParaRPr lang="en-US"/>
           </a:p>
@@ -1678,7 +1678,7 @@
           <a:p>
             <a:fld id="{589E5873-CF7F-45F3-B283-E59B1D6F242C}" type="datetimeFigureOut">
               <a:rPr lang="en-US" smtClean="0"/>
-              <a:t>12/13/2018</a:t>
+              <a:t>11/7/2019</a:t>
             </a:fld>
             <a:endParaRPr lang="en-US"/>
           </a:p>
@@ -2097,7 +2097,7 @@
           <a:p>
             <a:fld id="{589E5873-CF7F-45F3-B283-E59B1D6F242C}" type="datetimeFigureOut">
               <a:rPr lang="en-US" smtClean="0"/>
-              <a:t>12/13/2018</a:t>
+              <a:t>11/7/2019</a:t>
             </a:fld>
             <a:endParaRPr lang="en-US"/>
           </a:p>
@@ -2214,7 +2214,7 @@
           <a:p>
             <a:fld id="{589E5873-CF7F-45F3-B283-E59B1D6F242C}" type="datetimeFigureOut">
               <a:rPr lang="en-US" smtClean="0"/>
-              <a:t>12/13/2018</a:t>
+              <a:t>11/7/2019</a:t>
             </a:fld>
             <a:endParaRPr lang="en-US"/>
           </a:p>
@@ -2309,7 +2309,7 @@
           <a:p>
             <a:fld id="{589E5873-CF7F-45F3-B283-E59B1D6F242C}" type="datetimeFigureOut">
               <a:rPr lang="en-US" smtClean="0"/>
-              <a:t>12/13/2018</a:t>
+              <a:t>11/7/2019</a:t>
             </a:fld>
             <a:endParaRPr lang="en-US"/>
           </a:p>
@@ -2584,7 +2584,7 @@
           <a:p>
             <a:fld id="{589E5873-CF7F-45F3-B283-E59B1D6F242C}" type="datetimeFigureOut">
               <a:rPr lang="en-US" smtClean="0"/>
-              <a:t>12/13/2018</a:t>
+              <a:t>11/7/2019</a:t>
             </a:fld>
             <a:endParaRPr lang="en-US"/>
           </a:p>
@@ -3085,7 +3085,7 @@
           <a:p>
             <a:fld id="{589E5873-CF7F-45F3-B283-E59B1D6F242C}" type="datetimeFigureOut">
               <a:rPr lang="en-US" smtClean="0"/>
-              <a:t>12/13/2018</a:t>
+              <a:t>11/7/2019</a:t>
             </a:fld>
             <a:endParaRPr lang="en-US"/>
           </a:p>
@@ -3253,7 +3253,7 @@
           <a:p>
             <a:fld id="{589E5873-CF7F-45F3-B283-E59B1D6F242C}" type="datetimeFigureOut">
               <a:rPr lang="en-US" smtClean="0"/>
-              <a:t>12/13/2018</a:t>
+              <a:t>11/7/2019</a:t>
             </a:fld>
             <a:endParaRPr lang="en-US"/>
           </a:p>
@@ -3431,7 +3431,7 @@
           <a:p>
             <a:fld id="{589E5873-CF7F-45F3-B283-E59B1D6F242C}" type="datetimeFigureOut">
               <a:rPr lang="en-US" smtClean="0"/>
-              <a:t>12/13/2018</a:t>
+              <a:t>11/7/2019</a:t>
             </a:fld>
             <a:endParaRPr lang="en-US"/>
           </a:p>
@@ -3702,7 +3702,7 @@
           <a:p>
             <a:fld id="{F657B805-F065-4DDD-821B-D6FAE50E53FB}" type="datetimeFigureOut">
               <a:rPr lang="en-US" smtClean="0"/>
-              <a:t>12/13/2018</a:t>
+              <a:t>11/7/2019</a:t>
             </a:fld>
             <a:endParaRPr lang="en-US"/>
           </a:p>
@@ -3983,7 +3983,7 @@
           <a:p>
             <a:fld id="{F657B805-F065-4DDD-821B-D6FAE50E53FB}" type="datetimeFigureOut">
               <a:rPr lang="en-US" smtClean="0"/>
-              <a:t>12/13/2018</a:t>
+              <a:t>11/7/2019</a:t>
             </a:fld>
             <a:endParaRPr lang="en-US"/>
           </a:p>
@@ -4411,7 +4411,7 @@
           <a:p>
             <a:fld id="{F657B805-F065-4DDD-821B-D6FAE50E53FB}" type="datetimeFigureOut">
               <a:rPr lang="en-US" smtClean="0"/>
-              <a:t>12/13/2018</a:t>
+              <a:t>11/7/2019</a:t>
             </a:fld>
             <a:endParaRPr lang="en-US"/>
           </a:p>
@@ -4568,7 +4568,7 @@
           <a:p>
             <a:fld id="{F657B805-F065-4DDD-821B-D6FAE50E53FB}" type="datetimeFigureOut">
               <a:rPr lang="en-US" smtClean="0"/>
-              <a:t>12/13/2018</a:t>
+              <a:t>11/7/2019</a:t>
             </a:fld>
             <a:endParaRPr lang="en-US"/>
           </a:p>
@@ -4697,7 +4697,7 @@
           <a:p>
             <a:fld id="{F657B805-F065-4DDD-821B-D6FAE50E53FB}" type="datetimeFigureOut">
               <a:rPr lang="en-US" smtClean="0"/>
-              <a:t>12/13/2018</a:t>
+              <a:t>11/7/2019</a:t>
             </a:fld>
             <a:endParaRPr lang="en-US"/>
           </a:p>
@@ -5024,7 +5024,7 @@
           <a:p>
             <a:fld id="{F657B805-F065-4DDD-821B-D6FAE50E53FB}" type="datetimeFigureOut">
               <a:rPr lang="en-US" smtClean="0"/>
-              <a:t>12/13/2018</a:t>
+              <a:t>11/7/2019</a:t>
             </a:fld>
             <a:endParaRPr lang="en-US"/>
           </a:p>
@@ -5331,7 +5331,7 @@
           <a:p>
             <a:fld id="{F657B805-F065-4DDD-821B-D6FAE50E53FB}" type="datetimeFigureOut">
               <a:rPr lang="en-US" smtClean="0"/>
-              <a:t>12/13/2018</a:t>
+              <a:t>11/7/2019</a:t>
             </a:fld>
             <a:endParaRPr lang="en-US"/>
           </a:p>
@@ -6129,7 +6129,7 @@
           <a:p>
             <a:fld id="{589E5873-CF7F-45F3-B283-E59B1D6F242C}" type="datetimeFigureOut">
               <a:rPr lang="en-US" smtClean="0"/>
-              <a:t>12/13/2018</a:t>
+              <a:t>11/7/2019</a:t>
             </a:fld>
             <a:endParaRPr lang="en-US"/>
           </a:p>
